--- a/GeneService_Presentation.pptx
+++ b/GeneService_Presentation.pptx
@@ -5,18 +5,20 @@
     <p:sldMasterId id="2147483696" r:id="rId1"/>
   </p:sldMasterIdLst>
   <p:notesMasterIdLst>
-    <p:notesMasterId r:id="rId11"/>
+    <p:notesMasterId r:id="rId13"/>
   </p:notesMasterIdLst>
   <p:sldIdLst>
     <p:sldId id="256" r:id="rId2"/>
     <p:sldId id="257" r:id="rId3"/>
     <p:sldId id="258" r:id="rId4"/>
     <p:sldId id="275" r:id="rId5"/>
-    <p:sldId id="280" r:id="rId6"/>
-    <p:sldId id="284" r:id="rId7"/>
-    <p:sldId id="281" r:id="rId8"/>
-    <p:sldId id="285" r:id="rId9"/>
-    <p:sldId id="282" r:id="rId10"/>
+    <p:sldId id="286" r:id="rId6"/>
+    <p:sldId id="288" r:id="rId7"/>
+    <p:sldId id="284" r:id="rId8"/>
+    <p:sldId id="281" r:id="rId9"/>
+    <p:sldId id="285" r:id="rId10"/>
+    <p:sldId id="282" r:id="rId11"/>
+    <p:sldId id="287" r:id="rId12"/>
   </p:sldIdLst>
   <p:sldSz cx="12192000" cy="6858000"/>
   <p:notesSz cx="6858000" cy="9144000"/>
@@ -1712,6 +1714,260 @@
 </p:notes>
 </file>
 
+<file path=ppt/notesSlides/notesSlide10.xml><?xml version="1.0" encoding="utf-8"?>
+<p:notes xmlns:a="http://schemas.openxmlformats.org/drawingml/2006/main" xmlns:r="http://schemas.openxmlformats.org/officeDocument/2006/relationships" xmlns:p="http://schemas.openxmlformats.org/presentationml/2006/main" showMasterSp="0" showMasterPhAnim="0">
+  <p:cSld>
+    <p:spTree>
+      <p:nvGrpSpPr>
+        <p:cNvPr id="1" name="Shape 126"/>
+        <p:cNvGrpSpPr/>
+        <p:nvPr/>
+      </p:nvGrpSpPr>
+      <p:grpSpPr>
+        <a:xfrm>
+          <a:off x="0" y="0"/>
+          <a:ext cx="0" cy="0"/>
+          <a:chOff x="0" y="0"/>
+          <a:chExt cx="0" cy="0"/>
+        </a:xfrm>
+      </p:grpSpPr>
+      <p:sp>
+        <p:nvSpPr>
+          <p:cNvPr id="127" name="Google Shape;127;p3:notes"/>
+          <p:cNvSpPr txBox="1">
+            <a:spLocks noGrp="1"/>
+          </p:cNvSpPr>
+          <p:nvPr>
+            <p:ph type="body" idx="1"/>
+          </p:nvPr>
+        </p:nvSpPr>
+        <p:spPr>
+          <a:xfrm>
+            <a:off x="685800" y="4400550"/>
+            <a:ext cx="5486400" cy="3600450"/>
+          </a:xfrm>
+          <a:prstGeom prst="rect">
+            <a:avLst/>
+          </a:prstGeom>
+          <a:noFill/>
+          <a:ln>
+            <a:noFill/>
+          </a:ln>
+        </p:spPr>
+        <p:txBody>
+          <a:bodyPr spcFirstLastPara="1" wrap="square" lIns="91425" tIns="45700" rIns="91425" bIns="45700" anchor="t" anchorCtr="0">
+            <a:noAutofit/>
+          </a:bodyPr>
+          <a:lstStyle/>
+          <a:p>
+            <a:pPr marL="0" lvl="0" indent="0" algn="l" rtl="0">
+              <a:lnSpc>
+                <a:spcPct val="100000"/>
+              </a:lnSpc>
+              <a:spcBef>
+                <a:spcPts val="0"/>
+              </a:spcBef>
+              <a:spcAft>
+                <a:spcPts val="0"/>
+              </a:spcAft>
+              <a:buSzPts val="1400"/>
+              <a:buNone/>
+            </a:pPr>
+            <a:endParaRPr/>
+          </a:p>
+        </p:txBody>
+      </p:sp>
+      <p:sp>
+        <p:nvSpPr>
+          <p:cNvPr id="128" name="Google Shape;128;p3:notes"/>
+          <p:cNvSpPr>
+            <a:spLocks noGrp="1" noRot="1" noChangeAspect="1"/>
+          </p:cNvSpPr>
+          <p:nvPr>
+            <p:ph type="sldImg" idx="2"/>
+          </p:nvPr>
+        </p:nvSpPr>
+        <p:spPr>
+          <a:xfrm>
+            <a:off x="685800" y="1143000"/>
+            <a:ext cx="5486400" cy="3086100"/>
+          </a:xfrm>
+          <a:custGeom>
+            <a:avLst/>
+            <a:gdLst/>
+            <a:ahLst/>
+            <a:cxnLst/>
+            <a:rect l="l" t="t" r="r" b="b"/>
+            <a:pathLst>
+              <a:path w="120000" h="120000" extrusionOk="0">
+                <a:moveTo>
+                  <a:pt x="0" y="0"/>
+                </a:moveTo>
+                <a:lnTo>
+                  <a:pt x="120000" y="0"/>
+                </a:lnTo>
+                <a:lnTo>
+                  <a:pt x="120000" y="120000"/>
+                </a:lnTo>
+                <a:lnTo>
+                  <a:pt x="0" y="120000"/>
+                </a:lnTo>
+                <a:close/>
+              </a:path>
+            </a:pathLst>
+          </a:custGeom>
+          <a:noFill/>
+          <a:ln w="12700" cap="flat" cmpd="sng">
+            <a:solidFill>
+              <a:srgbClr val="000000"/>
+            </a:solidFill>
+            <a:prstDash val="solid"/>
+            <a:round/>
+            <a:headEnd type="none" w="sm" len="sm"/>
+            <a:tailEnd type="none" w="sm" len="sm"/>
+          </a:ln>
+        </p:spPr>
+      </p:sp>
+    </p:spTree>
+    <p:extLst>
+      <p:ext uri="{BB962C8B-B14F-4D97-AF65-F5344CB8AC3E}">
+        <p14:creationId xmlns:p14="http://schemas.microsoft.com/office/powerpoint/2010/main" val="1238249391"/>
+      </p:ext>
+    </p:extLst>
+  </p:cSld>
+  <p:clrMapOvr>
+    <a:masterClrMapping/>
+  </p:clrMapOvr>
+</p:notes>
+</file>
+
+<file path=ppt/notesSlides/notesSlide11.xml><?xml version="1.0" encoding="utf-8"?>
+<p:notes xmlns:a="http://schemas.openxmlformats.org/drawingml/2006/main" xmlns:r="http://schemas.openxmlformats.org/officeDocument/2006/relationships" xmlns:p="http://schemas.openxmlformats.org/presentationml/2006/main" showMasterSp="0" showMasterPhAnim="0">
+  <p:cSld>
+    <p:spTree>
+      <p:nvGrpSpPr>
+        <p:cNvPr id="1" name="Shape 126"/>
+        <p:cNvGrpSpPr/>
+        <p:nvPr/>
+      </p:nvGrpSpPr>
+      <p:grpSpPr>
+        <a:xfrm>
+          <a:off x="0" y="0"/>
+          <a:ext cx="0" cy="0"/>
+          <a:chOff x="0" y="0"/>
+          <a:chExt cx="0" cy="0"/>
+        </a:xfrm>
+      </p:grpSpPr>
+      <p:sp>
+        <p:nvSpPr>
+          <p:cNvPr id="127" name="Google Shape;127;p3:notes"/>
+          <p:cNvSpPr txBox="1">
+            <a:spLocks noGrp="1"/>
+          </p:cNvSpPr>
+          <p:nvPr>
+            <p:ph type="body" idx="1"/>
+          </p:nvPr>
+        </p:nvSpPr>
+        <p:spPr>
+          <a:xfrm>
+            <a:off x="685800" y="4400550"/>
+            <a:ext cx="5486400" cy="3600450"/>
+          </a:xfrm>
+          <a:prstGeom prst="rect">
+            <a:avLst/>
+          </a:prstGeom>
+          <a:noFill/>
+          <a:ln>
+            <a:noFill/>
+          </a:ln>
+        </p:spPr>
+        <p:txBody>
+          <a:bodyPr spcFirstLastPara="1" wrap="square" lIns="91425" tIns="45700" rIns="91425" bIns="45700" anchor="t" anchorCtr="0">
+            <a:noAutofit/>
+          </a:bodyPr>
+          <a:lstStyle/>
+          <a:p>
+            <a:pPr marL="0" lvl="0" indent="0" algn="l" rtl="0">
+              <a:lnSpc>
+                <a:spcPct val="100000"/>
+              </a:lnSpc>
+              <a:spcBef>
+                <a:spcPts val="0"/>
+              </a:spcBef>
+              <a:spcAft>
+                <a:spcPts val="0"/>
+              </a:spcAft>
+              <a:buSzPts val="1400"/>
+              <a:buNone/>
+            </a:pPr>
+            <a:endParaRPr/>
+          </a:p>
+        </p:txBody>
+      </p:sp>
+      <p:sp>
+        <p:nvSpPr>
+          <p:cNvPr id="128" name="Google Shape;128;p3:notes"/>
+          <p:cNvSpPr>
+            <a:spLocks noGrp="1" noRot="1" noChangeAspect="1"/>
+          </p:cNvSpPr>
+          <p:nvPr>
+            <p:ph type="sldImg" idx="2"/>
+          </p:nvPr>
+        </p:nvSpPr>
+        <p:spPr>
+          <a:xfrm>
+            <a:off x="685800" y="1143000"/>
+            <a:ext cx="5486400" cy="3086100"/>
+          </a:xfrm>
+          <a:custGeom>
+            <a:avLst/>
+            <a:gdLst/>
+            <a:ahLst/>
+            <a:cxnLst/>
+            <a:rect l="l" t="t" r="r" b="b"/>
+            <a:pathLst>
+              <a:path w="120000" h="120000" extrusionOk="0">
+                <a:moveTo>
+                  <a:pt x="0" y="0"/>
+                </a:moveTo>
+                <a:lnTo>
+                  <a:pt x="120000" y="0"/>
+                </a:lnTo>
+                <a:lnTo>
+                  <a:pt x="120000" y="120000"/>
+                </a:lnTo>
+                <a:lnTo>
+                  <a:pt x="0" y="120000"/>
+                </a:lnTo>
+                <a:close/>
+              </a:path>
+            </a:pathLst>
+          </a:custGeom>
+          <a:noFill/>
+          <a:ln w="12700" cap="flat" cmpd="sng">
+            <a:solidFill>
+              <a:srgbClr val="000000"/>
+            </a:solidFill>
+            <a:prstDash val="solid"/>
+            <a:round/>
+            <a:headEnd type="none" w="sm" len="sm"/>
+            <a:tailEnd type="none" w="sm" len="sm"/>
+          </a:ln>
+        </p:spPr>
+      </p:sp>
+    </p:spTree>
+    <p:extLst>
+      <p:ext uri="{BB962C8B-B14F-4D97-AF65-F5344CB8AC3E}">
+        <p14:creationId xmlns:p14="http://schemas.microsoft.com/office/powerpoint/2010/main" val="4082713145"/>
+      </p:ext>
+    </p:extLst>
+  </p:cSld>
+  <p:clrMapOvr>
+    <a:masterClrMapping/>
+  </p:clrMapOvr>
+</p:notes>
+</file>
+
 <file path=ppt/notesSlides/notesSlide2.xml><?xml version="1.0" encoding="utf-8"?>
 <p:notes xmlns:a="http://schemas.openxmlformats.org/drawingml/2006/main" xmlns:r="http://schemas.openxmlformats.org/officeDocument/2006/relationships" xmlns:p="http://schemas.openxmlformats.org/presentationml/2006/main" showMasterSp="0" showMasterPhAnim="0">
   <p:cSld>
@@ -2200,7 +2456,7 @@
     </p:spTree>
     <p:extLst>
       <p:ext uri="{BB962C8B-B14F-4D97-AF65-F5344CB8AC3E}">
-        <p14:creationId xmlns:p14="http://schemas.microsoft.com/office/powerpoint/2010/main" val="1061137021"/>
+        <p14:creationId xmlns:p14="http://schemas.microsoft.com/office/powerpoint/2010/main" val="82766477"/>
       </p:ext>
     </p:extLst>
   </p:cSld>
@@ -2211,6 +2467,133 @@
 </file>
 
 <file path=ppt/notesSlides/notesSlide6.xml><?xml version="1.0" encoding="utf-8"?>
+<p:notes xmlns:a="http://schemas.openxmlformats.org/drawingml/2006/main" xmlns:r="http://schemas.openxmlformats.org/officeDocument/2006/relationships" xmlns:p="http://schemas.openxmlformats.org/presentationml/2006/main" showMasterSp="0" showMasterPhAnim="0">
+  <p:cSld>
+    <p:spTree>
+      <p:nvGrpSpPr>
+        <p:cNvPr id="1" name="Shape 126"/>
+        <p:cNvGrpSpPr/>
+        <p:nvPr/>
+      </p:nvGrpSpPr>
+      <p:grpSpPr>
+        <a:xfrm>
+          <a:off x="0" y="0"/>
+          <a:ext cx="0" cy="0"/>
+          <a:chOff x="0" y="0"/>
+          <a:chExt cx="0" cy="0"/>
+        </a:xfrm>
+      </p:grpSpPr>
+      <p:sp>
+        <p:nvSpPr>
+          <p:cNvPr id="127" name="Google Shape;127;p3:notes"/>
+          <p:cNvSpPr txBox="1">
+            <a:spLocks noGrp="1"/>
+          </p:cNvSpPr>
+          <p:nvPr>
+            <p:ph type="body" idx="1"/>
+          </p:nvPr>
+        </p:nvSpPr>
+        <p:spPr>
+          <a:xfrm>
+            <a:off x="685800" y="4400550"/>
+            <a:ext cx="5486400" cy="3600450"/>
+          </a:xfrm>
+          <a:prstGeom prst="rect">
+            <a:avLst/>
+          </a:prstGeom>
+          <a:noFill/>
+          <a:ln>
+            <a:noFill/>
+          </a:ln>
+        </p:spPr>
+        <p:txBody>
+          <a:bodyPr spcFirstLastPara="1" wrap="square" lIns="91425" tIns="45700" rIns="91425" bIns="45700" anchor="t" anchorCtr="0">
+            <a:noAutofit/>
+          </a:bodyPr>
+          <a:lstStyle/>
+          <a:p>
+            <a:pPr marL="0" lvl="0" indent="0" algn="l" rtl="0">
+              <a:lnSpc>
+                <a:spcPct val="100000"/>
+              </a:lnSpc>
+              <a:spcBef>
+                <a:spcPts val="0"/>
+              </a:spcBef>
+              <a:spcAft>
+                <a:spcPts val="0"/>
+              </a:spcAft>
+              <a:buSzPts val="1400"/>
+              <a:buNone/>
+            </a:pPr>
+            <a:endParaRPr/>
+          </a:p>
+        </p:txBody>
+      </p:sp>
+      <p:sp>
+        <p:nvSpPr>
+          <p:cNvPr id="128" name="Google Shape;128;p3:notes"/>
+          <p:cNvSpPr>
+            <a:spLocks noGrp="1" noRot="1" noChangeAspect="1"/>
+          </p:cNvSpPr>
+          <p:nvPr>
+            <p:ph type="sldImg" idx="2"/>
+          </p:nvPr>
+        </p:nvSpPr>
+        <p:spPr>
+          <a:xfrm>
+            <a:off x="685800" y="1143000"/>
+            <a:ext cx="5486400" cy="3086100"/>
+          </a:xfrm>
+          <a:custGeom>
+            <a:avLst/>
+            <a:gdLst/>
+            <a:ahLst/>
+            <a:cxnLst/>
+            <a:rect l="l" t="t" r="r" b="b"/>
+            <a:pathLst>
+              <a:path w="120000" h="120000" extrusionOk="0">
+                <a:moveTo>
+                  <a:pt x="0" y="0"/>
+                </a:moveTo>
+                <a:lnTo>
+                  <a:pt x="120000" y="0"/>
+                </a:lnTo>
+                <a:lnTo>
+                  <a:pt x="120000" y="120000"/>
+                </a:lnTo>
+                <a:lnTo>
+                  <a:pt x="0" y="120000"/>
+                </a:lnTo>
+                <a:close/>
+              </a:path>
+            </a:pathLst>
+          </a:custGeom>
+          <a:noFill/>
+          <a:ln w="12700" cap="flat" cmpd="sng">
+            <a:solidFill>
+              <a:srgbClr val="000000"/>
+            </a:solidFill>
+            <a:prstDash val="solid"/>
+            <a:round/>
+            <a:headEnd type="none" w="sm" len="sm"/>
+            <a:tailEnd type="none" w="sm" len="sm"/>
+          </a:ln>
+        </p:spPr>
+      </p:sp>
+    </p:spTree>
+    <p:extLst>
+      <p:ext uri="{BB962C8B-B14F-4D97-AF65-F5344CB8AC3E}">
+        <p14:creationId xmlns:p14="http://schemas.microsoft.com/office/powerpoint/2010/main" val="631143298"/>
+      </p:ext>
+    </p:extLst>
+  </p:cSld>
+  <p:clrMapOvr>
+    <a:masterClrMapping/>
+  </p:clrMapOvr>
+</p:notes>
+</file>
+
+<file path=ppt/notesSlides/notesSlide7.xml><?xml version="1.0" encoding="utf-8"?>
 <p:notes xmlns:a="http://schemas.openxmlformats.org/drawingml/2006/main" xmlns:r="http://schemas.openxmlformats.org/officeDocument/2006/relationships" xmlns:p="http://schemas.openxmlformats.org/presentationml/2006/main" showMasterSp="0" showMasterPhAnim="0">
   <p:cSld>
     <p:spTree>
@@ -2337,7 +2720,7 @@
 </p:notes>
 </file>
 
-<file path=ppt/notesSlides/notesSlide7.xml><?xml version="1.0" encoding="utf-8"?>
+<file path=ppt/notesSlides/notesSlide8.xml><?xml version="1.0" encoding="utf-8"?>
 <p:notes xmlns:a="http://schemas.openxmlformats.org/drawingml/2006/main" xmlns:r="http://schemas.openxmlformats.org/officeDocument/2006/relationships" xmlns:p="http://schemas.openxmlformats.org/presentationml/2006/main" showMasterSp="0" showMasterPhAnim="0">
   <p:cSld>
     <p:spTree>
@@ -2464,7 +2847,7 @@
 </p:notes>
 </file>
 
-<file path=ppt/notesSlides/notesSlide8.xml><?xml version="1.0" encoding="utf-8"?>
+<file path=ppt/notesSlides/notesSlide9.xml><?xml version="1.0" encoding="utf-8"?>
 <p:notes xmlns:a="http://schemas.openxmlformats.org/drawingml/2006/main" xmlns:r="http://schemas.openxmlformats.org/officeDocument/2006/relationships" xmlns:p="http://schemas.openxmlformats.org/presentationml/2006/main" showMasterSp="0" showMasterPhAnim="0">
   <p:cSld>
     <p:spTree>
@@ -2582,133 +2965,6 @@
     <p:extLst>
       <p:ext uri="{BB962C8B-B14F-4D97-AF65-F5344CB8AC3E}">
         <p14:creationId xmlns:p14="http://schemas.microsoft.com/office/powerpoint/2010/main" val="2156756676"/>
-      </p:ext>
-    </p:extLst>
-  </p:cSld>
-  <p:clrMapOvr>
-    <a:masterClrMapping/>
-  </p:clrMapOvr>
-</p:notes>
-</file>
-
-<file path=ppt/notesSlides/notesSlide9.xml><?xml version="1.0" encoding="utf-8"?>
-<p:notes xmlns:a="http://schemas.openxmlformats.org/drawingml/2006/main" xmlns:r="http://schemas.openxmlformats.org/officeDocument/2006/relationships" xmlns:p="http://schemas.openxmlformats.org/presentationml/2006/main" showMasterSp="0" showMasterPhAnim="0">
-  <p:cSld>
-    <p:spTree>
-      <p:nvGrpSpPr>
-        <p:cNvPr id="1" name="Shape 126"/>
-        <p:cNvGrpSpPr/>
-        <p:nvPr/>
-      </p:nvGrpSpPr>
-      <p:grpSpPr>
-        <a:xfrm>
-          <a:off x="0" y="0"/>
-          <a:ext cx="0" cy="0"/>
-          <a:chOff x="0" y="0"/>
-          <a:chExt cx="0" cy="0"/>
-        </a:xfrm>
-      </p:grpSpPr>
-      <p:sp>
-        <p:nvSpPr>
-          <p:cNvPr id="127" name="Google Shape;127;p3:notes"/>
-          <p:cNvSpPr txBox="1">
-            <a:spLocks noGrp="1"/>
-          </p:cNvSpPr>
-          <p:nvPr>
-            <p:ph type="body" idx="1"/>
-          </p:nvPr>
-        </p:nvSpPr>
-        <p:spPr>
-          <a:xfrm>
-            <a:off x="685800" y="4400550"/>
-            <a:ext cx="5486400" cy="3600450"/>
-          </a:xfrm>
-          <a:prstGeom prst="rect">
-            <a:avLst/>
-          </a:prstGeom>
-          <a:noFill/>
-          <a:ln>
-            <a:noFill/>
-          </a:ln>
-        </p:spPr>
-        <p:txBody>
-          <a:bodyPr spcFirstLastPara="1" wrap="square" lIns="91425" tIns="45700" rIns="91425" bIns="45700" anchor="t" anchorCtr="0">
-            <a:noAutofit/>
-          </a:bodyPr>
-          <a:lstStyle/>
-          <a:p>
-            <a:pPr marL="0" lvl="0" indent="0" algn="l" rtl="0">
-              <a:lnSpc>
-                <a:spcPct val="100000"/>
-              </a:lnSpc>
-              <a:spcBef>
-                <a:spcPts val="0"/>
-              </a:spcBef>
-              <a:spcAft>
-                <a:spcPts val="0"/>
-              </a:spcAft>
-              <a:buSzPts val="1400"/>
-              <a:buNone/>
-            </a:pPr>
-            <a:endParaRPr/>
-          </a:p>
-        </p:txBody>
-      </p:sp>
-      <p:sp>
-        <p:nvSpPr>
-          <p:cNvPr id="128" name="Google Shape;128;p3:notes"/>
-          <p:cNvSpPr>
-            <a:spLocks noGrp="1" noRot="1" noChangeAspect="1"/>
-          </p:cNvSpPr>
-          <p:nvPr>
-            <p:ph type="sldImg" idx="2"/>
-          </p:nvPr>
-        </p:nvSpPr>
-        <p:spPr>
-          <a:xfrm>
-            <a:off x="685800" y="1143000"/>
-            <a:ext cx="5486400" cy="3086100"/>
-          </a:xfrm>
-          <a:custGeom>
-            <a:avLst/>
-            <a:gdLst/>
-            <a:ahLst/>
-            <a:cxnLst/>
-            <a:rect l="l" t="t" r="r" b="b"/>
-            <a:pathLst>
-              <a:path w="120000" h="120000" extrusionOk="0">
-                <a:moveTo>
-                  <a:pt x="0" y="0"/>
-                </a:moveTo>
-                <a:lnTo>
-                  <a:pt x="120000" y="0"/>
-                </a:lnTo>
-                <a:lnTo>
-                  <a:pt x="120000" y="120000"/>
-                </a:lnTo>
-                <a:lnTo>
-                  <a:pt x="0" y="120000"/>
-                </a:lnTo>
-                <a:close/>
-              </a:path>
-            </a:pathLst>
-          </a:custGeom>
-          <a:noFill/>
-          <a:ln w="12700" cap="flat" cmpd="sng">
-            <a:solidFill>
-              <a:srgbClr val="000000"/>
-            </a:solidFill>
-            <a:prstDash val="solid"/>
-            <a:round/>
-            <a:headEnd type="none" w="sm" len="sm"/>
-            <a:tailEnd type="none" w="sm" len="sm"/>
-          </a:ln>
-        </p:spPr>
-      </p:sp>
-    </p:spTree>
-    <p:extLst>
-      <p:ext uri="{BB962C8B-B14F-4D97-AF65-F5344CB8AC3E}">
-        <p14:creationId xmlns:p14="http://schemas.microsoft.com/office/powerpoint/2010/main" val="1238249391"/>
       </p:ext>
     </p:extLst>
   </p:cSld>
@@ -5745,7 +6001,7 @@
                 <a:cs typeface="Calibri"/>
                 <a:sym typeface="Calibri"/>
               </a:rPr>
-              <a:t>Team Habsburg – A Gene Service</a:t>
+              <a:t>Team Habsburg – A Gene Service Project</a:t>
             </a:r>
             <a:endParaRPr lang="en-US" sz="1800" b="1" dirty="0">
               <a:latin typeface="Calibri"/>
@@ -6053,6 +6309,1191 @@
 </p:sld>
 </file>
 
+<file path=ppt/slides/slide10.xml><?xml version="1.0" encoding="utf-8"?>
+<p:sld xmlns:a="http://schemas.openxmlformats.org/drawingml/2006/main" xmlns:r="http://schemas.openxmlformats.org/officeDocument/2006/relationships" xmlns:p="http://schemas.openxmlformats.org/presentationml/2006/main">
+  <p:cSld>
+    <p:spTree>
+      <p:nvGrpSpPr>
+        <p:cNvPr id="1" name="Shape 129"/>
+        <p:cNvGrpSpPr/>
+        <p:nvPr/>
+      </p:nvGrpSpPr>
+      <p:grpSpPr>
+        <a:xfrm>
+          <a:off x="0" y="0"/>
+          <a:ext cx="0" cy="0"/>
+          <a:chOff x="0" y="0"/>
+          <a:chExt cx="0" cy="0"/>
+        </a:xfrm>
+      </p:grpSpPr>
+      <p:sp>
+        <p:nvSpPr>
+          <p:cNvPr id="11" name="Google Shape;97;p2">
+            <a:extLst>
+              <a:ext uri="{FF2B5EF4-FFF2-40B4-BE49-F238E27FC236}">
+                <a16:creationId xmlns:a16="http://schemas.microsoft.com/office/drawing/2014/main" id="{BCB4E700-1B26-4262-B55A-D9A0CAE26063}"/>
+              </a:ext>
+            </a:extLst>
+          </p:cNvPr>
+          <p:cNvSpPr txBox="1">
+            <a:spLocks/>
+          </p:cNvSpPr>
+          <p:nvPr/>
+        </p:nvSpPr>
+        <p:spPr>
+          <a:xfrm>
+            <a:off x="530610" y="566393"/>
+            <a:ext cx="4362222" cy="623416"/>
+          </a:xfrm>
+          <a:prstGeom prst="rect">
+            <a:avLst/>
+          </a:prstGeom>
+          <a:noFill/>
+          <a:ln>
+            <a:noFill/>
+          </a:ln>
+        </p:spPr>
+        <p:txBody>
+          <a:bodyPr spcFirstLastPara="1" wrap="square" lIns="91425" tIns="45700" rIns="91425" bIns="45700" anchor="ctr" anchorCtr="0">
+            <a:noAutofit/>
+          </a:bodyPr>
+          <a:lstStyle>
+            <a:defPPr marR="0" lvl="0" algn="l" rtl="0">
+              <a:lnSpc>
+                <a:spcPct val="100000"/>
+              </a:lnSpc>
+              <a:spcBef>
+                <a:spcPts val="0"/>
+              </a:spcBef>
+              <a:spcAft>
+                <a:spcPts val="0"/>
+              </a:spcAft>
+            </a:defPPr>
+            <a:lvl1pPr marR="0" lvl="0" algn="l" rtl="0">
+              <a:lnSpc>
+                <a:spcPct val="90000"/>
+              </a:lnSpc>
+              <a:spcBef>
+                <a:spcPts val="0"/>
+              </a:spcBef>
+              <a:spcAft>
+                <a:spcPts val="0"/>
+              </a:spcAft>
+              <a:buClr>
+                <a:schemeClr val="dk1"/>
+              </a:buClr>
+              <a:buSzPts val="1800"/>
+              <a:buFont typeface="Calibri"/>
+              <a:buNone/>
+              <a:defRPr sz="4400" b="0" i="0" u="none" strike="noStrike" cap="none">
+                <a:solidFill>
+                  <a:schemeClr val="dk1"/>
+                </a:solidFill>
+                <a:latin typeface="Calibri"/>
+                <a:ea typeface="Calibri"/>
+                <a:cs typeface="Calibri"/>
+                <a:sym typeface="Calibri"/>
+              </a:defRPr>
+            </a:lvl1pPr>
+            <a:lvl2pPr marR="0" lvl="1" algn="l" rtl="0">
+              <a:lnSpc>
+                <a:spcPct val="100000"/>
+              </a:lnSpc>
+              <a:spcBef>
+                <a:spcPts val="0"/>
+              </a:spcBef>
+              <a:spcAft>
+                <a:spcPts val="0"/>
+              </a:spcAft>
+              <a:buClr>
+                <a:srgbClr val="000000"/>
+              </a:buClr>
+              <a:buSzPts val="1400"/>
+              <a:buFont typeface="Arial"/>
+              <a:buNone/>
+              <a:defRPr sz="1800" b="0" i="0" u="none" strike="noStrike" cap="none">
+                <a:solidFill>
+                  <a:srgbClr val="000000"/>
+                </a:solidFill>
+                <a:latin typeface="Arial"/>
+                <a:ea typeface="Arial"/>
+                <a:cs typeface="Arial"/>
+                <a:sym typeface="Arial"/>
+              </a:defRPr>
+            </a:lvl2pPr>
+            <a:lvl3pPr marR="0" lvl="2" algn="l" rtl="0">
+              <a:lnSpc>
+                <a:spcPct val="100000"/>
+              </a:lnSpc>
+              <a:spcBef>
+                <a:spcPts val="0"/>
+              </a:spcBef>
+              <a:spcAft>
+                <a:spcPts val="0"/>
+              </a:spcAft>
+              <a:buClr>
+                <a:srgbClr val="000000"/>
+              </a:buClr>
+              <a:buSzPts val="1400"/>
+              <a:buFont typeface="Arial"/>
+              <a:buNone/>
+              <a:defRPr sz="1800" b="0" i="0" u="none" strike="noStrike" cap="none">
+                <a:solidFill>
+                  <a:srgbClr val="000000"/>
+                </a:solidFill>
+                <a:latin typeface="Arial"/>
+                <a:ea typeface="Arial"/>
+                <a:cs typeface="Arial"/>
+                <a:sym typeface="Arial"/>
+              </a:defRPr>
+            </a:lvl3pPr>
+            <a:lvl4pPr marR="0" lvl="3" algn="l" rtl="0">
+              <a:lnSpc>
+                <a:spcPct val="100000"/>
+              </a:lnSpc>
+              <a:spcBef>
+                <a:spcPts val="0"/>
+              </a:spcBef>
+              <a:spcAft>
+                <a:spcPts val="0"/>
+              </a:spcAft>
+              <a:buClr>
+                <a:srgbClr val="000000"/>
+              </a:buClr>
+              <a:buSzPts val="1400"/>
+              <a:buFont typeface="Arial"/>
+              <a:buNone/>
+              <a:defRPr sz="1800" b="0" i="0" u="none" strike="noStrike" cap="none">
+                <a:solidFill>
+                  <a:srgbClr val="000000"/>
+                </a:solidFill>
+                <a:latin typeface="Arial"/>
+                <a:ea typeface="Arial"/>
+                <a:cs typeface="Arial"/>
+                <a:sym typeface="Arial"/>
+              </a:defRPr>
+            </a:lvl4pPr>
+            <a:lvl5pPr marR="0" lvl="4" algn="l" rtl="0">
+              <a:lnSpc>
+                <a:spcPct val="100000"/>
+              </a:lnSpc>
+              <a:spcBef>
+                <a:spcPts val="0"/>
+              </a:spcBef>
+              <a:spcAft>
+                <a:spcPts val="0"/>
+              </a:spcAft>
+              <a:buClr>
+                <a:srgbClr val="000000"/>
+              </a:buClr>
+              <a:buSzPts val="1400"/>
+              <a:buFont typeface="Arial"/>
+              <a:buNone/>
+              <a:defRPr sz="1800" b="0" i="0" u="none" strike="noStrike" cap="none">
+                <a:solidFill>
+                  <a:srgbClr val="000000"/>
+                </a:solidFill>
+                <a:latin typeface="Arial"/>
+                <a:ea typeface="Arial"/>
+                <a:cs typeface="Arial"/>
+                <a:sym typeface="Arial"/>
+              </a:defRPr>
+            </a:lvl5pPr>
+            <a:lvl6pPr marR="0" lvl="5" algn="l" rtl="0">
+              <a:lnSpc>
+                <a:spcPct val="100000"/>
+              </a:lnSpc>
+              <a:spcBef>
+                <a:spcPts val="0"/>
+              </a:spcBef>
+              <a:spcAft>
+                <a:spcPts val="0"/>
+              </a:spcAft>
+              <a:buClr>
+                <a:srgbClr val="000000"/>
+              </a:buClr>
+              <a:buSzPts val="1400"/>
+              <a:buFont typeface="Arial"/>
+              <a:buNone/>
+              <a:defRPr sz="1800" b="0" i="0" u="none" strike="noStrike" cap="none">
+                <a:solidFill>
+                  <a:srgbClr val="000000"/>
+                </a:solidFill>
+                <a:latin typeface="Arial"/>
+                <a:ea typeface="Arial"/>
+                <a:cs typeface="Arial"/>
+                <a:sym typeface="Arial"/>
+              </a:defRPr>
+            </a:lvl6pPr>
+            <a:lvl7pPr marR="0" lvl="6" algn="l" rtl="0">
+              <a:lnSpc>
+                <a:spcPct val="100000"/>
+              </a:lnSpc>
+              <a:spcBef>
+                <a:spcPts val="0"/>
+              </a:spcBef>
+              <a:spcAft>
+                <a:spcPts val="0"/>
+              </a:spcAft>
+              <a:buClr>
+                <a:srgbClr val="000000"/>
+              </a:buClr>
+              <a:buSzPts val="1400"/>
+              <a:buFont typeface="Arial"/>
+              <a:buNone/>
+              <a:defRPr sz="1800" b="0" i="0" u="none" strike="noStrike" cap="none">
+                <a:solidFill>
+                  <a:srgbClr val="000000"/>
+                </a:solidFill>
+                <a:latin typeface="Arial"/>
+                <a:ea typeface="Arial"/>
+                <a:cs typeface="Arial"/>
+                <a:sym typeface="Arial"/>
+              </a:defRPr>
+            </a:lvl7pPr>
+            <a:lvl8pPr marR="0" lvl="7" algn="l" rtl="0">
+              <a:lnSpc>
+                <a:spcPct val="100000"/>
+              </a:lnSpc>
+              <a:spcBef>
+                <a:spcPts val="0"/>
+              </a:spcBef>
+              <a:spcAft>
+                <a:spcPts val="0"/>
+              </a:spcAft>
+              <a:buClr>
+                <a:srgbClr val="000000"/>
+              </a:buClr>
+              <a:buSzPts val="1400"/>
+              <a:buFont typeface="Arial"/>
+              <a:buNone/>
+              <a:defRPr sz="1800" b="0" i="0" u="none" strike="noStrike" cap="none">
+                <a:solidFill>
+                  <a:srgbClr val="000000"/>
+                </a:solidFill>
+                <a:latin typeface="Arial"/>
+                <a:ea typeface="Arial"/>
+                <a:cs typeface="Arial"/>
+                <a:sym typeface="Arial"/>
+              </a:defRPr>
+            </a:lvl8pPr>
+            <a:lvl9pPr marR="0" lvl="8" algn="l" rtl="0">
+              <a:lnSpc>
+                <a:spcPct val="100000"/>
+              </a:lnSpc>
+              <a:spcBef>
+                <a:spcPts val="0"/>
+              </a:spcBef>
+              <a:spcAft>
+                <a:spcPts val="0"/>
+              </a:spcAft>
+              <a:buClr>
+                <a:srgbClr val="000000"/>
+              </a:buClr>
+              <a:buSzPts val="1400"/>
+              <a:buFont typeface="Arial"/>
+              <a:buNone/>
+              <a:defRPr sz="1800" b="0" i="0" u="none" strike="noStrike" cap="none">
+                <a:solidFill>
+                  <a:srgbClr val="000000"/>
+                </a:solidFill>
+                <a:latin typeface="Arial"/>
+                <a:ea typeface="Arial"/>
+                <a:cs typeface="Arial"/>
+                <a:sym typeface="Arial"/>
+              </a:defRPr>
+            </a:lvl9pPr>
+          </a:lstStyle>
+          <a:p>
+            <a:pPr>
+              <a:buSzPts val="4400"/>
+            </a:pPr>
+            <a:r>
+              <a:rPr lang="en-US" sz="3600" dirty="0">
+                <a:solidFill>
+                  <a:schemeClr val="accent5">
+                    <a:lumMod val="75000"/>
+                  </a:schemeClr>
+                </a:solidFill>
+              </a:rPr>
+              <a:t>Questions</a:t>
+            </a:r>
+          </a:p>
+        </p:txBody>
+      </p:sp>
+      <p:grpSp>
+        <p:nvGrpSpPr>
+          <p:cNvPr id="12" name="Google Shape;123;p2">
+            <a:extLst>
+              <a:ext uri="{FF2B5EF4-FFF2-40B4-BE49-F238E27FC236}">
+                <a16:creationId xmlns:a16="http://schemas.microsoft.com/office/drawing/2014/main" id="{DDF4A718-7BE2-4E5F-8EFD-D13B4ACDB111}"/>
+              </a:ext>
+            </a:extLst>
+          </p:cNvPr>
+          <p:cNvGrpSpPr/>
+          <p:nvPr/>
+        </p:nvGrpSpPr>
+        <p:grpSpPr>
+          <a:xfrm>
+            <a:off x="7143978" y="566392"/>
+            <a:ext cx="4362222" cy="623417"/>
+            <a:chOff x="6991578" y="254815"/>
+            <a:chExt cx="4742993" cy="782594"/>
+          </a:xfrm>
+        </p:grpSpPr>
+        <p:pic>
+          <p:nvPicPr>
+            <p:cNvPr id="13" name="Google Shape;124;p2">
+              <a:extLst>
+                <a:ext uri="{FF2B5EF4-FFF2-40B4-BE49-F238E27FC236}">
+                  <a16:creationId xmlns:a16="http://schemas.microsoft.com/office/drawing/2014/main" id="{D03080CB-B30B-433A-9670-2C526FAD2C57}"/>
+                </a:ext>
+              </a:extLst>
+            </p:cNvPr>
+            <p:cNvPicPr preferRelativeResize="0"/>
+            <p:nvPr/>
+          </p:nvPicPr>
+          <p:blipFill rotWithShape="1">
+            <a:blip r:embed="rId3">
+              <a:alphaModFix/>
+            </a:blip>
+            <a:srcRect/>
+            <a:stretch/>
+          </p:blipFill>
+          <p:spPr>
+            <a:xfrm>
+              <a:off x="6991578" y="254815"/>
+              <a:ext cx="4742993" cy="782594"/>
+            </a:xfrm>
+            <a:prstGeom prst="rect">
+              <a:avLst/>
+            </a:prstGeom>
+            <a:noFill/>
+            <a:ln>
+              <a:noFill/>
+            </a:ln>
+          </p:spPr>
+        </p:pic>
+        <p:pic>
+          <p:nvPicPr>
+            <p:cNvPr id="14" name="Google Shape;125;p2">
+              <a:extLst>
+                <a:ext uri="{FF2B5EF4-FFF2-40B4-BE49-F238E27FC236}">
+                  <a16:creationId xmlns:a16="http://schemas.microsoft.com/office/drawing/2014/main" id="{2B1563B0-E458-429F-899F-66E6D7E75E7A}"/>
+                </a:ext>
+              </a:extLst>
+            </p:cNvPr>
+            <p:cNvPicPr preferRelativeResize="0"/>
+            <p:nvPr/>
+          </p:nvPicPr>
+          <p:blipFill rotWithShape="1">
+            <a:blip r:embed="rId4">
+              <a:alphaModFix/>
+            </a:blip>
+            <a:srcRect/>
+            <a:stretch/>
+          </p:blipFill>
+          <p:spPr>
+            <a:xfrm>
+              <a:off x="7209016" y="365125"/>
+              <a:ext cx="868183" cy="515484"/>
+            </a:xfrm>
+            <a:prstGeom prst="rect">
+              <a:avLst/>
+            </a:prstGeom>
+            <a:noFill/>
+            <a:ln>
+              <a:noFill/>
+            </a:ln>
+          </p:spPr>
+        </p:pic>
+      </p:grpSp>
+      <p:sp>
+        <p:nvSpPr>
+          <p:cNvPr id="10" name="Foliennummernplatzhalter 2">
+            <a:extLst>
+              <a:ext uri="{FF2B5EF4-FFF2-40B4-BE49-F238E27FC236}">
+                <a16:creationId xmlns:a16="http://schemas.microsoft.com/office/drawing/2014/main" id="{4F39BEF3-8542-419E-96CC-88EB2C556B24}"/>
+              </a:ext>
+            </a:extLst>
+          </p:cNvPr>
+          <p:cNvSpPr>
+            <a:spLocks noGrp="1"/>
+          </p:cNvSpPr>
+          <p:nvPr>
+            <p:ph type="sldNum" sz="quarter" idx="12"/>
+          </p:nvPr>
+        </p:nvSpPr>
+        <p:spPr>
+          <a:xfrm>
+            <a:off x="8610600" y="6356350"/>
+            <a:ext cx="2743200" cy="365125"/>
+          </a:xfrm>
+        </p:spPr>
+        <p:txBody>
+          <a:bodyPr/>
+          <a:lstStyle/>
+          <a:p>
+            <a:pPr marL="0" lvl="0" indent="0" algn="r" rtl="0">
+              <a:spcBef>
+                <a:spcPts val="0"/>
+              </a:spcBef>
+              <a:spcAft>
+                <a:spcPts val="0"/>
+              </a:spcAft>
+              <a:buNone/>
+            </a:pPr>
+            <a:fld id="{00000000-1234-1234-1234-123412341234}" type="slidenum">
+              <a:rPr lang="de-CH" smtClean="0"/>
+              <a:t>10</a:t>
+            </a:fld>
+            <a:endParaRPr lang="de-CH" dirty="0"/>
+          </a:p>
+        </p:txBody>
+      </p:sp>
+      <p:pic>
+        <p:nvPicPr>
+          <p:cNvPr id="5" name="Grafik 4">
+            <a:extLst>
+              <a:ext uri="{FF2B5EF4-FFF2-40B4-BE49-F238E27FC236}">
+                <a16:creationId xmlns:a16="http://schemas.microsoft.com/office/drawing/2014/main" id="{E987CE47-042B-4F36-844B-A60657703BB3}"/>
+              </a:ext>
+            </a:extLst>
+          </p:cNvPr>
+          <p:cNvPicPr>
+            <a:picLocks noChangeAspect="1"/>
+          </p:cNvPicPr>
+          <p:nvPr/>
+        </p:nvPicPr>
+        <p:blipFill>
+          <a:blip r:embed="rId5"/>
+          <a:stretch>
+            <a:fillRect/>
+          </a:stretch>
+        </p:blipFill>
+        <p:spPr>
+          <a:xfrm>
+            <a:off x="4892832" y="2266950"/>
+            <a:ext cx="1838484" cy="2981325"/>
+          </a:xfrm>
+          <a:prstGeom prst="rect">
+            <a:avLst/>
+          </a:prstGeom>
+        </p:spPr>
+      </p:pic>
+      <p:sp>
+        <p:nvSpPr>
+          <p:cNvPr id="15" name="TextBox 5">
+            <a:extLst>
+              <a:ext uri="{FF2B5EF4-FFF2-40B4-BE49-F238E27FC236}">
+                <a16:creationId xmlns:a16="http://schemas.microsoft.com/office/drawing/2014/main" id="{DA491E99-C488-4BE2-8A25-C435E39FBADB}"/>
+              </a:ext>
+            </a:extLst>
+          </p:cNvPr>
+          <p:cNvSpPr txBox="1"/>
+          <p:nvPr/>
+        </p:nvSpPr>
+        <p:spPr>
+          <a:xfrm>
+            <a:off x="839919" y="6214024"/>
+            <a:ext cx="10523619" cy="253916"/>
+          </a:xfrm>
+          <a:prstGeom prst="rect">
+            <a:avLst/>
+          </a:prstGeom>
+          <a:noFill/>
+        </p:spPr>
+        <p:txBody>
+          <a:bodyPr rot="0" spcFirstLastPara="0" vertOverflow="overflow" horzOverflow="overflow" vert="horz" wrap="square" lIns="91440" tIns="45720" rIns="91440" bIns="45720" numCol="1" spcCol="0" rtlCol="0" fromWordArt="0" anchor="t" anchorCtr="0" forceAA="0" compatLnSpc="1">
+            <a:prstTxWarp prst="textNoShape">
+              <a:avLst/>
+            </a:prstTxWarp>
+            <a:spAutoFit/>
+          </a:bodyPr>
+          <a:lstStyle/>
+          <a:p>
+            <a:r>
+              <a:rPr lang="en-US" sz="1050" dirty="0">
+                <a:latin typeface="Calibri (body)"/>
+                <a:cs typeface="Arial" panose="020B0604020202020204" pitchFamily="34" charset="0"/>
+              </a:rPr>
+              <a:t>Pinterest (2021).</a:t>
+            </a:r>
+            <a:r>
+              <a:rPr lang="de-CH" sz="1050" b="1" dirty="0">
+                <a:effectLst/>
+              </a:rPr>
+              <a:t> </a:t>
+            </a:r>
+            <a:r>
+              <a:rPr lang="de-CH" sz="1050" dirty="0" err="1">
+                <a:latin typeface="Calibri (body)"/>
+                <a:cs typeface="Arial" panose="020B0604020202020204" pitchFamily="34" charset="0"/>
+              </a:rPr>
+              <a:t>Forensic</a:t>
+            </a:r>
+            <a:r>
+              <a:rPr lang="de-CH" sz="1050" dirty="0">
+                <a:latin typeface="Calibri (body)"/>
+                <a:cs typeface="Arial" panose="020B0604020202020204" pitchFamily="34" charset="0"/>
+              </a:rPr>
+              <a:t> DNA Training</a:t>
+            </a:r>
+            <a:r>
+              <a:rPr lang="en-US" sz="1050" dirty="0">
+                <a:latin typeface="Calibri (body)"/>
+                <a:cs typeface="Arial" panose="020B0604020202020204" pitchFamily="34" charset="0"/>
+              </a:rPr>
+              <a:t>. Retrieved from </a:t>
+            </a:r>
+            <a:r>
+              <a:rPr lang="en-US" sz="1050" dirty="0">
+                <a:latin typeface="Calibri (body)"/>
+                <a:cs typeface="Arial" panose="020B0604020202020204" pitchFamily="34" charset="0"/>
+                <a:hlinkClick r:id="rId6"/>
+              </a:rPr>
+              <a:t>link</a:t>
+            </a:r>
+            <a:r>
+              <a:rPr lang="en-US" sz="1050" dirty="0">
+                <a:latin typeface="Calibri (body)"/>
+                <a:cs typeface="Arial" panose="020B0604020202020204" pitchFamily="34" charset="0"/>
+              </a:rPr>
+              <a:t>.</a:t>
+            </a:r>
+          </a:p>
+        </p:txBody>
+      </p:sp>
+      <p:cxnSp>
+        <p:nvCxnSpPr>
+          <p:cNvPr id="16" name="Straight Arrow Connector 6">
+            <a:extLst>
+              <a:ext uri="{FF2B5EF4-FFF2-40B4-BE49-F238E27FC236}">
+                <a16:creationId xmlns:a16="http://schemas.microsoft.com/office/drawing/2014/main" id="{F9F7BFF5-28CD-4EB5-88B3-9BCF5AA96F43}"/>
+              </a:ext>
+            </a:extLst>
+          </p:cNvPr>
+          <p:cNvCxnSpPr/>
+          <p:nvPr/>
+        </p:nvCxnSpPr>
+        <p:spPr>
+          <a:xfrm>
+            <a:off x="837268" y="6162674"/>
+            <a:ext cx="10272675" cy="5728"/>
+          </a:xfrm>
+          <a:prstGeom prst="straightConnector1">
+            <a:avLst/>
+          </a:prstGeom>
+        </p:spPr>
+        <p:style>
+          <a:lnRef idx="1">
+            <a:schemeClr val="accent1"/>
+          </a:lnRef>
+          <a:fillRef idx="0">
+            <a:schemeClr val="accent1"/>
+          </a:fillRef>
+          <a:effectRef idx="0">
+            <a:schemeClr val="accent1"/>
+          </a:effectRef>
+          <a:fontRef idx="minor">
+            <a:schemeClr val="tx1"/>
+          </a:fontRef>
+        </p:style>
+      </p:cxnSp>
+    </p:spTree>
+    <p:extLst>
+      <p:ext uri="{BB962C8B-B14F-4D97-AF65-F5344CB8AC3E}">
+        <p14:creationId xmlns:p14="http://schemas.microsoft.com/office/powerpoint/2010/main" val="3706327324"/>
+      </p:ext>
+    </p:extLst>
+  </p:cSld>
+  <p:clrMapOvr>
+    <a:masterClrMapping/>
+  </p:clrMapOvr>
+</p:sld>
+</file>
+
+<file path=ppt/slides/slide11.xml><?xml version="1.0" encoding="utf-8"?>
+<p:sld xmlns:a="http://schemas.openxmlformats.org/drawingml/2006/main" xmlns:r="http://schemas.openxmlformats.org/officeDocument/2006/relationships" xmlns:p="http://schemas.openxmlformats.org/presentationml/2006/main">
+  <p:cSld>
+    <p:spTree>
+      <p:nvGrpSpPr>
+        <p:cNvPr id="1" name="Shape 129"/>
+        <p:cNvGrpSpPr/>
+        <p:nvPr/>
+      </p:nvGrpSpPr>
+      <p:grpSpPr>
+        <a:xfrm>
+          <a:off x="0" y="0"/>
+          <a:ext cx="0" cy="0"/>
+          <a:chOff x="0" y="0"/>
+          <a:chExt cx="0" cy="0"/>
+        </a:xfrm>
+      </p:grpSpPr>
+      <p:sp>
+        <p:nvSpPr>
+          <p:cNvPr id="11" name="Google Shape;97;p2">
+            <a:extLst>
+              <a:ext uri="{FF2B5EF4-FFF2-40B4-BE49-F238E27FC236}">
+                <a16:creationId xmlns:a16="http://schemas.microsoft.com/office/drawing/2014/main" id="{BCB4E700-1B26-4262-B55A-D9A0CAE26063}"/>
+              </a:ext>
+            </a:extLst>
+          </p:cNvPr>
+          <p:cNvSpPr txBox="1">
+            <a:spLocks/>
+          </p:cNvSpPr>
+          <p:nvPr/>
+        </p:nvSpPr>
+        <p:spPr>
+          <a:xfrm>
+            <a:off x="530610" y="566393"/>
+            <a:ext cx="4362222" cy="623416"/>
+          </a:xfrm>
+          <a:prstGeom prst="rect">
+            <a:avLst/>
+          </a:prstGeom>
+          <a:noFill/>
+          <a:ln>
+            <a:noFill/>
+          </a:ln>
+        </p:spPr>
+        <p:txBody>
+          <a:bodyPr spcFirstLastPara="1" wrap="square" lIns="91425" tIns="45700" rIns="91425" bIns="45700" anchor="ctr" anchorCtr="0">
+            <a:noAutofit/>
+          </a:bodyPr>
+          <a:lstStyle>
+            <a:defPPr marR="0" lvl="0" algn="l" rtl="0">
+              <a:lnSpc>
+                <a:spcPct val="100000"/>
+              </a:lnSpc>
+              <a:spcBef>
+                <a:spcPts val="0"/>
+              </a:spcBef>
+              <a:spcAft>
+                <a:spcPts val="0"/>
+              </a:spcAft>
+            </a:defPPr>
+            <a:lvl1pPr marR="0" lvl="0" algn="l" rtl="0">
+              <a:lnSpc>
+                <a:spcPct val="90000"/>
+              </a:lnSpc>
+              <a:spcBef>
+                <a:spcPts val="0"/>
+              </a:spcBef>
+              <a:spcAft>
+                <a:spcPts val="0"/>
+              </a:spcAft>
+              <a:buClr>
+                <a:schemeClr val="dk1"/>
+              </a:buClr>
+              <a:buSzPts val="1800"/>
+              <a:buFont typeface="Calibri"/>
+              <a:buNone/>
+              <a:defRPr sz="4400" b="0" i="0" u="none" strike="noStrike" cap="none">
+                <a:solidFill>
+                  <a:schemeClr val="dk1"/>
+                </a:solidFill>
+                <a:latin typeface="Calibri"/>
+                <a:ea typeface="Calibri"/>
+                <a:cs typeface="Calibri"/>
+                <a:sym typeface="Calibri"/>
+              </a:defRPr>
+            </a:lvl1pPr>
+            <a:lvl2pPr marR="0" lvl="1" algn="l" rtl="0">
+              <a:lnSpc>
+                <a:spcPct val="100000"/>
+              </a:lnSpc>
+              <a:spcBef>
+                <a:spcPts val="0"/>
+              </a:spcBef>
+              <a:spcAft>
+                <a:spcPts val="0"/>
+              </a:spcAft>
+              <a:buClr>
+                <a:srgbClr val="000000"/>
+              </a:buClr>
+              <a:buSzPts val="1400"/>
+              <a:buFont typeface="Arial"/>
+              <a:buNone/>
+              <a:defRPr sz="1800" b="0" i="0" u="none" strike="noStrike" cap="none">
+                <a:solidFill>
+                  <a:srgbClr val="000000"/>
+                </a:solidFill>
+                <a:latin typeface="Arial"/>
+                <a:ea typeface="Arial"/>
+                <a:cs typeface="Arial"/>
+                <a:sym typeface="Arial"/>
+              </a:defRPr>
+            </a:lvl2pPr>
+            <a:lvl3pPr marR="0" lvl="2" algn="l" rtl="0">
+              <a:lnSpc>
+                <a:spcPct val="100000"/>
+              </a:lnSpc>
+              <a:spcBef>
+                <a:spcPts val="0"/>
+              </a:spcBef>
+              <a:spcAft>
+                <a:spcPts val="0"/>
+              </a:spcAft>
+              <a:buClr>
+                <a:srgbClr val="000000"/>
+              </a:buClr>
+              <a:buSzPts val="1400"/>
+              <a:buFont typeface="Arial"/>
+              <a:buNone/>
+              <a:defRPr sz="1800" b="0" i="0" u="none" strike="noStrike" cap="none">
+                <a:solidFill>
+                  <a:srgbClr val="000000"/>
+                </a:solidFill>
+                <a:latin typeface="Arial"/>
+                <a:ea typeface="Arial"/>
+                <a:cs typeface="Arial"/>
+                <a:sym typeface="Arial"/>
+              </a:defRPr>
+            </a:lvl3pPr>
+            <a:lvl4pPr marR="0" lvl="3" algn="l" rtl="0">
+              <a:lnSpc>
+                <a:spcPct val="100000"/>
+              </a:lnSpc>
+              <a:spcBef>
+                <a:spcPts val="0"/>
+              </a:spcBef>
+              <a:spcAft>
+                <a:spcPts val="0"/>
+              </a:spcAft>
+              <a:buClr>
+                <a:srgbClr val="000000"/>
+              </a:buClr>
+              <a:buSzPts val="1400"/>
+              <a:buFont typeface="Arial"/>
+              <a:buNone/>
+              <a:defRPr sz="1800" b="0" i="0" u="none" strike="noStrike" cap="none">
+                <a:solidFill>
+                  <a:srgbClr val="000000"/>
+                </a:solidFill>
+                <a:latin typeface="Arial"/>
+                <a:ea typeface="Arial"/>
+                <a:cs typeface="Arial"/>
+                <a:sym typeface="Arial"/>
+              </a:defRPr>
+            </a:lvl4pPr>
+            <a:lvl5pPr marR="0" lvl="4" algn="l" rtl="0">
+              <a:lnSpc>
+                <a:spcPct val="100000"/>
+              </a:lnSpc>
+              <a:spcBef>
+                <a:spcPts val="0"/>
+              </a:spcBef>
+              <a:spcAft>
+                <a:spcPts val="0"/>
+              </a:spcAft>
+              <a:buClr>
+                <a:srgbClr val="000000"/>
+              </a:buClr>
+              <a:buSzPts val="1400"/>
+              <a:buFont typeface="Arial"/>
+              <a:buNone/>
+              <a:defRPr sz="1800" b="0" i="0" u="none" strike="noStrike" cap="none">
+                <a:solidFill>
+                  <a:srgbClr val="000000"/>
+                </a:solidFill>
+                <a:latin typeface="Arial"/>
+                <a:ea typeface="Arial"/>
+                <a:cs typeface="Arial"/>
+                <a:sym typeface="Arial"/>
+              </a:defRPr>
+            </a:lvl5pPr>
+            <a:lvl6pPr marR="0" lvl="5" algn="l" rtl="0">
+              <a:lnSpc>
+                <a:spcPct val="100000"/>
+              </a:lnSpc>
+              <a:spcBef>
+                <a:spcPts val="0"/>
+              </a:spcBef>
+              <a:spcAft>
+                <a:spcPts val="0"/>
+              </a:spcAft>
+              <a:buClr>
+                <a:srgbClr val="000000"/>
+              </a:buClr>
+              <a:buSzPts val="1400"/>
+              <a:buFont typeface="Arial"/>
+              <a:buNone/>
+              <a:defRPr sz="1800" b="0" i="0" u="none" strike="noStrike" cap="none">
+                <a:solidFill>
+                  <a:srgbClr val="000000"/>
+                </a:solidFill>
+                <a:latin typeface="Arial"/>
+                <a:ea typeface="Arial"/>
+                <a:cs typeface="Arial"/>
+                <a:sym typeface="Arial"/>
+              </a:defRPr>
+            </a:lvl6pPr>
+            <a:lvl7pPr marR="0" lvl="6" algn="l" rtl="0">
+              <a:lnSpc>
+                <a:spcPct val="100000"/>
+              </a:lnSpc>
+              <a:spcBef>
+                <a:spcPts val="0"/>
+              </a:spcBef>
+              <a:spcAft>
+                <a:spcPts val="0"/>
+              </a:spcAft>
+              <a:buClr>
+                <a:srgbClr val="000000"/>
+              </a:buClr>
+              <a:buSzPts val="1400"/>
+              <a:buFont typeface="Arial"/>
+              <a:buNone/>
+              <a:defRPr sz="1800" b="0" i="0" u="none" strike="noStrike" cap="none">
+                <a:solidFill>
+                  <a:srgbClr val="000000"/>
+                </a:solidFill>
+                <a:latin typeface="Arial"/>
+                <a:ea typeface="Arial"/>
+                <a:cs typeface="Arial"/>
+                <a:sym typeface="Arial"/>
+              </a:defRPr>
+            </a:lvl7pPr>
+            <a:lvl8pPr marR="0" lvl="7" algn="l" rtl="0">
+              <a:lnSpc>
+                <a:spcPct val="100000"/>
+              </a:lnSpc>
+              <a:spcBef>
+                <a:spcPts val="0"/>
+              </a:spcBef>
+              <a:spcAft>
+                <a:spcPts val="0"/>
+              </a:spcAft>
+              <a:buClr>
+                <a:srgbClr val="000000"/>
+              </a:buClr>
+              <a:buSzPts val="1400"/>
+              <a:buFont typeface="Arial"/>
+              <a:buNone/>
+              <a:defRPr sz="1800" b="0" i="0" u="none" strike="noStrike" cap="none">
+                <a:solidFill>
+                  <a:srgbClr val="000000"/>
+                </a:solidFill>
+                <a:latin typeface="Arial"/>
+                <a:ea typeface="Arial"/>
+                <a:cs typeface="Arial"/>
+                <a:sym typeface="Arial"/>
+              </a:defRPr>
+            </a:lvl8pPr>
+            <a:lvl9pPr marR="0" lvl="8" algn="l" rtl="0">
+              <a:lnSpc>
+                <a:spcPct val="100000"/>
+              </a:lnSpc>
+              <a:spcBef>
+                <a:spcPts val="0"/>
+              </a:spcBef>
+              <a:spcAft>
+                <a:spcPts val="0"/>
+              </a:spcAft>
+              <a:buClr>
+                <a:srgbClr val="000000"/>
+              </a:buClr>
+              <a:buSzPts val="1400"/>
+              <a:buFont typeface="Arial"/>
+              <a:buNone/>
+              <a:defRPr sz="1800" b="0" i="0" u="none" strike="noStrike" cap="none">
+                <a:solidFill>
+                  <a:srgbClr val="000000"/>
+                </a:solidFill>
+                <a:latin typeface="Arial"/>
+                <a:ea typeface="Arial"/>
+                <a:cs typeface="Arial"/>
+                <a:sym typeface="Arial"/>
+              </a:defRPr>
+            </a:lvl9pPr>
+          </a:lstStyle>
+          <a:p>
+            <a:pPr>
+              <a:buSzPts val="4400"/>
+            </a:pPr>
+            <a:r>
+              <a:rPr lang="en-US" sz="3600" dirty="0">
+                <a:solidFill>
+                  <a:schemeClr val="accent5">
+                    <a:lumMod val="75000"/>
+                  </a:schemeClr>
+                </a:solidFill>
+              </a:rPr>
+              <a:t>Git</a:t>
+            </a:r>
+          </a:p>
+        </p:txBody>
+      </p:sp>
+      <p:grpSp>
+        <p:nvGrpSpPr>
+          <p:cNvPr id="12" name="Google Shape;123;p2">
+            <a:extLst>
+              <a:ext uri="{FF2B5EF4-FFF2-40B4-BE49-F238E27FC236}">
+                <a16:creationId xmlns:a16="http://schemas.microsoft.com/office/drawing/2014/main" id="{DDF4A718-7BE2-4E5F-8EFD-D13B4ACDB111}"/>
+              </a:ext>
+            </a:extLst>
+          </p:cNvPr>
+          <p:cNvGrpSpPr/>
+          <p:nvPr/>
+        </p:nvGrpSpPr>
+        <p:grpSpPr>
+          <a:xfrm>
+            <a:off x="7143978" y="566392"/>
+            <a:ext cx="4362222" cy="623417"/>
+            <a:chOff x="6991578" y="254815"/>
+            <a:chExt cx="4742993" cy="782594"/>
+          </a:xfrm>
+        </p:grpSpPr>
+        <p:pic>
+          <p:nvPicPr>
+            <p:cNvPr id="13" name="Google Shape;124;p2">
+              <a:extLst>
+                <a:ext uri="{FF2B5EF4-FFF2-40B4-BE49-F238E27FC236}">
+                  <a16:creationId xmlns:a16="http://schemas.microsoft.com/office/drawing/2014/main" id="{D03080CB-B30B-433A-9670-2C526FAD2C57}"/>
+                </a:ext>
+              </a:extLst>
+            </p:cNvPr>
+            <p:cNvPicPr preferRelativeResize="0"/>
+            <p:nvPr/>
+          </p:nvPicPr>
+          <p:blipFill rotWithShape="1">
+            <a:blip r:embed="rId3">
+              <a:alphaModFix/>
+            </a:blip>
+            <a:srcRect/>
+            <a:stretch/>
+          </p:blipFill>
+          <p:spPr>
+            <a:xfrm>
+              <a:off x="6991578" y="254815"/>
+              <a:ext cx="4742993" cy="782594"/>
+            </a:xfrm>
+            <a:prstGeom prst="rect">
+              <a:avLst/>
+            </a:prstGeom>
+            <a:noFill/>
+            <a:ln>
+              <a:noFill/>
+            </a:ln>
+          </p:spPr>
+        </p:pic>
+        <p:pic>
+          <p:nvPicPr>
+            <p:cNvPr id="14" name="Google Shape;125;p2">
+              <a:extLst>
+                <a:ext uri="{FF2B5EF4-FFF2-40B4-BE49-F238E27FC236}">
+                  <a16:creationId xmlns:a16="http://schemas.microsoft.com/office/drawing/2014/main" id="{2B1563B0-E458-429F-899F-66E6D7E75E7A}"/>
+                </a:ext>
+              </a:extLst>
+            </p:cNvPr>
+            <p:cNvPicPr preferRelativeResize="0"/>
+            <p:nvPr/>
+          </p:nvPicPr>
+          <p:blipFill rotWithShape="1">
+            <a:blip r:embed="rId4">
+              <a:alphaModFix/>
+            </a:blip>
+            <a:srcRect/>
+            <a:stretch/>
+          </p:blipFill>
+          <p:spPr>
+            <a:xfrm>
+              <a:off x="7209016" y="365125"/>
+              <a:ext cx="868183" cy="515484"/>
+            </a:xfrm>
+            <a:prstGeom prst="rect">
+              <a:avLst/>
+            </a:prstGeom>
+            <a:noFill/>
+            <a:ln>
+              <a:noFill/>
+            </a:ln>
+          </p:spPr>
+        </p:pic>
+      </p:grpSp>
+      <p:sp>
+        <p:nvSpPr>
+          <p:cNvPr id="10" name="Foliennummernplatzhalter 2">
+            <a:extLst>
+              <a:ext uri="{FF2B5EF4-FFF2-40B4-BE49-F238E27FC236}">
+                <a16:creationId xmlns:a16="http://schemas.microsoft.com/office/drawing/2014/main" id="{4F39BEF3-8542-419E-96CC-88EB2C556B24}"/>
+              </a:ext>
+            </a:extLst>
+          </p:cNvPr>
+          <p:cNvSpPr>
+            <a:spLocks noGrp="1"/>
+          </p:cNvSpPr>
+          <p:nvPr>
+            <p:ph type="sldNum" sz="quarter" idx="12"/>
+          </p:nvPr>
+        </p:nvSpPr>
+        <p:spPr>
+          <a:xfrm>
+            <a:off x="8610600" y="6356350"/>
+            <a:ext cx="2743200" cy="365125"/>
+          </a:xfrm>
+        </p:spPr>
+        <p:txBody>
+          <a:bodyPr/>
+          <a:lstStyle/>
+          <a:p>
+            <a:pPr marL="0" lvl="0" indent="0" algn="r" rtl="0">
+              <a:spcBef>
+                <a:spcPts val="0"/>
+              </a:spcBef>
+              <a:spcAft>
+                <a:spcPts val="0"/>
+              </a:spcAft>
+              <a:buNone/>
+            </a:pPr>
+            <a:fld id="{00000000-1234-1234-1234-123412341234}" type="slidenum">
+              <a:rPr lang="de-CH" smtClean="0"/>
+              <a:t>11</a:t>
+            </a:fld>
+            <a:endParaRPr lang="de-CH" dirty="0"/>
+          </a:p>
+        </p:txBody>
+      </p:sp>
+      <p:cxnSp>
+        <p:nvCxnSpPr>
+          <p:cNvPr id="16" name="Straight Arrow Connector 6">
+            <a:extLst>
+              <a:ext uri="{FF2B5EF4-FFF2-40B4-BE49-F238E27FC236}">
+                <a16:creationId xmlns:a16="http://schemas.microsoft.com/office/drawing/2014/main" id="{F9F7BFF5-28CD-4EB5-88B3-9BCF5AA96F43}"/>
+              </a:ext>
+            </a:extLst>
+          </p:cNvPr>
+          <p:cNvCxnSpPr/>
+          <p:nvPr/>
+        </p:nvCxnSpPr>
+        <p:spPr>
+          <a:xfrm>
+            <a:off x="837268" y="6162674"/>
+            <a:ext cx="10272675" cy="5728"/>
+          </a:xfrm>
+          <a:prstGeom prst="straightConnector1">
+            <a:avLst/>
+          </a:prstGeom>
+        </p:spPr>
+        <p:style>
+          <a:lnRef idx="1">
+            <a:schemeClr val="accent1"/>
+          </a:lnRef>
+          <a:fillRef idx="0">
+            <a:schemeClr val="accent1"/>
+          </a:fillRef>
+          <a:effectRef idx="0">
+            <a:schemeClr val="accent1"/>
+          </a:effectRef>
+          <a:fontRef idx="minor">
+            <a:schemeClr val="tx1"/>
+          </a:fontRef>
+        </p:style>
+      </p:cxnSp>
+      <p:pic>
+        <p:nvPicPr>
+          <p:cNvPr id="3" name="Grafik 2">
+            <a:extLst>
+              <a:ext uri="{FF2B5EF4-FFF2-40B4-BE49-F238E27FC236}">
+                <a16:creationId xmlns:a16="http://schemas.microsoft.com/office/drawing/2014/main" id="{F7F5F282-E5CE-422E-A783-AF6B077CCAB9}"/>
+              </a:ext>
+            </a:extLst>
+          </p:cNvPr>
+          <p:cNvPicPr>
+            <a:picLocks noChangeAspect="1"/>
+          </p:cNvPicPr>
+          <p:nvPr/>
+        </p:nvPicPr>
+        <p:blipFill>
+          <a:blip r:embed="rId5"/>
+          <a:stretch>
+            <a:fillRect/>
+          </a:stretch>
+        </p:blipFill>
+        <p:spPr>
+          <a:xfrm>
+            <a:off x="7145869" y="3429000"/>
+            <a:ext cx="3964074" cy="2493442"/>
+          </a:xfrm>
+          <a:prstGeom prst="rect">
+            <a:avLst/>
+          </a:prstGeom>
+        </p:spPr>
+      </p:pic>
+      <p:sp>
+        <p:nvSpPr>
+          <p:cNvPr id="17" name="Inhaltsplatzhalter 3">
+            <a:extLst>
+              <a:ext uri="{FF2B5EF4-FFF2-40B4-BE49-F238E27FC236}">
+                <a16:creationId xmlns:a16="http://schemas.microsoft.com/office/drawing/2014/main" id="{759AD015-BCC9-42C1-8319-2D6958CB1593}"/>
+              </a:ext>
+            </a:extLst>
+          </p:cNvPr>
+          <p:cNvSpPr>
+            <a:spLocks noGrp="1"/>
+          </p:cNvSpPr>
+          <p:nvPr>
+            <p:ph idx="1"/>
+          </p:nvPr>
+        </p:nvSpPr>
+        <p:spPr>
+          <a:xfrm>
+            <a:off x="838200" y="1825625"/>
+            <a:ext cx="10515600" cy="3841685"/>
+          </a:xfrm>
+        </p:spPr>
+        <p:txBody>
+          <a:bodyPr/>
+          <a:lstStyle/>
+          <a:p>
+            <a:pPr marL="0" indent="0">
+              <a:buNone/>
+            </a:pPr>
+            <a:endParaRPr lang="de-CH" dirty="0">
+              <a:solidFill>
+                <a:schemeClr val="accent1">
+                  <a:lumMod val="75000"/>
+                </a:schemeClr>
+              </a:solidFill>
+            </a:endParaRPr>
+          </a:p>
+          <a:p>
+            <a:pPr marL="0" indent="0">
+              <a:buNone/>
+            </a:pPr>
+            <a:r>
+              <a:rPr lang="de-CH" dirty="0">
+                <a:solidFill>
+                  <a:schemeClr val="accent1">
+                    <a:lumMod val="75000"/>
+                  </a:schemeClr>
+                </a:solidFill>
+              </a:rPr>
+              <a:t>https://github.com/christophergalli/Team_Habsburg.git</a:t>
+            </a:r>
+          </a:p>
+          <a:p>
+            <a:pPr marL="0" indent="0">
+              <a:buNone/>
+            </a:pPr>
+            <a:endParaRPr lang="de-CH" dirty="0"/>
+          </a:p>
+        </p:txBody>
+      </p:sp>
+    </p:spTree>
+    <p:extLst>
+      <p:ext uri="{BB962C8B-B14F-4D97-AF65-F5344CB8AC3E}">
+        <p14:creationId xmlns:p14="http://schemas.microsoft.com/office/powerpoint/2010/main" val="2997932475"/>
+      </p:ext>
+    </p:extLst>
+  </p:cSld>
+  <p:clrMapOvr>
+    <a:masterClrMapping/>
+  </p:clrMapOvr>
+</p:sld>
+</file>
+
 <file path=ppt/slides/slide2.xml><?xml version="1.0" encoding="utf-8"?>
 <p:sld xmlns:a="http://schemas.openxmlformats.org/drawingml/2006/main" xmlns:r="http://schemas.openxmlformats.org/officeDocument/2006/relationships" xmlns:p="http://schemas.openxmlformats.org/presentationml/2006/main">
   <p:cSld>
@@ -6546,7 +7987,7 @@
                   <a:cs typeface="Calibri"/>
                   <a:sym typeface="Calibri"/>
                 </a:rPr>
-                <a:t>Changing</a:t>
+                <a:t>Changes</a:t>
               </a:r>
               <a:r>
                 <a:rPr lang="de-CH" sz="2300" dirty="0">
@@ -6557,7 +7998,7 @@
                   <a:cs typeface="Calibri"/>
                   <a:sym typeface="Calibri"/>
                 </a:rPr>
-                <a:t> Logs and Looks</a:t>
+                <a:t> I-III</a:t>
               </a:r>
             </a:p>
             <a:p>
@@ -7299,7 +8740,7 @@
               <a:buSzPts val="4400"/>
             </a:pPr>
             <a:r>
-              <a:rPr lang="en-US" sz="3600" dirty="0">
+              <a:rPr lang="en-US" sz="3200" dirty="0">
                 <a:solidFill>
                   <a:schemeClr val="accent5">
                     <a:lumMod val="75000"/>
@@ -7308,6 +8749,13 @@
               </a:rPr>
               <a:t>Index</a:t>
             </a:r>
+            <a:endParaRPr lang="en-US" sz="3600" dirty="0">
+              <a:solidFill>
+                <a:schemeClr val="accent5">
+                  <a:lumMod val="75000"/>
+                </a:schemeClr>
+              </a:solidFill>
+            </a:endParaRPr>
           </a:p>
         </p:txBody>
       </p:sp>
@@ -7749,7 +9197,7 @@
               <a:buSzPts val="4400"/>
             </a:pPr>
             <a:r>
-              <a:rPr lang="en-US" sz="3600" dirty="0">
+              <a:rPr lang="en-US" sz="3200" dirty="0">
                 <a:solidFill>
                   <a:schemeClr val="accent5">
                     <a:lumMod val="75000"/>
@@ -7758,6 +9206,13 @@
               </a:rPr>
               <a:t>Architecture</a:t>
             </a:r>
+            <a:endParaRPr lang="en-US" sz="3600" dirty="0">
+              <a:solidFill>
+                <a:schemeClr val="accent5">
+                  <a:lumMod val="75000"/>
+                </a:schemeClr>
+              </a:solidFill>
+            </a:endParaRPr>
           </a:p>
         </p:txBody>
       </p:sp>
@@ -8227,7 +9682,7 @@
               <a:buSzPts val="4400"/>
             </a:pPr>
             <a:r>
-              <a:rPr lang="en-US" sz="3600" dirty="0">
+              <a:rPr lang="en-US" sz="3200" dirty="0">
                 <a:solidFill>
                   <a:schemeClr val="accent5">
                     <a:lumMod val="75000"/>
@@ -8445,8 +9900,8 @@
         </p:nvSpPr>
         <p:spPr>
           <a:xfrm>
-            <a:off x="530609" y="566393"/>
-            <a:ext cx="5289165" cy="623416"/>
+            <a:off x="530608" y="566393"/>
+            <a:ext cx="9242042" cy="623416"/>
           </a:xfrm>
           <a:prstGeom prst="rect">
             <a:avLst/>
@@ -8712,18 +10167,1448 @@
               <a:buSzPts val="4400"/>
             </a:pPr>
             <a:r>
-              <a:rPr lang="en-US" sz="3600" dirty="0">
+              <a:rPr lang="en-US" sz="3200" dirty="0">
                 <a:solidFill>
                   <a:schemeClr val="accent5">
                     <a:lumMod val="75000"/>
                   </a:schemeClr>
                 </a:solidFill>
               </a:rPr>
-              <a:t>Changing Logs and Looks I</a:t>
+              <a:t>Changes I</a:t>
             </a:r>
           </a:p>
         </p:txBody>
       </p:sp>
+      <p:grpSp>
+        <p:nvGrpSpPr>
+          <p:cNvPr id="12" name="Google Shape;123;p2">
+            <a:extLst>
+              <a:ext uri="{FF2B5EF4-FFF2-40B4-BE49-F238E27FC236}">
+                <a16:creationId xmlns:a16="http://schemas.microsoft.com/office/drawing/2014/main" id="{DDF4A718-7BE2-4E5F-8EFD-D13B4ACDB111}"/>
+              </a:ext>
+            </a:extLst>
+          </p:cNvPr>
+          <p:cNvGrpSpPr/>
+          <p:nvPr/>
+        </p:nvGrpSpPr>
+        <p:grpSpPr>
+          <a:xfrm>
+            <a:off x="7143978" y="566392"/>
+            <a:ext cx="4362222" cy="623417"/>
+            <a:chOff x="6991578" y="254815"/>
+            <a:chExt cx="4742993" cy="782594"/>
+          </a:xfrm>
+        </p:grpSpPr>
+        <p:pic>
+          <p:nvPicPr>
+            <p:cNvPr id="13" name="Google Shape;124;p2">
+              <a:extLst>
+                <a:ext uri="{FF2B5EF4-FFF2-40B4-BE49-F238E27FC236}">
+                  <a16:creationId xmlns:a16="http://schemas.microsoft.com/office/drawing/2014/main" id="{D03080CB-B30B-433A-9670-2C526FAD2C57}"/>
+                </a:ext>
+              </a:extLst>
+            </p:cNvPr>
+            <p:cNvPicPr preferRelativeResize="0"/>
+            <p:nvPr/>
+          </p:nvPicPr>
+          <p:blipFill rotWithShape="1">
+            <a:blip r:embed="rId3">
+              <a:alphaModFix/>
+            </a:blip>
+            <a:srcRect/>
+            <a:stretch/>
+          </p:blipFill>
+          <p:spPr>
+            <a:xfrm>
+              <a:off x="6991578" y="254815"/>
+              <a:ext cx="4742993" cy="782594"/>
+            </a:xfrm>
+            <a:prstGeom prst="rect">
+              <a:avLst/>
+            </a:prstGeom>
+            <a:noFill/>
+            <a:ln>
+              <a:noFill/>
+            </a:ln>
+          </p:spPr>
+        </p:pic>
+        <p:pic>
+          <p:nvPicPr>
+            <p:cNvPr id="14" name="Google Shape;125;p2">
+              <a:extLst>
+                <a:ext uri="{FF2B5EF4-FFF2-40B4-BE49-F238E27FC236}">
+                  <a16:creationId xmlns:a16="http://schemas.microsoft.com/office/drawing/2014/main" id="{2B1563B0-E458-429F-899F-66E6D7E75E7A}"/>
+                </a:ext>
+              </a:extLst>
+            </p:cNvPr>
+            <p:cNvPicPr preferRelativeResize="0"/>
+            <p:nvPr/>
+          </p:nvPicPr>
+          <p:blipFill rotWithShape="1">
+            <a:blip r:embed="rId4">
+              <a:alphaModFix/>
+            </a:blip>
+            <a:srcRect/>
+            <a:stretch/>
+          </p:blipFill>
+          <p:spPr>
+            <a:xfrm>
+              <a:off x="7209016" y="365125"/>
+              <a:ext cx="868183" cy="515484"/>
+            </a:xfrm>
+            <a:prstGeom prst="rect">
+              <a:avLst/>
+            </a:prstGeom>
+            <a:noFill/>
+            <a:ln>
+              <a:noFill/>
+            </a:ln>
+          </p:spPr>
+        </p:pic>
+      </p:grpSp>
+      <p:sp>
+        <p:nvSpPr>
+          <p:cNvPr id="4" name="Inhaltsplatzhalter 3">
+            <a:extLst>
+              <a:ext uri="{FF2B5EF4-FFF2-40B4-BE49-F238E27FC236}">
+                <a16:creationId xmlns:a16="http://schemas.microsoft.com/office/drawing/2014/main" id="{2DE7CA9C-2E93-4EE5-9445-AAD456AC6254}"/>
+              </a:ext>
+            </a:extLst>
+          </p:cNvPr>
+          <p:cNvSpPr>
+            <a:spLocks noGrp="1"/>
+          </p:cNvSpPr>
+          <p:nvPr>
+            <p:ph idx="1"/>
+          </p:nvPr>
+        </p:nvSpPr>
+        <p:spPr>
+          <a:xfrm>
+            <a:off x="838200" y="1369197"/>
+            <a:ext cx="10515600" cy="4807766"/>
+          </a:xfrm>
+        </p:spPr>
+        <p:txBody>
+          <a:bodyPr>
+            <a:normAutofit fontScale="92500" lnSpcReduction="10000"/>
+          </a:bodyPr>
+          <a:lstStyle/>
+          <a:p>
+            <a:pPr marL="0" indent="0">
+              <a:buNone/>
+            </a:pPr>
+            <a:r>
+              <a:rPr lang="de-CH" dirty="0" err="1">
+                <a:solidFill>
+                  <a:schemeClr val="accent1">
+                    <a:lumMod val="75000"/>
+                  </a:schemeClr>
+                </a:solidFill>
+              </a:rPr>
+              <a:t>Adding</a:t>
+            </a:r>
+            <a:r>
+              <a:rPr lang="de-CH" dirty="0">
+                <a:solidFill>
+                  <a:schemeClr val="accent1">
+                    <a:lumMod val="75000"/>
+                  </a:schemeClr>
+                </a:solidFill>
+              </a:rPr>
+              <a:t> Logs</a:t>
+            </a:r>
+          </a:p>
+          <a:p>
+            <a:pPr marL="0" indent="0">
+              <a:buNone/>
+            </a:pPr>
+            <a:endParaRPr lang="de-CH" dirty="0">
+              <a:solidFill>
+                <a:schemeClr val="accent1">
+                  <a:lumMod val="75000"/>
+                </a:schemeClr>
+              </a:solidFill>
+            </a:endParaRPr>
+          </a:p>
+          <a:p>
+            <a:pPr marL="0" indent="0">
+              <a:buNone/>
+            </a:pPr>
+            <a:r>
+              <a:rPr lang="de-CH" dirty="0" err="1">
+                <a:solidFill>
+                  <a:schemeClr val="accent1">
+                    <a:lumMod val="75000"/>
+                  </a:schemeClr>
+                </a:solidFill>
+              </a:rPr>
+              <a:t>Step</a:t>
+            </a:r>
+            <a:r>
+              <a:rPr lang="de-CH" dirty="0">
+                <a:solidFill>
+                  <a:schemeClr val="accent1">
+                    <a:lumMod val="75000"/>
+                  </a:schemeClr>
+                </a:solidFill>
+              </a:rPr>
+              <a:t> 1:</a:t>
+            </a:r>
+            <a:r>
+              <a:rPr lang="de-CH" dirty="0"/>
+              <a:t> Import </a:t>
+            </a:r>
+            <a:r>
+              <a:rPr lang="de-CH" sz="2000" dirty="0"/>
+              <a:t>(</a:t>
+            </a:r>
+            <a:r>
+              <a:rPr lang="de-CH" sz="2000" dirty="0" err="1"/>
+              <a:t>needed</a:t>
+            </a:r>
+            <a:r>
+              <a:rPr lang="de-CH" sz="2000" dirty="0"/>
+              <a:t> </a:t>
+            </a:r>
+            <a:r>
+              <a:rPr lang="de-CH" sz="2000" dirty="0" err="1"/>
+              <a:t>packages</a:t>
+            </a:r>
+            <a:r>
+              <a:rPr lang="de-CH" sz="2000" dirty="0"/>
+              <a:t>)</a:t>
+            </a:r>
+          </a:p>
+          <a:p>
+            <a:pPr marL="0" indent="0">
+              <a:buNone/>
+            </a:pPr>
+            <a:endParaRPr lang="de-CH" dirty="0"/>
+          </a:p>
+          <a:p>
+            <a:pPr marL="0" indent="0">
+              <a:buNone/>
+            </a:pPr>
+            <a:r>
+              <a:rPr lang="de-CH" dirty="0" err="1">
+                <a:solidFill>
+                  <a:schemeClr val="accent1">
+                    <a:lumMod val="75000"/>
+                  </a:schemeClr>
+                </a:solidFill>
+              </a:rPr>
+              <a:t>Step</a:t>
+            </a:r>
+            <a:r>
+              <a:rPr lang="de-CH" dirty="0">
+                <a:solidFill>
+                  <a:schemeClr val="accent1">
+                    <a:lumMod val="75000"/>
+                  </a:schemeClr>
+                </a:solidFill>
+              </a:rPr>
+              <a:t> 2:</a:t>
+            </a:r>
+            <a:r>
+              <a:rPr lang="de-CH" dirty="0"/>
+              <a:t> </a:t>
+            </a:r>
+            <a:r>
+              <a:rPr lang="de-CH" dirty="0" err="1"/>
+              <a:t>Instantiate</a:t>
+            </a:r>
+            <a:r>
+              <a:rPr lang="de-CH" dirty="0"/>
+              <a:t> </a:t>
+            </a:r>
+            <a:r>
+              <a:rPr lang="de-CH" sz="2000" dirty="0"/>
+              <a:t>(in </a:t>
+            </a:r>
+            <a:r>
+              <a:rPr lang="de-CH" sz="2000" dirty="0" err="1"/>
+              <a:t>class</a:t>
+            </a:r>
+            <a:r>
+              <a:rPr lang="de-CH" sz="2000" dirty="0"/>
+              <a:t>)</a:t>
+            </a:r>
+            <a:endParaRPr lang="de-CH" dirty="0"/>
+          </a:p>
+          <a:p>
+            <a:pPr marL="0" indent="0">
+              <a:buNone/>
+            </a:pPr>
+            <a:endParaRPr lang="de-CH" dirty="0"/>
+          </a:p>
+          <a:p>
+            <a:pPr marL="0" indent="0">
+              <a:buNone/>
+            </a:pPr>
+            <a:r>
+              <a:rPr lang="de-CH" dirty="0" err="1">
+                <a:solidFill>
+                  <a:schemeClr val="accent1">
+                    <a:lumMod val="75000"/>
+                  </a:schemeClr>
+                </a:solidFill>
+              </a:rPr>
+              <a:t>Step</a:t>
+            </a:r>
+            <a:r>
+              <a:rPr lang="de-CH" dirty="0">
+                <a:solidFill>
+                  <a:schemeClr val="accent1">
+                    <a:lumMod val="75000"/>
+                  </a:schemeClr>
+                </a:solidFill>
+              </a:rPr>
+              <a:t> 3:</a:t>
+            </a:r>
+            <a:r>
+              <a:rPr lang="de-CH" dirty="0"/>
+              <a:t> Use </a:t>
+            </a:r>
+            <a:r>
+              <a:rPr lang="de-CH" sz="2000" dirty="0"/>
+              <a:t>(</a:t>
+            </a:r>
+            <a:r>
+              <a:rPr lang="de-CH" sz="2000" dirty="0" err="1"/>
+              <a:t>within</a:t>
+            </a:r>
+            <a:r>
+              <a:rPr lang="de-CH" sz="2000" dirty="0"/>
+              <a:t> </a:t>
+            </a:r>
+            <a:r>
+              <a:rPr lang="de-CH" sz="2000" dirty="0" err="1"/>
+              <a:t>method</a:t>
+            </a:r>
+            <a:r>
+              <a:rPr lang="de-CH" sz="2000" dirty="0"/>
+              <a:t>)</a:t>
+            </a:r>
+            <a:endParaRPr lang="de-CH" dirty="0"/>
+          </a:p>
+          <a:p>
+            <a:pPr marL="0" indent="0">
+              <a:buNone/>
+            </a:pPr>
+            <a:endParaRPr lang="de-CH" dirty="0"/>
+          </a:p>
+          <a:p>
+            <a:pPr marL="0" indent="0">
+              <a:buNone/>
+            </a:pPr>
+            <a:r>
+              <a:rPr lang="de-CH" dirty="0" err="1">
+                <a:solidFill>
+                  <a:schemeClr val="accent1">
+                    <a:lumMod val="75000"/>
+                  </a:schemeClr>
+                </a:solidFill>
+              </a:rPr>
+              <a:t>Step</a:t>
+            </a:r>
+            <a:r>
+              <a:rPr lang="de-CH" dirty="0">
+                <a:solidFill>
+                  <a:schemeClr val="accent1">
+                    <a:lumMod val="75000"/>
+                  </a:schemeClr>
+                </a:solidFill>
+              </a:rPr>
+              <a:t> 4:</a:t>
+            </a:r>
+            <a:r>
+              <a:rPr lang="de-CH" dirty="0"/>
+              <a:t> </a:t>
+            </a:r>
+            <a:r>
+              <a:rPr lang="de-CH" dirty="0" err="1"/>
+              <a:t>Collect</a:t>
+            </a:r>
+            <a:r>
+              <a:rPr lang="de-CH" dirty="0"/>
+              <a:t> </a:t>
+            </a:r>
+            <a:r>
+              <a:rPr lang="de-CH" sz="2000" dirty="0"/>
+              <a:t>(</a:t>
+            </a:r>
+            <a:r>
+              <a:rPr lang="de-CH" sz="2000" dirty="0" err="1"/>
+              <a:t>from</a:t>
+            </a:r>
+            <a:r>
+              <a:rPr lang="de-CH" sz="2000" dirty="0"/>
+              <a:t> </a:t>
+            </a:r>
+            <a:r>
+              <a:rPr lang="de-CH" sz="2000" dirty="0" err="1"/>
+              <a:t>drive</a:t>
+            </a:r>
+            <a:r>
+              <a:rPr lang="de-CH" sz="2000" dirty="0"/>
+              <a:t>)</a:t>
+            </a:r>
+          </a:p>
+          <a:p>
+            <a:pPr marL="0" indent="0">
+              <a:buNone/>
+            </a:pPr>
+            <a:endParaRPr lang="de-CH" sz="2000" dirty="0"/>
+          </a:p>
+          <a:p>
+            <a:pPr marL="0" indent="0">
+              <a:buNone/>
+            </a:pPr>
+            <a:r>
+              <a:rPr lang="de-CH" sz="2000" dirty="0"/>
+              <a:t>Add </a:t>
+            </a:r>
+            <a:r>
+              <a:rPr lang="de-CH" sz="2000" dirty="0" err="1"/>
+              <a:t>dependencies</a:t>
+            </a:r>
+            <a:r>
+              <a:rPr lang="de-CH" sz="2000" dirty="0"/>
+              <a:t> in pom.xml (in </a:t>
+            </a:r>
+            <a:r>
+              <a:rPr lang="de-CH" sz="2000" dirty="0" err="1"/>
+              <a:t>case</a:t>
+            </a:r>
+            <a:r>
+              <a:rPr lang="de-CH" sz="2000" dirty="0"/>
+              <a:t> </a:t>
+            </a:r>
+            <a:r>
+              <a:rPr lang="de-CH" sz="2000" dirty="0" err="1"/>
+              <a:t>you</a:t>
+            </a:r>
+            <a:r>
+              <a:rPr lang="de-CH" sz="2000" dirty="0"/>
+              <a:t> </a:t>
+            </a:r>
+            <a:r>
+              <a:rPr lang="de-CH" sz="2000" dirty="0" err="1"/>
+              <a:t>want</a:t>
+            </a:r>
+            <a:r>
+              <a:rPr lang="de-CH" sz="2000" dirty="0"/>
+              <a:t> </a:t>
+            </a:r>
+            <a:r>
+              <a:rPr lang="de-CH" sz="2000" dirty="0" err="1"/>
+              <a:t>to</a:t>
+            </a:r>
+            <a:r>
+              <a:rPr lang="de-CH" sz="2000" dirty="0"/>
+              <a:t> </a:t>
+            </a:r>
+            <a:r>
+              <a:rPr lang="de-CH" sz="2000" dirty="0" err="1"/>
+              <a:t>use</a:t>
+            </a:r>
+            <a:r>
+              <a:rPr lang="de-CH" sz="2000" dirty="0"/>
+              <a:t> a different </a:t>
+            </a:r>
+            <a:r>
+              <a:rPr lang="de-CH" sz="2000" dirty="0" err="1"/>
+              <a:t>logger</a:t>
+            </a:r>
+            <a:r>
+              <a:rPr lang="de-CH" sz="2000" dirty="0"/>
+              <a:t>)</a:t>
+            </a:r>
+          </a:p>
+        </p:txBody>
+      </p:sp>
+      <p:sp>
+        <p:nvSpPr>
+          <p:cNvPr id="10" name="Foliennummernplatzhalter 2">
+            <a:extLst>
+              <a:ext uri="{FF2B5EF4-FFF2-40B4-BE49-F238E27FC236}">
+                <a16:creationId xmlns:a16="http://schemas.microsoft.com/office/drawing/2014/main" id="{4F39BEF3-8542-419E-96CC-88EB2C556B24}"/>
+              </a:ext>
+            </a:extLst>
+          </p:cNvPr>
+          <p:cNvSpPr>
+            <a:spLocks noGrp="1"/>
+          </p:cNvSpPr>
+          <p:nvPr>
+            <p:ph type="sldNum" sz="quarter" idx="12"/>
+          </p:nvPr>
+        </p:nvSpPr>
+        <p:spPr/>
+        <p:txBody>
+          <a:bodyPr/>
+          <a:lstStyle/>
+          <a:p>
+            <a:pPr marL="0" lvl="0" indent="0" algn="r" rtl="0">
+              <a:spcBef>
+                <a:spcPts val="0"/>
+              </a:spcBef>
+              <a:spcAft>
+                <a:spcPts val="0"/>
+              </a:spcAft>
+              <a:buNone/>
+            </a:pPr>
+            <a:fld id="{00000000-1234-1234-1234-123412341234}" type="slidenum">
+              <a:rPr lang="de-CH" smtClean="0"/>
+              <a:t>5</a:t>
+            </a:fld>
+            <a:endParaRPr lang="de-CH" dirty="0"/>
+          </a:p>
+        </p:txBody>
+      </p:sp>
+      <p:pic>
+        <p:nvPicPr>
+          <p:cNvPr id="16" name="Grafik 15">
+            <a:extLst>
+              <a:ext uri="{FF2B5EF4-FFF2-40B4-BE49-F238E27FC236}">
+                <a16:creationId xmlns:a16="http://schemas.microsoft.com/office/drawing/2014/main" id="{A7A866BA-2A9D-48ED-8B0D-DC0058548ECB}"/>
+              </a:ext>
+            </a:extLst>
+          </p:cNvPr>
+          <p:cNvPicPr/>
+          <p:nvPr/>
+        </p:nvPicPr>
+        <p:blipFill>
+          <a:blip r:embed="rId5"/>
+          <a:stretch>
+            <a:fillRect/>
+          </a:stretch>
+        </p:blipFill>
+        <p:spPr>
+          <a:xfrm>
+            <a:off x="7237186" y="1846053"/>
+            <a:ext cx="4116614" cy="678996"/>
+          </a:xfrm>
+          <a:prstGeom prst="rect">
+            <a:avLst/>
+          </a:prstGeom>
+        </p:spPr>
+      </p:pic>
+      <p:pic>
+        <p:nvPicPr>
+          <p:cNvPr id="17" name="Grafik 16">
+            <a:extLst>
+              <a:ext uri="{FF2B5EF4-FFF2-40B4-BE49-F238E27FC236}">
+                <a16:creationId xmlns:a16="http://schemas.microsoft.com/office/drawing/2014/main" id="{ABCD37F0-F232-4ED9-B5CC-8732B683F852}"/>
+              </a:ext>
+            </a:extLst>
+          </p:cNvPr>
+          <p:cNvPicPr/>
+          <p:nvPr/>
+        </p:nvPicPr>
+        <p:blipFill>
+          <a:blip r:embed="rId6"/>
+          <a:stretch>
+            <a:fillRect/>
+          </a:stretch>
+        </p:blipFill>
+        <p:spPr>
+          <a:xfrm>
+            <a:off x="5431971" y="2782473"/>
+            <a:ext cx="5921829" cy="669154"/>
+          </a:xfrm>
+          <a:prstGeom prst="rect">
+            <a:avLst/>
+          </a:prstGeom>
+        </p:spPr>
+      </p:pic>
+      <p:pic>
+        <p:nvPicPr>
+          <p:cNvPr id="6" name="Grafik 5">
+            <a:extLst>
+              <a:ext uri="{FF2B5EF4-FFF2-40B4-BE49-F238E27FC236}">
+                <a16:creationId xmlns:a16="http://schemas.microsoft.com/office/drawing/2014/main" id="{7EF9E598-395C-4138-9001-26E4EA0CBA75}"/>
+              </a:ext>
+            </a:extLst>
+          </p:cNvPr>
+          <p:cNvPicPr>
+            <a:picLocks noChangeAspect="1"/>
+          </p:cNvPicPr>
+          <p:nvPr/>
+        </p:nvPicPr>
+        <p:blipFill>
+          <a:blip r:embed="rId7"/>
+          <a:stretch>
+            <a:fillRect/>
+          </a:stretch>
+        </p:blipFill>
+        <p:spPr>
+          <a:xfrm>
+            <a:off x="6808719" y="3709340"/>
+            <a:ext cx="4545081" cy="756129"/>
+          </a:xfrm>
+          <a:prstGeom prst="rect">
+            <a:avLst/>
+          </a:prstGeom>
+        </p:spPr>
+      </p:pic>
+      <p:pic>
+        <p:nvPicPr>
+          <p:cNvPr id="18" name="Grafik 17">
+            <a:extLst>
+              <a:ext uri="{FF2B5EF4-FFF2-40B4-BE49-F238E27FC236}">
+                <a16:creationId xmlns:a16="http://schemas.microsoft.com/office/drawing/2014/main" id="{D39440E9-625F-492B-89C7-6561EA22C2ED}"/>
+              </a:ext>
+            </a:extLst>
+          </p:cNvPr>
+          <p:cNvPicPr/>
+          <p:nvPr/>
+        </p:nvPicPr>
+        <p:blipFill>
+          <a:blip r:embed="rId8"/>
+          <a:stretch>
+            <a:fillRect/>
+          </a:stretch>
+        </p:blipFill>
+        <p:spPr>
+          <a:xfrm>
+            <a:off x="7772400" y="4723182"/>
+            <a:ext cx="3581400" cy="920159"/>
+          </a:xfrm>
+          <a:prstGeom prst="rect">
+            <a:avLst/>
+          </a:prstGeom>
+        </p:spPr>
+      </p:pic>
+    </p:spTree>
+    <p:extLst>
+      <p:ext uri="{BB962C8B-B14F-4D97-AF65-F5344CB8AC3E}">
+        <p14:creationId xmlns:p14="http://schemas.microsoft.com/office/powerpoint/2010/main" val="1544023321"/>
+      </p:ext>
+    </p:extLst>
+  </p:cSld>
+  <p:clrMapOvr>
+    <a:masterClrMapping/>
+  </p:clrMapOvr>
+</p:sld>
+</file>
+
+<file path=ppt/slides/slide6.xml><?xml version="1.0" encoding="utf-8"?>
+<p:sld xmlns:a="http://schemas.openxmlformats.org/drawingml/2006/main" xmlns:r="http://schemas.openxmlformats.org/officeDocument/2006/relationships" xmlns:p="http://schemas.openxmlformats.org/presentationml/2006/main">
+  <p:cSld>
+    <p:spTree>
+      <p:nvGrpSpPr>
+        <p:cNvPr id="1" name="Shape 129"/>
+        <p:cNvGrpSpPr/>
+        <p:nvPr/>
+      </p:nvGrpSpPr>
+      <p:grpSpPr>
+        <a:xfrm>
+          <a:off x="0" y="0"/>
+          <a:ext cx="0" cy="0"/>
+          <a:chOff x="0" y="0"/>
+          <a:chExt cx="0" cy="0"/>
+        </a:xfrm>
+      </p:grpSpPr>
+      <p:sp>
+        <p:nvSpPr>
+          <p:cNvPr id="11" name="Google Shape;97;p2">
+            <a:extLst>
+              <a:ext uri="{FF2B5EF4-FFF2-40B4-BE49-F238E27FC236}">
+                <a16:creationId xmlns:a16="http://schemas.microsoft.com/office/drawing/2014/main" id="{BCB4E700-1B26-4262-B55A-D9A0CAE26063}"/>
+              </a:ext>
+            </a:extLst>
+          </p:cNvPr>
+          <p:cNvSpPr txBox="1">
+            <a:spLocks/>
+          </p:cNvSpPr>
+          <p:nvPr/>
+        </p:nvSpPr>
+        <p:spPr>
+          <a:xfrm>
+            <a:off x="530608" y="566393"/>
+            <a:ext cx="9242042" cy="623416"/>
+          </a:xfrm>
+          <a:prstGeom prst="rect">
+            <a:avLst/>
+          </a:prstGeom>
+          <a:noFill/>
+          <a:ln>
+            <a:noFill/>
+          </a:ln>
+        </p:spPr>
+        <p:txBody>
+          <a:bodyPr spcFirstLastPara="1" wrap="square" lIns="91425" tIns="45700" rIns="91425" bIns="45700" anchor="ctr" anchorCtr="0">
+            <a:noAutofit/>
+          </a:bodyPr>
+          <a:lstStyle>
+            <a:defPPr marR="0" lvl="0" algn="l" rtl="0">
+              <a:lnSpc>
+                <a:spcPct val="100000"/>
+              </a:lnSpc>
+              <a:spcBef>
+                <a:spcPts val="0"/>
+              </a:spcBef>
+              <a:spcAft>
+                <a:spcPts val="0"/>
+              </a:spcAft>
+            </a:defPPr>
+            <a:lvl1pPr marR="0" lvl="0" algn="l" rtl="0">
+              <a:lnSpc>
+                <a:spcPct val="90000"/>
+              </a:lnSpc>
+              <a:spcBef>
+                <a:spcPts val="0"/>
+              </a:spcBef>
+              <a:spcAft>
+                <a:spcPts val="0"/>
+              </a:spcAft>
+              <a:buClr>
+                <a:schemeClr val="dk1"/>
+              </a:buClr>
+              <a:buSzPts val="1800"/>
+              <a:buFont typeface="Calibri"/>
+              <a:buNone/>
+              <a:defRPr sz="4400" b="0" i="0" u="none" strike="noStrike" cap="none">
+                <a:solidFill>
+                  <a:schemeClr val="dk1"/>
+                </a:solidFill>
+                <a:latin typeface="Calibri"/>
+                <a:ea typeface="Calibri"/>
+                <a:cs typeface="Calibri"/>
+                <a:sym typeface="Calibri"/>
+              </a:defRPr>
+            </a:lvl1pPr>
+            <a:lvl2pPr marR="0" lvl="1" algn="l" rtl="0">
+              <a:lnSpc>
+                <a:spcPct val="100000"/>
+              </a:lnSpc>
+              <a:spcBef>
+                <a:spcPts val="0"/>
+              </a:spcBef>
+              <a:spcAft>
+                <a:spcPts val="0"/>
+              </a:spcAft>
+              <a:buClr>
+                <a:srgbClr val="000000"/>
+              </a:buClr>
+              <a:buSzPts val="1400"/>
+              <a:buFont typeface="Arial"/>
+              <a:buNone/>
+              <a:defRPr sz="1800" b="0" i="0" u="none" strike="noStrike" cap="none">
+                <a:solidFill>
+                  <a:srgbClr val="000000"/>
+                </a:solidFill>
+                <a:latin typeface="Arial"/>
+                <a:ea typeface="Arial"/>
+                <a:cs typeface="Arial"/>
+                <a:sym typeface="Arial"/>
+              </a:defRPr>
+            </a:lvl2pPr>
+            <a:lvl3pPr marR="0" lvl="2" algn="l" rtl="0">
+              <a:lnSpc>
+                <a:spcPct val="100000"/>
+              </a:lnSpc>
+              <a:spcBef>
+                <a:spcPts val="0"/>
+              </a:spcBef>
+              <a:spcAft>
+                <a:spcPts val="0"/>
+              </a:spcAft>
+              <a:buClr>
+                <a:srgbClr val="000000"/>
+              </a:buClr>
+              <a:buSzPts val="1400"/>
+              <a:buFont typeface="Arial"/>
+              <a:buNone/>
+              <a:defRPr sz="1800" b="0" i="0" u="none" strike="noStrike" cap="none">
+                <a:solidFill>
+                  <a:srgbClr val="000000"/>
+                </a:solidFill>
+                <a:latin typeface="Arial"/>
+                <a:ea typeface="Arial"/>
+                <a:cs typeface="Arial"/>
+                <a:sym typeface="Arial"/>
+              </a:defRPr>
+            </a:lvl3pPr>
+            <a:lvl4pPr marR="0" lvl="3" algn="l" rtl="0">
+              <a:lnSpc>
+                <a:spcPct val="100000"/>
+              </a:lnSpc>
+              <a:spcBef>
+                <a:spcPts val="0"/>
+              </a:spcBef>
+              <a:spcAft>
+                <a:spcPts val="0"/>
+              </a:spcAft>
+              <a:buClr>
+                <a:srgbClr val="000000"/>
+              </a:buClr>
+              <a:buSzPts val="1400"/>
+              <a:buFont typeface="Arial"/>
+              <a:buNone/>
+              <a:defRPr sz="1800" b="0" i="0" u="none" strike="noStrike" cap="none">
+                <a:solidFill>
+                  <a:srgbClr val="000000"/>
+                </a:solidFill>
+                <a:latin typeface="Arial"/>
+                <a:ea typeface="Arial"/>
+                <a:cs typeface="Arial"/>
+                <a:sym typeface="Arial"/>
+              </a:defRPr>
+            </a:lvl4pPr>
+            <a:lvl5pPr marR="0" lvl="4" algn="l" rtl="0">
+              <a:lnSpc>
+                <a:spcPct val="100000"/>
+              </a:lnSpc>
+              <a:spcBef>
+                <a:spcPts val="0"/>
+              </a:spcBef>
+              <a:spcAft>
+                <a:spcPts val="0"/>
+              </a:spcAft>
+              <a:buClr>
+                <a:srgbClr val="000000"/>
+              </a:buClr>
+              <a:buSzPts val="1400"/>
+              <a:buFont typeface="Arial"/>
+              <a:buNone/>
+              <a:defRPr sz="1800" b="0" i="0" u="none" strike="noStrike" cap="none">
+                <a:solidFill>
+                  <a:srgbClr val="000000"/>
+                </a:solidFill>
+                <a:latin typeface="Arial"/>
+                <a:ea typeface="Arial"/>
+                <a:cs typeface="Arial"/>
+                <a:sym typeface="Arial"/>
+              </a:defRPr>
+            </a:lvl5pPr>
+            <a:lvl6pPr marR="0" lvl="5" algn="l" rtl="0">
+              <a:lnSpc>
+                <a:spcPct val="100000"/>
+              </a:lnSpc>
+              <a:spcBef>
+                <a:spcPts val="0"/>
+              </a:spcBef>
+              <a:spcAft>
+                <a:spcPts val="0"/>
+              </a:spcAft>
+              <a:buClr>
+                <a:srgbClr val="000000"/>
+              </a:buClr>
+              <a:buSzPts val="1400"/>
+              <a:buFont typeface="Arial"/>
+              <a:buNone/>
+              <a:defRPr sz="1800" b="0" i="0" u="none" strike="noStrike" cap="none">
+                <a:solidFill>
+                  <a:srgbClr val="000000"/>
+                </a:solidFill>
+                <a:latin typeface="Arial"/>
+                <a:ea typeface="Arial"/>
+                <a:cs typeface="Arial"/>
+                <a:sym typeface="Arial"/>
+              </a:defRPr>
+            </a:lvl6pPr>
+            <a:lvl7pPr marR="0" lvl="6" algn="l" rtl="0">
+              <a:lnSpc>
+                <a:spcPct val="100000"/>
+              </a:lnSpc>
+              <a:spcBef>
+                <a:spcPts val="0"/>
+              </a:spcBef>
+              <a:spcAft>
+                <a:spcPts val="0"/>
+              </a:spcAft>
+              <a:buClr>
+                <a:srgbClr val="000000"/>
+              </a:buClr>
+              <a:buSzPts val="1400"/>
+              <a:buFont typeface="Arial"/>
+              <a:buNone/>
+              <a:defRPr sz="1800" b="0" i="0" u="none" strike="noStrike" cap="none">
+                <a:solidFill>
+                  <a:srgbClr val="000000"/>
+                </a:solidFill>
+                <a:latin typeface="Arial"/>
+                <a:ea typeface="Arial"/>
+                <a:cs typeface="Arial"/>
+                <a:sym typeface="Arial"/>
+              </a:defRPr>
+            </a:lvl7pPr>
+            <a:lvl8pPr marR="0" lvl="7" algn="l" rtl="0">
+              <a:lnSpc>
+                <a:spcPct val="100000"/>
+              </a:lnSpc>
+              <a:spcBef>
+                <a:spcPts val="0"/>
+              </a:spcBef>
+              <a:spcAft>
+                <a:spcPts val="0"/>
+              </a:spcAft>
+              <a:buClr>
+                <a:srgbClr val="000000"/>
+              </a:buClr>
+              <a:buSzPts val="1400"/>
+              <a:buFont typeface="Arial"/>
+              <a:buNone/>
+              <a:defRPr sz="1800" b="0" i="0" u="none" strike="noStrike" cap="none">
+                <a:solidFill>
+                  <a:srgbClr val="000000"/>
+                </a:solidFill>
+                <a:latin typeface="Arial"/>
+                <a:ea typeface="Arial"/>
+                <a:cs typeface="Arial"/>
+                <a:sym typeface="Arial"/>
+              </a:defRPr>
+            </a:lvl8pPr>
+            <a:lvl9pPr marR="0" lvl="8" algn="l" rtl="0">
+              <a:lnSpc>
+                <a:spcPct val="100000"/>
+              </a:lnSpc>
+              <a:spcBef>
+                <a:spcPts val="0"/>
+              </a:spcBef>
+              <a:spcAft>
+                <a:spcPts val="0"/>
+              </a:spcAft>
+              <a:buClr>
+                <a:srgbClr val="000000"/>
+              </a:buClr>
+              <a:buSzPts val="1400"/>
+              <a:buFont typeface="Arial"/>
+              <a:buNone/>
+              <a:defRPr sz="1800" b="0" i="0" u="none" strike="noStrike" cap="none">
+                <a:solidFill>
+                  <a:srgbClr val="000000"/>
+                </a:solidFill>
+                <a:latin typeface="Arial"/>
+                <a:ea typeface="Arial"/>
+                <a:cs typeface="Arial"/>
+                <a:sym typeface="Arial"/>
+              </a:defRPr>
+            </a:lvl9pPr>
+          </a:lstStyle>
+          <a:p>
+            <a:pPr>
+              <a:buSzPts val="4400"/>
+            </a:pPr>
+            <a:r>
+              <a:rPr lang="en-US" sz="3200" dirty="0">
+                <a:solidFill>
+                  <a:schemeClr val="accent5">
+                    <a:lumMod val="75000"/>
+                  </a:schemeClr>
+                </a:solidFill>
+              </a:rPr>
+              <a:t>Changes II</a:t>
+            </a:r>
+          </a:p>
+        </p:txBody>
+      </p:sp>
+      <p:grpSp>
+        <p:nvGrpSpPr>
+          <p:cNvPr id="12" name="Google Shape;123;p2">
+            <a:extLst>
+              <a:ext uri="{FF2B5EF4-FFF2-40B4-BE49-F238E27FC236}">
+                <a16:creationId xmlns:a16="http://schemas.microsoft.com/office/drawing/2014/main" id="{DDF4A718-7BE2-4E5F-8EFD-D13B4ACDB111}"/>
+              </a:ext>
+            </a:extLst>
+          </p:cNvPr>
+          <p:cNvGrpSpPr/>
+          <p:nvPr/>
+        </p:nvGrpSpPr>
+        <p:grpSpPr>
+          <a:xfrm>
+            <a:off x="7143978" y="566392"/>
+            <a:ext cx="4362222" cy="623417"/>
+            <a:chOff x="6991578" y="254815"/>
+            <a:chExt cx="4742993" cy="782594"/>
+          </a:xfrm>
+        </p:grpSpPr>
+        <p:pic>
+          <p:nvPicPr>
+            <p:cNvPr id="13" name="Google Shape;124;p2">
+              <a:extLst>
+                <a:ext uri="{FF2B5EF4-FFF2-40B4-BE49-F238E27FC236}">
+                  <a16:creationId xmlns:a16="http://schemas.microsoft.com/office/drawing/2014/main" id="{D03080CB-B30B-433A-9670-2C526FAD2C57}"/>
+                </a:ext>
+              </a:extLst>
+            </p:cNvPr>
+            <p:cNvPicPr preferRelativeResize="0"/>
+            <p:nvPr/>
+          </p:nvPicPr>
+          <p:blipFill rotWithShape="1">
+            <a:blip r:embed="rId3">
+              <a:alphaModFix/>
+            </a:blip>
+            <a:srcRect/>
+            <a:stretch/>
+          </p:blipFill>
+          <p:spPr>
+            <a:xfrm>
+              <a:off x="6991578" y="254815"/>
+              <a:ext cx="4742993" cy="782594"/>
+            </a:xfrm>
+            <a:prstGeom prst="rect">
+              <a:avLst/>
+            </a:prstGeom>
+            <a:noFill/>
+            <a:ln>
+              <a:noFill/>
+            </a:ln>
+          </p:spPr>
+        </p:pic>
+        <p:pic>
+          <p:nvPicPr>
+            <p:cNvPr id="14" name="Google Shape;125;p2">
+              <a:extLst>
+                <a:ext uri="{FF2B5EF4-FFF2-40B4-BE49-F238E27FC236}">
+                  <a16:creationId xmlns:a16="http://schemas.microsoft.com/office/drawing/2014/main" id="{2B1563B0-E458-429F-899F-66E6D7E75E7A}"/>
+                </a:ext>
+              </a:extLst>
+            </p:cNvPr>
+            <p:cNvPicPr preferRelativeResize="0"/>
+            <p:nvPr/>
+          </p:nvPicPr>
+          <p:blipFill rotWithShape="1">
+            <a:blip r:embed="rId4">
+              <a:alphaModFix/>
+            </a:blip>
+            <a:srcRect/>
+            <a:stretch/>
+          </p:blipFill>
+          <p:spPr>
+            <a:xfrm>
+              <a:off x="7209016" y="365125"/>
+              <a:ext cx="868183" cy="515484"/>
+            </a:xfrm>
+            <a:prstGeom prst="rect">
+              <a:avLst/>
+            </a:prstGeom>
+            <a:noFill/>
+            <a:ln>
+              <a:noFill/>
+            </a:ln>
+          </p:spPr>
+        </p:pic>
+      </p:grpSp>
+      <p:sp>
+        <p:nvSpPr>
+          <p:cNvPr id="4" name="Inhaltsplatzhalter 3">
+            <a:extLst>
+              <a:ext uri="{FF2B5EF4-FFF2-40B4-BE49-F238E27FC236}">
+                <a16:creationId xmlns:a16="http://schemas.microsoft.com/office/drawing/2014/main" id="{2DE7CA9C-2E93-4EE5-9445-AAD456AC6254}"/>
+              </a:ext>
+            </a:extLst>
+          </p:cNvPr>
+          <p:cNvSpPr>
+            <a:spLocks noGrp="1"/>
+          </p:cNvSpPr>
+          <p:nvPr>
+            <p:ph idx="1"/>
+          </p:nvPr>
+        </p:nvSpPr>
+        <p:spPr>
+          <a:xfrm>
+            <a:off x="838200" y="1369197"/>
+            <a:ext cx="10515600" cy="4807766"/>
+          </a:xfrm>
+        </p:spPr>
+        <p:txBody>
+          <a:bodyPr>
+            <a:normAutofit/>
+          </a:bodyPr>
+          <a:lstStyle/>
+          <a:p>
+            <a:pPr marL="0" indent="0">
+              <a:buNone/>
+            </a:pPr>
+            <a:r>
+              <a:rPr lang="de-CH" dirty="0" err="1">
+                <a:solidFill>
+                  <a:schemeClr val="accent1">
+                    <a:lumMod val="75000"/>
+                  </a:schemeClr>
+                </a:solidFill>
+              </a:rPr>
+              <a:t>Adding</a:t>
+            </a:r>
+            <a:r>
+              <a:rPr lang="de-CH" dirty="0">
+                <a:solidFill>
+                  <a:schemeClr val="accent1">
+                    <a:lumMod val="75000"/>
+                  </a:schemeClr>
+                </a:solidFill>
+              </a:rPr>
+              <a:t> Feedback, Navigation, Style</a:t>
+            </a:r>
+          </a:p>
+          <a:p>
+            <a:pPr marL="0" indent="0">
+              <a:buNone/>
+            </a:pPr>
+            <a:endParaRPr lang="de-CH" dirty="0">
+              <a:solidFill>
+                <a:schemeClr val="accent1">
+                  <a:lumMod val="75000"/>
+                </a:schemeClr>
+              </a:solidFill>
+            </a:endParaRPr>
+          </a:p>
+          <a:p>
+            <a:pPr marL="0" indent="0">
+              <a:buNone/>
+            </a:pPr>
+            <a:r>
+              <a:rPr lang="de-CH" dirty="0" err="1">
+                <a:solidFill>
+                  <a:schemeClr val="accent1">
+                    <a:lumMod val="75000"/>
+                  </a:schemeClr>
+                </a:solidFill>
+              </a:rPr>
+              <a:t>Step</a:t>
+            </a:r>
+            <a:r>
+              <a:rPr lang="de-CH" dirty="0">
+                <a:solidFill>
+                  <a:schemeClr val="accent1">
+                    <a:lumMod val="75000"/>
+                  </a:schemeClr>
+                </a:solidFill>
+              </a:rPr>
+              <a:t> 1: </a:t>
+            </a:r>
+            <a:r>
+              <a:rPr lang="de-CH" dirty="0"/>
+              <a:t>Feedback Form</a:t>
+            </a:r>
+          </a:p>
+          <a:p>
+            <a:pPr marL="0" indent="0">
+              <a:buNone/>
+            </a:pPr>
+            <a:endParaRPr lang="de-CH" sz="2000" dirty="0">
+              <a:solidFill>
+                <a:schemeClr val="accent1">
+                  <a:lumMod val="75000"/>
+                </a:schemeClr>
+              </a:solidFill>
+            </a:endParaRPr>
+          </a:p>
+          <a:p>
+            <a:pPr marL="0" indent="0">
+              <a:buNone/>
+            </a:pPr>
+            <a:endParaRPr lang="de-CH" sz="2000" dirty="0">
+              <a:solidFill>
+                <a:schemeClr val="accent1">
+                  <a:lumMod val="75000"/>
+                </a:schemeClr>
+              </a:solidFill>
+            </a:endParaRPr>
+          </a:p>
+          <a:p>
+            <a:pPr marL="0" indent="0">
+              <a:buNone/>
+            </a:pPr>
+            <a:r>
+              <a:rPr lang="de-CH" dirty="0" err="1">
+                <a:solidFill>
+                  <a:schemeClr val="accent1">
+                    <a:lumMod val="75000"/>
+                  </a:schemeClr>
+                </a:solidFill>
+              </a:rPr>
+              <a:t>Step</a:t>
+            </a:r>
+            <a:r>
+              <a:rPr lang="de-CH" dirty="0">
+                <a:solidFill>
+                  <a:schemeClr val="accent1">
+                    <a:lumMod val="75000"/>
+                  </a:schemeClr>
+                </a:solidFill>
+              </a:rPr>
+              <a:t> 2: </a:t>
+            </a:r>
+            <a:r>
+              <a:rPr lang="de-CH" dirty="0"/>
+              <a:t>Navigation Bar</a:t>
+            </a:r>
+          </a:p>
+          <a:p>
+            <a:pPr marL="0" indent="0">
+              <a:buNone/>
+            </a:pPr>
+            <a:endParaRPr lang="de-CH" sz="2000" dirty="0">
+              <a:solidFill>
+                <a:schemeClr val="accent1">
+                  <a:lumMod val="75000"/>
+                </a:schemeClr>
+              </a:solidFill>
+            </a:endParaRPr>
+          </a:p>
+          <a:p>
+            <a:pPr marL="0" indent="0">
+              <a:buNone/>
+            </a:pPr>
+            <a:endParaRPr lang="de-CH" sz="2000" dirty="0">
+              <a:solidFill>
+                <a:schemeClr val="accent1">
+                  <a:lumMod val="75000"/>
+                </a:schemeClr>
+              </a:solidFill>
+            </a:endParaRPr>
+          </a:p>
+          <a:p>
+            <a:pPr marL="0" indent="0">
+              <a:buNone/>
+            </a:pPr>
+            <a:r>
+              <a:rPr lang="de-CH" dirty="0" err="1">
+                <a:solidFill>
+                  <a:schemeClr val="accent1">
+                    <a:lumMod val="75000"/>
+                  </a:schemeClr>
+                </a:solidFill>
+              </a:rPr>
+              <a:t>Step</a:t>
+            </a:r>
+            <a:r>
+              <a:rPr lang="de-CH" dirty="0">
+                <a:solidFill>
+                  <a:schemeClr val="accent1">
+                    <a:lumMod val="75000"/>
+                  </a:schemeClr>
+                </a:solidFill>
+              </a:rPr>
+              <a:t> 3: </a:t>
+            </a:r>
+            <a:r>
+              <a:rPr lang="de-CH" dirty="0"/>
+              <a:t>Stylesheet</a:t>
+            </a:r>
+          </a:p>
+        </p:txBody>
+      </p:sp>
+      <p:sp>
+        <p:nvSpPr>
+          <p:cNvPr id="10" name="Foliennummernplatzhalter 2">
+            <a:extLst>
+              <a:ext uri="{FF2B5EF4-FFF2-40B4-BE49-F238E27FC236}">
+                <a16:creationId xmlns:a16="http://schemas.microsoft.com/office/drawing/2014/main" id="{4F39BEF3-8542-419E-96CC-88EB2C556B24}"/>
+              </a:ext>
+            </a:extLst>
+          </p:cNvPr>
+          <p:cNvSpPr>
+            <a:spLocks noGrp="1"/>
+          </p:cNvSpPr>
+          <p:nvPr>
+            <p:ph type="sldNum" sz="quarter" idx="12"/>
+          </p:nvPr>
+        </p:nvSpPr>
+        <p:spPr/>
+        <p:txBody>
+          <a:bodyPr/>
+          <a:lstStyle/>
+          <a:p>
+            <a:pPr marL="0" lvl="0" indent="0" algn="r" rtl="0">
+              <a:spcBef>
+                <a:spcPts val="0"/>
+              </a:spcBef>
+              <a:spcAft>
+                <a:spcPts val="0"/>
+              </a:spcAft>
+              <a:buNone/>
+            </a:pPr>
+            <a:fld id="{00000000-1234-1234-1234-123412341234}" type="slidenum">
+              <a:rPr lang="de-CH" smtClean="0"/>
+              <a:t>6</a:t>
+            </a:fld>
+            <a:endParaRPr lang="de-CH" dirty="0"/>
+          </a:p>
+        </p:txBody>
+      </p:sp>
+      <p:pic>
+        <p:nvPicPr>
+          <p:cNvPr id="15" name="Grafik 14">
+            <a:extLst>
+              <a:ext uri="{FF2B5EF4-FFF2-40B4-BE49-F238E27FC236}">
+                <a16:creationId xmlns:a16="http://schemas.microsoft.com/office/drawing/2014/main" id="{B2EAF325-B53F-4C5A-94F9-B9E8BD2940D4}"/>
+              </a:ext>
+            </a:extLst>
+          </p:cNvPr>
+          <p:cNvPicPr/>
+          <p:nvPr/>
+        </p:nvPicPr>
+        <p:blipFill>
+          <a:blip r:embed="rId5"/>
+          <a:stretch>
+            <a:fillRect/>
+          </a:stretch>
+        </p:blipFill>
+        <p:spPr>
+          <a:xfrm>
+            <a:off x="8117840" y="1369196"/>
+            <a:ext cx="3309620" cy="1848485"/>
+          </a:xfrm>
+          <a:prstGeom prst="rect">
+            <a:avLst/>
+          </a:prstGeom>
+          <a:ln>
+            <a:solidFill>
+              <a:schemeClr val="tx1"/>
+            </a:solidFill>
+          </a:ln>
+        </p:spPr>
+      </p:pic>
+      <p:pic>
+        <p:nvPicPr>
+          <p:cNvPr id="20" name="Grafik 19">
+            <a:extLst>
+              <a:ext uri="{FF2B5EF4-FFF2-40B4-BE49-F238E27FC236}">
+                <a16:creationId xmlns:a16="http://schemas.microsoft.com/office/drawing/2014/main" id="{C9CA1993-8CF7-4BFF-9CEC-7122D27920B5}"/>
+              </a:ext>
+            </a:extLst>
+          </p:cNvPr>
+          <p:cNvPicPr/>
+          <p:nvPr/>
+        </p:nvPicPr>
+        <p:blipFill>
+          <a:blip r:embed="rId6"/>
+          <a:stretch>
+            <a:fillRect/>
+          </a:stretch>
+        </p:blipFill>
+        <p:spPr>
+          <a:xfrm>
+            <a:off x="9078016" y="5450966"/>
+            <a:ext cx="2390116" cy="889226"/>
+          </a:xfrm>
+          <a:prstGeom prst="rect">
+            <a:avLst/>
+          </a:prstGeom>
+        </p:spPr>
+      </p:pic>
+      <p:pic>
+        <p:nvPicPr>
+          <p:cNvPr id="3" name="Grafik 2">
+            <a:extLst>
+              <a:ext uri="{FF2B5EF4-FFF2-40B4-BE49-F238E27FC236}">
+                <a16:creationId xmlns:a16="http://schemas.microsoft.com/office/drawing/2014/main" id="{06095A39-A99E-4777-BB5D-404610343CD4}"/>
+              </a:ext>
+            </a:extLst>
+          </p:cNvPr>
+          <p:cNvPicPr>
+            <a:picLocks noChangeAspect="1"/>
+          </p:cNvPicPr>
+          <p:nvPr/>
+        </p:nvPicPr>
+        <p:blipFill>
+          <a:blip r:embed="rId7"/>
+          <a:stretch>
+            <a:fillRect/>
+          </a:stretch>
+        </p:blipFill>
+        <p:spPr>
+          <a:xfrm>
+            <a:off x="8496267" y="3463740"/>
+            <a:ext cx="2971865" cy="1676926"/>
+          </a:xfrm>
+          <a:prstGeom prst="rect">
+            <a:avLst/>
+          </a:prstGeom>
+        </p:spPr>
+      </p:pic>
+      <p:sp>
+        <p:nvSpPr>
+          <p:cNvPr id="21" name="Pfeil: nach rechts 20">
+            <a:extLst>
+              <a:ext uri="{FF2B5EF4-FFF2-40B4-BE49-F238E27FC236}">
+                <a16:creationId xmlns:a16="http://schemas.microsoft.com/office/drawing/2014/main" id="{6234F874-85A3-426E-B853-B4D7D5BD8368}"/>
+              </a:ext>
+            </a:extLst>
+          </p:cNvPr>
+          <p:cNvSpPr/>
+          <p:nvPr/>
+        </p:nvSpPr>
+        <p:spPr>
+          <a:xfrm>
+            <a:off x="7720647" y="3394260"/>
+            <a:ext cx="794385" cy="435610"/>
+          </a:xfrm>
+          <a:prstGeom prst="rightArrow">
+            <a:avLst/>
+          </a:prstGeom>
+          <a:noFill/>
+          <a:ln w="28575">
+            <a:solidFill>
+              <a:schemeClr val="accent1">
+                <a:lumMod val="75000"/>
+              </a:schemeClr>
+            </a:solidFill>
+          </a:ln>
+        </p:spPr>
+        <p:style>
+          <a:lnRef idx="2">
+            <a:schemeClr val="accent1">
+              <a:shade val="50000"/>
+            </a:schemeClr>
+          </a:lnRef>
+          <a:fillRef idx="1">
+            <a:schemeClr val="accent1"/>
+          </a:fillRef>
+          <a:effectRef idx="0">
+            <a:schemeClr val="accent1"/>
+          </a:effectRef>
+          <a:fontRef idx="minor">
+            <a:schemeClr val="lt1"/>
+          </a:fontRef>
+        </p:style>
+        <p:txBody>
+          <a:bodyPr rot="0" spcFirstLastPara="0" vert="horz" wrap="square" lIns="91440" tIns="45720" rIns="91440" bIns="45720" numCol="1" spcCol="0" rtlCol="0" fromWordArt="0" anchor="ctr" anchorCtr="0" forceAA="0" compatLnSpc="1">
+            <a:prstTxWarp prst="textNoShape">
+              <a:avLst/>
+            </a:prstTxWarp>
+            <a:noAutofit/>
+          </a:bodyPr>
+          <a:lstStyle/>
+          <a:p>
+            <a:endParaRPr lang="de-CH"/>
+          </a:p>
+        </p:txBody>
+      </p:sp>
+    </p:spTree>
+    <p:extLst>
+      <p:ext uri="{BB962C8B-B14F-4D97-AF65-F5344CB8AC3E}">
+        <p14:creationId xmlns:p14="http://schemas.microsoft.com/office/powerpoint/2010/main" val="1498427835"/>
+      </p:ext>
+    </p:extLst>
+  </p:cSld>
+  <p:clrMapOvr>
+    <a:masterClrMapping/>
+  </p:clrMapOvr>
+</p:sld>
+</file>
+
+<file path=ppt/slides/slide7.xml><?xml version="1.0" encoding="utf-8"?>
+<p:sld xmlns:a="http://schemas.openxmlformats.org/drawingml/2006/main" xmlns:r="http://schemas.openxmlformats.org/officeDocument/2006/relationships" xmlns:p="http://schemas.openxmlformats.org/presentationml/2006/main">
+  <p:cSld>
+    <p:spTree>
+      <p:nvGrpSpPr>
+        <p:cNvPr id="1" name="Shape 129"/>
+        <p:cNvGrpSpPr/>
+        <p:nvPr/>
+      </p:nvGrpSpPr>
+      <p:grpSpPr>
+        <a:xfrm>
+          <a:off x="0" y="0"/>
+          <a:ext cx="0" cy="0"/>
+          <a:chOff x="0" y="0"/>
+          <a:chExt cx="0" cy="0"/>
+        </a:xfrm>
+      </p:grpSpPr>
       <p:grpSp>
         <p:nvGrpSpPr>
           <p:cNvPr id="12" name="Google Shape;123;p2">
@@ -8853,7 +11738,7 @@
                   </a:schemeClr>
                 </a:solidFill>
               </a:rPr>
-              <a:t> Logs</a:t>
+              <a:t> Looks</a:t>
             </a:r>
           </a:p>
           <a:p>
@@ -8861,15 +11746,104 @@
               <a:buNone/>
             </a:pPr>
             <a:r>
-              <a:rPr lang="de-CH" dirty="0" err="1">
+              <a:rPr lang="de-CH" dirty="0">
                 <a:solidFill>
                   <a:schemeClr val="accent1">
                     <a:lumMod val="75000"/>
                   </a:schemeClr>
                 </a:solidFill>
               </a:rPr>
-              <a:t>Step</a:t>
-            </a:r>
+              <a:t>Look 1:</a:t>
+            </a:r>
+            <a:r>
+              <a:rPr lang="de-CH" dirty="0"/>
+              <a:t> Radiobuttons</a:t>
+            </a:r>
+          </a:p>
+          <a:p>
+            <a:pPr marL="0" indent="0">
+              <a:buNone/>
+            </a:pPr>
+            <a:r>
+              <a:rPr lang="de-CH" sz="2000" dirty="0"/>
+              <a:t>	Add </a:t>
+            </a:r>
+            <a:r>
+              <a:rPr lang="de-CH" sz="2000" dirty="0" err="1"/>
+              <a:t>dependencies</a:t>
+            </a:r>
+            <a:r>
+              <a:rPr lang="de-CH" sz="2000" dirty="0"/>
+              <a:t> (</a:t>
+            </a:r>
+            <a:r>
+              <a:rPr lang="de-CH" sz="2000" dirty="0" err="1"/>
+              <a:t>to</a:t>
+            </a:r>
+            <a:r>
+              <a:rPr lang="de-CH" sz="2000" dirty="0"/>
+              <a:t> </a:t>
+            </a:r>
+            <a:r>
+              <a:rPr lang="de-CH" sz="2000" dirty="0" err="1"/>
+              <a:t>the</a:t>
+            </a:r>
+            <a:r>
+              <a:rPr lang="de-CH" sz="2000" dirty="0"/>
+              <a:t> pom.xml)</a:t>
+            </a:r>
+          </a:p>
+          <a:p>
+            <a:pPr marL="0" indent="0">
+              <a:buNone/>
+            </a:pPr>
+            <a:r>
+              <a:rPr lang="de-CH" sz="2000" dirty="0"/>
+              <a:t>	Add </a:t>
+            </a:r>
+            <a:r>
+              <a:rPr lang="de-CH" sz="2000" dirty="0" err="1"/>
+              <a:t>radiobuttons</a:t>
+            </a:r>
+            <a:r>
+              <a:rPr lang="de-CH" sz="2000" dirty="0"/>
+              <a:t> (</a:t>
+            </a:r>
+            <a:r>
+              <a:rPr lang="de-CH" sz="2000" dirty="0" err="1"/>
+              <a:t>to</a:t>
+            </a:r>
+            <a:r>
+              <a:rPr lang="de-CH" sz="2000" dirty="0"/>
+              <a:t> </a:t>
+            </a:r>
+            <a:r>
+              <a:rPr lang="de-CH" sz="2000" dirty="0" err="1"/>
+              <a:t>the</a:t>
+            </a:r>
+            <a:r>
+              <a:rPr lang="de-CH" sz="2000" dirty="0"/>
+              <a:t> </a:t>
+            </a:r>
+            <a:r>
+              <a:rPr lang="de-CH" sz="2000" dirty="0" err="1"/>
+              <a:t>mainpage.xhtml</a:t>
+            </a:r>
+            <a:r>
+              <a:rPr lang="de-CH" sz="2000" dirty="0"/>
+              <a:t>)</a:t>
+            </a:r>
+          </a:p>
+          <a:p>
+            <a:pPr marL="0" indent="0">
+              <a:buNone/>
+            </a:pPr>
+            <a:endParaRPr lang="de-CH" dirty="0"/>
+          </a:p>
+          <a:p>
+            <a:pPr marL="0" indent="0">
+              <a:buNone/>
+            </a:pPr>
             <a:r>
               <a:rPr lang="de-CH" dirty="0">
                 <a:solidFill>
@@ -8878,19 +11852,24 @@
                   </a:schemeClr>
                 </a:solidFill>
               </a:rPr>
-              <a:t> 1:</a:t>
+              <a:t>Look 2:</a:t>
             </a:r>
             <a:r>
               <a:rPr lang="de-CH" dirty="0"/>
-              <a:t> Import </a:t>
-            </a:r>
-            <a:r>
-              <a:rPr lang="de-CH" sz="2000" dirty="0"/>
-              <a:t>(</a:t>
+              <a:t> New Logo</a:t>
+            </a:r>
+          </a:p>
+          <a:p>
+            <a:pPr marL="0" indent="0">
+              <a:buNone/>
+            </a:pPr>
+            <a:r>
+              <a:rPr lang="de-CH" dirty="0"/>
+              <a:t>	</a:t>
             </a:r>
             <a:r>
               <a:rPr lang="de-CH" sz="2000" dirty="0" err="1"/>
-              <a:t>needed</a:t>
+              <a:t>Replace</a:t>
             </a:r>
             <a:r>
               <a:rPr lang="de-CH" sz="2000" dirty="0"/>
@@ -8898,7 +11877,23 @@
             </a:r>
             <a:r>
               <a:rPr lang="de-CH" sz="2000" dirty="0" err="1"/>
-              <a:t>packages</a:t>
+              <a:t>picture</a:t>
+            </a:r>
+            <a:r>
+              <a:rPr lang="de-CH" sz="2000" dirty="0"/>
+              <a:t> (in </a:t>
+            </a:r>
+            <a:r>
+              <a:rPr lang="de-CH" sz="2000" dirty="0" err="1"/>
+              <a:t>the</a:t>
+            </a:r>
+            <a:r>
+              <a:rPr lang="de-CH" sz="2000" dirty="0"/>
+              <a:t> </a:t>
+            </a:r>
+            <a:r>
+              <a:rPr lang="de-CH" sz="2000" dirty="0" err="1"/>
+              <a:t>mainpage.xhtml</a:t>
             </a:r>
             <a:r>
               <a:rPr lang="de-CH" sz="2000" dirty="0"/>
@@ -8909,176 +11904,6 @@
             <a:pPr marL="0" indent="0">
               <a:buNone/>
             </a:pPr>
-            <a:endParaRPr lang="de-CH" dirty="0"/>
-          </a:p>
-          <a:p>
-            <a:pPr marL="0" indent="0">
-              <a:buNone/>
-            </a:pPr>
-            <a:r>
-              <a:rPr lang="de-CH" dirty="0" err="1">
-                <a:solidFill>
-                  <a:schemeClr val="accent1">
-                    <a:lumMod val="75000"/>
-                  </a:schemeClr>
-                </a:solidFill>
-              </a:rPr>
-              <a:t>Step</a:t>
-            </a:r>
-            <a:r>
-              <a:rPr lang="de-CH" dirty="0">
-                <a:solidFill>
-                  <a:schemeClr val="accent1">
-                    <a:lumMod val="75000"/>
-                  </a:schemeClr>
-                </a:solidFill>
-              </a:rPr>
-              <a:t> 2:</a:t>
-            </a:r>
-            <a:r>
-              <a:rPr lang="de-CH" dirty="0"/>
-              <a:t> </a:t>
-            </a:r>
-            <a:r>
-              <a:rPr lang="de-CH" dirty="0" err="1"/>
-              <a:t>Instantiate</a:t>
-            </a:r>
-            <a:r>
-              <a:rPr lang="de-CH" dirty="0"/>
-              <a:t> </a:t>
-            </a:r>
-            <a:r>
-              <a:rPr lang="de-CH" sz="2000" dirty="0"/>
-              <a:t>(in </a:t>
-            </a:r>
-            <a:r>
-              <a:rPr lang="de-CH" sz="2000" dirty="0" err="1"/>
-              <a:t>class</a:t>
-            </a:r>
-            <a:r>
-              <a:rPr lang="de-CH" sz="2000" dirty="0"/>
-              <a:t>)</a:t>
-            </a:r>
-            <a:endParaRPr lang="de-CH" dirty="0"/>
-          </a:p>
-          <a:p>
-            <a:pPr marL="0" indent="0">
-              <a:buNone/>
-            </a:pPr>
-            <a:endParaRPr lang="de-CH" dirty="0"/>
-          </a:p>
-          <a:p>
-            <a:pPr marL="0" indent="0">
-              <a:buNone/>
-            </a:pPr>
-            <a:r>
-              <a:rPr lang="de-CH" dirty="0" err="1">
-                <a:solidFill>
-                  <a:schemeClr val="accent1">
-                    <a:lumMod val="75000"/>
-                  </a:schemeClr>
-                </a:solidFill>
-              </a:rPr>
-              <a:t>Step</a:t>
-            </a:r>
-            <a:r>
-              <a:rPr lang="de-CH" dirty="0">
-                <a:solidFill>
-                  <a:schemeClr val="accent1">
-                    <a:lumMod val="75000"/>
-                  </a:schemeClr>
-                </a:solidFill>
-              </a:rPr>
-              <a:t> 3:</a:t>
-            </a:r>
-            <a:r>
-              <a:rPr lang="de-CH" dirty="0"/>
-              <a:t> Use </a:t>
-            </a:r>
-            <a:r>
-              <a:rPr lang="de-CH" sz="2000" dirty="0"/>
-              <a:t>(</a:t>
-            </a:r>
-            <a:r>
-              <a:rPr lang="de-CH" sz="2000" dirty="0" err="1"/>
-              <a:t>within</a:t>
-            </a:r>
-            <a:r>
-              <a:rPr lang="de-CH" sz="2000" dirty="0"/>
-              <a:t> </a:t>
-            </a:r>
-            <a:r>
-              <a:rPr lang="de-CH" sz="2000" dirty="0" err="1"/>
-              <a:t>method</a:t>
-            </a:r>
-            <a:r>
-              <a:rPr lang="de-CH" sz="2000" dirty="0"/>
-              <a:t>)</a:t>
-            </a:r>
-            <a:endParaRPr lang="de-CH" dirty="0"/>
-          </a:p>
-          <a:p>
-            <a:pPr marL="0" indent="0">
-              <a:buNone/>
-            </a:pPr>
-            <a:endParaRPr lang="de-CH" dirty="0"/>
-          </a:p>
-          <a:p>
-            <a:pPr marL="0" indent="0">
-              <a:buNone/>
-            </a:pPr>
-            <a:r>
-              <a:rPr lang="de-CH" dirty="0" err="1">
-                <a:solidFill>
-                  <a:schemeClr val="accent1">
-                    <a:lumMod val="75000"/>
-                  </a:schemeClr>
-                </a:solidFill>
-              </a:rPr>
-              <a:t>Step</a:t>
-            </a:r>
-            <a:r>
-              <a:rPr lang="de-CH" dirty="0">
-                <a:solidFill>
-                  <a:schemeClr val="accent1">
-                    <a:lumMod val="75000"/>
-                  </a:schemeClr>
-                </a:solidFill>
-              </a:rPr>
-              <a:t> 4:</a:t>
-            </a:r>
-            <a:r>
-              <a:rPr lang="de-CH" dirty="0"/>
-              <a:t> </a:t>
-            </a:r>
-            <a:r>
-              <a:rPr lang="de-CH" dirty="0" err="1"/>
-              <a:t>Collect</a:t>
-            </a:r>
-            <a:r>
-              <a:rPr lang="de-CH" dirty="0"/>
-              <a:t> </a:t>
-            </a:r>
-            <a:r>
-              <a:rPr lang="de-CH" sz="2000" dirty="0"/>
-              <a:t>(</a:t>
-            </a:r>
-            <a:r>
-              <a:rPr lang="de-CH" sz="2000" dirty="0" err="1"/>
-              <a:t>from</a:t>
-            </a:r>
-            <a:r>
-              <a:rPr lang="de-CH" sz="2000" dirty="0"/>
-              <a:t> </a:t>
-            </a:r>
-            <a:r>
-              <a:rPr lang="de-CH" sz="2000" dirty="0" err="1"/>
-              <a:t>drive</a:t>
-            </a:r>
-            <a:r>
-              <a:rPr lang="de-CH" sz="2000" dirty="0"/>
-              <a:t>)</a:t>
-            </a:r>
             <a:endParaRPr lang="de-CH" dirty="0"/>
           </a:p>
         </p:txBody>
@@ -9115,783 +11940,7 @@
             </a:pPr>
             <a:fld id="{00000000-1234-1234-1234-123412341234}" type="slidenum">
               <a:rPr lang="de-CH" smtClean="0"/>
-              <a:t>5</a:t>
-            </a:fld>
-            <a:endParaRPr lang="de-CH" dirty="0"/>
-          </a:p>
-        </p:txBody>
-      </p:sp>
-      <p:pic>
-        <p:nvPicPr>
-          <p:cNvPr id="16" name="Grafik 15">
-            <a:extLst>
-              <a:ext uri="{FF2B5EF4-FFF2-40B4-BE49-F238E27FC236}">
-                <a16:creationId xmlns:a16="http://schemas.microsoft.com/office/drawing/2014/main" id="{A7A866BA-2A9D-48ED-8B0D-DC0058548ECB}"/>
-              </a:ext>
-            </a:extLst>
-          </p:cNvPr>
-          <p:cNvPicPr/>
-          <p:nvPr/>
-        </p:nvPicPr>
-        <p:blipFill>
-          <a:blip r:embed="rId5"/>
-          <a:stretch>
-            <a:fillRect/>
-          </a:stretch>
-        </p:blipFill>
-        <p:spPr>
-          <a:xfrm>
-            <a:off x="7237186" y="2046515"/>
-            <a:ext cx="4116614" cy="678996"/>
-          </a:xfrm>
-          <a:prstGeom prst="rect">
-            <a:avLst/>
-          </a:prstGeom>
-        </p:spPr>
-      </p:pic>
-      <p:pic>
-        <p:nvPicPr>
-          <p:cNvPr id="17" name="Grafik 16">
-            <a:extLst>
-              <a:ext uri="{FF2B5EF4-FFF2-40B4-BE49-F238E27FC236}">
-                <a16:creationId xmlns:a16="http://schemas.microsoft.com/office/drawing/2014/main" id="{ABCD37F0-F232-4ED9-B5CC-8732B683F852}"/>
-              </a:ext>
-            </a:extLst>
-          </p:cNvPr>
-          <p:cNvPicPr/>
-          <p:nvPr/>
-        </p:nvPicPr>
-        <p:blipFill>
-          <a:blip r:embed="rId6"/>
-          <a:stretch>
-            <a:fillRect/>
-          </a:stretch>
-        </p:blipFill>
-        <p:spPr>
-          <a:xfrm>
-            <a:off x="5431971" y="3094423"/>
-            <a:ext cx="5921829" cy="669154"/>
-          </a:xfrm>
-          <a:prstGeom prst="rect">
-            <a:avLst/>
-          </a:prstGeom>
-        </p:spPr>
-      </p:pic>
-      <p:pic>
-        <p:nvPicPr>
-          <p:cNvPr id="6" name="Grafik 5">
-            <a:extLst>
-              <a:ext uri="{FF2B5EF4-FFF2-40B4-BE49-F238E27FC236}">
-                <a16:creationId xmlns:a16="http://schemas.microsoft.com/office/drawing/2014/main" id="{7EF9E598-395C-4138-9001-26E4EA0CBA75}"/>
-              </a:ext>
-            </a:extLst>
-          </p:cNvPr>
-          <p:cNvPicPr>
-            <a:picLocks noChangeAspect="1"/>
-          </p:cNvPicPr>
-          <p:nvPr/>
-        </p:nvPicPr>
-        <p:blipFill>
-          <a:blip r:embed="rId7"/>
-          <a:stretch>
-            <a:fillRect/>
-          </a:stretch>
-        </p:blipFill>
-        <p:spPr>
-          <a:xfrm>
-            <a:off x="6808719" y="4132489"/>
-            <a:ext cx="4545081" cy="756129"/>
-          </a:xfrm>
-          <a:prstGeom prst="rect">
-            <a:avLst/>
-          </a:prstGeom>
-        </p:spPr>
-      </p:pic>
-      <p:pic>
-        <p:nvPicPr>
-          <p:cNvPr id="18" name="Grafik 17">
-            <a:extLst>
-              <a:ext uri="{FF2B5EF4-FFF2-40B4-BE49-F238E27FC236}">
-                <a16:creationId xmlns:a16="http://schemas.microsoft.com/office/drawing/2014/main" id="{D39440E9-625F-492B-89C7-6561EA22C2ED}"/>
-              </a:ext>
-            </a:extLst>
-          </p:cNvPr>
-          <p:cNvPicPr/>
-          <p:nvPr/>
-        </p:nvPicPr>
-        <p:blipFill>
-          <a:blip r:embed="rId8"/>
-          <a:stretch>
-            <a:fillRect/>
-          </a:stretch>
-        </p:blipFill>
-        <p:spPr>
-          <a:xfrm>
-            <a:off x="7772400" y="5256803"/>
-            <a:ext cx="3581400" cy="920159"/>
-          </a:xfrm>
-          <a:prstGeom prst="rect">
-            <a:avLst/>
-          </a:prstGeom>
-        </p:spPr>
-      </p:pic>
-    </p:spTree>
-    <p:extLst>
-      <p:ext uri="{BB962C8B-B14F-4D97-AF65-F5344CB8AC3E}">
-        <p14:creationId xmlns:p14="http://schemas.microsoft.com/office/powerpoint/2010/main" val="3737356827"/>
-      </p:ext>
-    </p:extLst>
-  </p:cSld>
-  <p:clrMapOvr>
-    <a:masterClrMapping/>
-  </p:clrMapOvr>
-</p:sld>
-</file>
-
-<file path=ppt/slides/slide6.xml><?xml version="1.0" encoding="utf-8"?>
-<p:sld xmlns:a="http://schemas.openxmlformats.org/drawingml/2006/main" xmlns:r="http://schemas.openxmlformats.org/officeDocument/2006/relationships" xmlns:p="http://schemas.openxmlformats.org/presentationml/2006/main">
-  <p:cSld>
-    <p:spTree>
-      <p:nvGrpSpPr>
-        <p:cNvPr id="1" name="Shape 129"/>
-        <p:cNvGrpSpPr/>
-        <p:nvPr/>
-      </p:nvGrpSpPr>
-      <p:grpSpPr>
-        <a:xfrm>
-          <a:off x="0" y="0"/>
-          <a:ext cx="0" cy="0"/>
-          <a:chOff x="0" y="0"/>
-          <a:chExt cx="0" cy="0"/>
-        </a:xfrm>
-      </p:grpSpPr>
-      <p:sp>
-        <p:nvSpPr>
-          <p:cNvPr id="11" name="Google Shape;97;p2">
-            <a:extLst>
-              <a:ext uri="{FF2B5EF4-FFF2-40B4-BE49-F238E27FC236}">
-                <a16:creationId xmlns:a16="http://schemas.microsoft.com/office/drawing/2014/main" id="{BCB4E700-1B26-4262-B55A-D9A0CAE26063}"/>
-              </a:ext>
-            </a:extLst>
-          </p:cNvPr>
-          <p:cNvSpPr txBox="1">
-            <a:spLocks/>
-          </p:cNvSpPr>
-          <p:nvPr/>
-        </p:nvSpPr>
-        <p:spPr>
-          <a:xfrm>
-            <a:off x="530609" y="566393"/>
-            <a:ext cx="5289165" cy="623416"/>
-          </a:xfrm>
-          <a:prstGeom prst="rect">
-            <a:avLst/>
-          </a:prstGeom>
-          <a:noFill/>
-          <a:ln>
-            <a:noFill/>
-          </a:ln>
-        </p:spPr>
-        <p:txBody>
-          <a:bodyPr spcFirstLastPara="1" wrap="square" lIns="91425" tIns="45700" rIns="91425" bIns="45700" anchor="ctr" anchorCtr="0">
-            <a:noAutofit/>
-          </a:bodyPr>
-          <a:lstStyle>
-            <a:defPPr marR="0" lvl="0" algn="l" rtl="0">
-              <a:lnSpc>
-                <a:spcPct val="100000"/>
-              </a:lnSpc>
-              <a:spcBef>
-                <a:spcPts val="0"/>
-              </a:spcBef>
-              <a:spcAft>
-                <a:spcPts val="0"/>
-              </a:spcAft>
-            </a:defPPr>
-            <a:lvl1pPr marR="0" lvl="0" algn="l" rtl="0">
-              <a:lnSpc>
-                <a:spcPct val="90000"/>
-              </a:lnSpc>
-              <a:spcBef>
-                <a:spcPts val="0"/>
-              </a:spcBef>
-              <a:spcAft>
-                <a:spcPts val="0"/>
-              </a:spcAft>
-              <a:buClr>
-                <a:schemeClr val="dk1"/>
-              </a:buClr>
-              <a:buSzPts val="1800"/>
-              <a:buFont typeface="Calibri"/>
-              <a:buNone/>
-              <a:defRPr sz="4400" b="0" i="0" u="none" strike="noStrike" cap="none">
-                <a:solidFill>
-                  <a:schemeClr val="dk1"/>
-                </a:solidFill>
-                <a:latin typeface="Calibri"/>
-                <a:ea typeface="Calibri"/>
-                <a:cs typeface="Calibri"/>
-                <a:sym typeface="Calibri"/>
-              </a:defRPr>
-            </a:lvl1pPr>
-            <a:lvl2pPr marR="0" lvl="1" algn="l" rtl="0">
-              <a:lnSpc>
-                <a:spcPct val="100000"/>
-              </a:lnSpc>
-              <a:spcBef>
-                <a:spcPts val="0"/>
-              </a:spcBef>
-              <a:spcAft>
-                <a:spcPts val="0"/>
-              </a:spcAft>
-              <a:buClr>
-                <a:srgbClr val="000000"/>
-              </a:buClr>
-              <a:buSzPts val="1400"/>
-              <a:buFont typeface="Arial"/>
-              <a:buNone/>
-              <a:defRPr sz="1800" b="0" i="0" u="none" strike="noStrike" cap="none">
-                <a:solidFill>
-                  <a:srgbClr val="000000"/>
-                </a:solidFill>
-                <a:latin typeface="Arial"/>
-                <a:ea typeface="Arial"/>
-                <a:cs typeface="Arial"/>
-                <a:sym typeface="Arial"/>
-              </a:defRPr>
-            </a:lvl2pPr>
-            <a:lvl3pPr marR="0" lvl="2" algn="l" rtl="0">
-              <a:lnSpc>
-                <a:spcPct val="100000"/>
-              </a:lnSpc>
-              <a:spcBef>
-                <a:spcPts val="0"/>
-              </a:spcBef>
-              <a:spcAft>
-                <a:spcPts val="0"/>
-              </a:spcAft>
-              <a:buClr>
-                <a:srgbClr val="000000"/>
-              </a:buClr>
-              <a:buSzPts val="1400"/>
-              <a:buFont typeface="Arial"/>
-              <a:buNone/>
-              <a:defRPr sz="1800" b="0" i="0" u="none" strike="noStrike" cap="none">
-                <a:solidFill>
-                  <a:srgbClr val="000000"/>
-                </a:solidFill>
-                <a:latin typeface="Arial"/>
-                <a:ea typeface="Arial"/>
-                <a:cs typeface="Arial"/>
-                <a:sym typeface="Arial"/>
-              </a:defRPr>
-            </a:lvl3pPr>
-            <a:lvl4pPr marR="0" lvl="3" algn="l" rtl="0">
-              <a:lnSpc>
-                <a:spcPct val="100000"/>
-              </a:lnSpc>
-              <a:spcBef>
-                <a:spcPts val="0"/>
-              </a:spcBef>
-              <a:spcAft>
-                <a:spcPts val="0"/>
-              </a:spcAft>
-              <a:buClr>
-                <a:srgbClr val="000000"/>
-              </a:buClr>
-              <a:buSzPts val="1400"/>
-              <a:buFont typeface="Arial"/>
-              <a:buNone/>
-              <a:defRPr sz="1800" b="0" i="0" u="none" strike="noStrike" cap="none">
-                <a:solidFill>
-                  <a:srgbClr val="000000"/>
-                </a:solidFill>
-                <a:latin typeface="Arial"/>
-                <a:ea typeface="Arial"/>
-                <a:cs typeface="Arial"/>
-                <a:sym typeface="Arial"/>
-              </a:defRPr>
-            </a:lvl4pPr>
-            <a:lvl5pPr marR="0" lvl="4" algn="l" rtl="0">
-              <a:lnSpc>
-                <a:spcPct val="100000"/>
-              </a:lnSpc>
-              <a:spcBef>
-                <a:spcPts val="0"/>
-              </a:spcBef>
-              <a:spcAft>
-                <a:spcPts val="0"/>
-              </a:spcAft>
-              <a:buClr>
-                <a:srgbClr val="000000"/>
-              </a:buClr>
-              <a:buSzPts val="1400"/>
-              <a:buFont typeface="Arial"/>
-              <a:buNone/>
-              <a:defRPr sz="1800" b="0" i="0" u="none" strike="noStrike" cap="none">
-                <a:solidFill>
-                  <a:srgbClr val="000000"/>
-                </a:solidFill>
-                <a:latin typeface="Arial"/>
-                <a:ea typeface="Arial"/>
-                <a:cs typeface="Arial"/>
-                <a:sym typeface="Arial"/>
-              </a:defRPr>
-            </a:lvl5pPr>
-            <a:lvl6pPr marR="0" lvl="5" algn="l" rtl="0">
-              <a:lnSpc>
-                <a:spcPct val="100000"/>
-              </a:lnSpc>
-              <a:spcBef>
-                <a:spcPts val="0"/>
-              </a:spcBef>
-              <a:spcAft>
-                <a:spcPts val="0"/>
-              </a:spcAft>
-              <a:buClr>
-                <a:srgbClr val="000000"/>
-              </a:buClr>
-              <a:buSzPts val="1400"/>
-              <a:buFont typeface="Arial"/>
-              <a:buNone/>
-              <a:defRPr sz="1800" b="0" i="0" u="none" strike="noStrike" cap="none">
-                <a:solidFill>
-                  <a:srgbClr val="000000"/>
-                </a:solidFill>
-                <a:latin typeface="Arial"/>
-                <a:ea typeface="Arial"/>
-                <a:cs typeface="Arial"/>
-                <a:sym typeface="Arial"/>
-              </a:defRPr>
-            </a:lvl6pPr>
-            <a:lvl7pPr marR="0" lvl="6" algn="l" rtl="0">
-              <a:lnSpc>
-                <a:spcPct val="100000"/>
-              </a:lnSpc>
-              <a:spcBef>
-                <a:spcPts val="0"/>
-              </a:spcBef>
-              <a:spcAft>
-                <a:spcPts val="0"/>
-              </a:spcAft>
-              <a:buClr>
-                <a:srgbClr val="000000"/>
-              </a:buClr>
-              <a:buSzPts val="1400"/>
-              <a:buFont typeface="Arial"/>
-              <a:buNone/>
-              <a:defRPr sz="1800" b="0" i="0" u="none" strike="noStrike" cap="none">
-                <a:solidFill>
-                  <a:srgbClr val="000000"/>
-                </a:solidFill>
-                <a:latin typeface="Arial"/>
-                <a:ea typeface="Arial"/>
-                <a:cs typeface="Arial"/>
-                <a:sym typeface="Arial"/>
-              </a:defRPr>
-            </a:lvl7pPr>
-            <a:lvl8pPr marR="0" lvl="7" algn="l" rtl="0">
-              <a:lnSpc>
-                <a:spcPct val="100000"/>
-              </a:lnSpc>
-              <a:spcBef>
-                <a:spcPts val="0"/>
-              </a:spcBef>
-              <a:spcAft>
-                <a:spcPts val="0"/>
-              </a:spcAft>
-              <a:buClr>
-                <a:srgbClr val="000000"/>
-              </a:buClr>
-              <a:buSzPts val="1400"/>
-              <a:buFont typeface="Arial"/>
-              <a:buNone/>
-              <a:defRPr sz="1800" b="0" i="0" u="none" strike="noStrike" cap="none">
-                <a:solidFill>
-                  <a:srgbClr val="000000"/>
-                </a:solidFill>
-                <a:latin typeface="Arial"/>
-                <a:ea typeface="Arial"/>
-                <a:cs typeface="Arial"/>
-                <a:sym typeface="Arial"/>
-              </a:defRPr>
-            </a:lvl8pPr>
-            <a:lvl9pPr marR="0" lvl="8" algn="l" rtl="0">
-              <a:lnSpc>
-                <a:spcPct val="100000"/>
-              </a:lnSpc>
-              <a:spcBef>
-                <a:spcPts val="0"/>
-              </a:spcBef>
-              <a:spcAft>
-                <a:spcPts val="0"/>
-              </a:spcAft>
-              <a:buClr>
-                <a:srgbClr val="000000"/>
-              </a:buClr>
-              <a:buSzPts val="1400"/>
-              <a:buFont typeface="Arial"/>
-              <a:buNone/>
-              <a:defRPr sz="1800" b="0" i="0" u="none" strike="noStrike" cap="none">
-                <a:solidFill>
-                  <a:srgbClr val="000000"/>
-                </a:solidFill>
-                <a:latin typeface="Arial"/>
-                <a:ea typeface="Arial"/>
-                <a:cs typeface="Arial"/>
-                <a:sym typeface="Arial"/>
-              </a:defRPr>
-            </a:lvl9pPr>
-          </a:lstStyle>
-          <a:p>
-            <a:pPr>
-              <a:buSzPts val="4400"/>
-            </a:pPr>
-            <a:r>
-              <a:rPr lang="en-US" sz="3600" dirty="0">
-                <a:solidFill>
-                  <a:schemeClr val="accent5">
-                    <a:lumMod val="75000"/>
-                  </a:schemeClr>
-                </a:solidFill>
-              </a:rPr>
-              <a:t>Changing Logs and Looks II</a:t>
-            </a:r>
-          </a:p>
-        </p:txBody>
-      </p:sp>
-      <p:grpSp>
-        <p:nvGrpSpPr>
-          <p:cNvPr id="12" name="Google Shape;123;p2">
-            <a:extLst>
-              <a:ext uri="{FF2B5EF4-FFF2-40B4-BE49-F238E27FC236}">
-                <a16:creationId xmlns:a16="http://schemas.microsoft.com/office/drawing/2014/main" id="{DDF4A718-7BE2-4E5F-8EFD-D13B4ACDB111}"/>
-              </a:ext>
-            </a:extLst>
-          </p:cNvPr>
-          <p:cNvGrpSpPr/>
-          <p:nvPr/>
-        </p:nvGrpSpPr>
-        <p:grpSpPr>
-          <a:xfrm>
-            <a:off x="7143978" y="566392"/>
-            <a:ext cx="4362222" cy="623417"/>
-            <a:chOff x="6991578" y="254815"/>
-            <a:chExt cx="4742993" cy="782594"/>
-          </a:xfrm>
-        </p:grpSpPr>
-        <p:pic>
-          <p:nvPicPr>
-            <p:cNvPr id="13" name="Google Shape;124;p2">
-              <a:extLst>
-                <a:ext uri="{FF2B5EF4-FFF2-40B4-BE49-F238E27FC236}">
-                  <a16:creationId xmlns:a16="http://schemas.microsoft.com/office/drawing/2014/main" id="{D03080CB-B30B-433A-9670-2C526FAD2C57}"/>
-                </a:ext>
-              </a:extLst>
-            </p:cNvPr>
-            <p:cNvPicPr preferRelativeResize="0"/>
-            <p:nvPr/>
-          </p:nvPicPr>
-          <p:blipFill rotWithShape="1">
-            <a:blip r:embed="rId3">
-              <a:alphaModFix/>
-            </a:blip>
-            <a:srcRect/>
-            <a:stretch/>
-          </p:blipFill>
-          <p:spPr>
-            <a:xfrm>
-              <a:off x="6991578" y="254815"/>
-              <a:ext cx="4742993" cy="782594"/>
-            </a:xfrm>
-            <a:prstGeom prst="rect">
-              <a:avLst/>
-            </a:prstGeom>
-            <a:noFill/>
-            <a:ln>
-              <a:noFill/>
-            </a:ln>
-          </p:spPr>
-        </p:pic>
-        <p:pic>
-          <p:nvPicPr>
-            <p:cNvPr id="14" name="Google Shape;125;p2">
-              <a:extLst>
-                <a:ext uri="{FF2B5EF4-FFF2-40B4-BE49-F238E27FC236}">
-                  <a16:creationId xmlns:a16="http://schemas.microsoft.com/office/drawing/2014/main" id="{2B1563B0-E458-429F-899F-66E6D7E75E7A}"/>
-                </a:ext>
-              </a:extLst>
-            </p:cNvPr>
-            <p:cNvPicPr preferRelativeResize="0"/>
-            <p:nvPr/>
-          </p:nvPicPr>
-          <p:blipFill rotWithShape="1">
-            <a:blip r:embed="rId4">
-              <a:alphaModFix/>
-            </a:blip>
-            <a:srcRect/>
-            <a:stretch/>
-          </p:blipFill>
-          <p:spPr>
-            <a:xfrm>
-              <a:off x="7209016" y="365125"/>
-              <a:ext cx="868183" cy="515484"/>
-            </a:xfrm>
-            <a:prstGeom prst="rect">
-              <a:avLst/>
-            </a:prstGeom>
-            <a:noFill/>
-            <a:ln>
-              <a:noFill/>
-            </a:ln>
-          </p:spPr>
-        </p:pic>
-      </p:grpSp>
-      <p:sp>
-        <p:nvSpPr>
-          <p:cNvPr id="4" name="Inhaltsplatzhalter 3">
-            <a:extLst>
-              <a:ext uri="{FF2B5EF4-FFF2-40B4-BE49-F238E27FC236}">
-                <a16:creationId xmlns:a16="http://schemas.microsoft.com/office/drawing/2014/main" id="{2DE7CA9C-2E93-4EE5-9445-AAD456AC6254}"/>
-              </a:ext>
-            </a:extLst>
-          </p:cNvPr>
-          <p:cNvSpPr>
-            <a:spLocks noGrp="1"/>
-          </p:cNvSpPr>
-          <p:nvPr>
-            <p:ph idx="1"/>
-          </p:nvPr>
-        </p:nvSpPr>
-        <p:spPr/>
-        <p:txBody>
-          <a:bodyPr/>
-          <a:lstStyle/>
-          <a:p>
-            <a:pPr marL="0" indent="0">
-              <a:buNone/>
-            </a:pPr>
-            <a:r>
-              <a:rPr lang="de-CH" dirty="0" err="1">
-                <a:solidFill>
-                  <a:schemeClr val="accent1">
-                    <a:lumMod val="75000"/>
-                  </a:schemeClr>
-                </a:solidFill>
-              </a:rPr>
-              <a:t>Adding</a:t>
-            </a:r>
-            <a:r>
-              <a:rPr lang="de-CH" dirty="0">
-                <a:solidFill>
-                  <a:schemeClr val="accent1">
-                    <a:lumMod val="75000"/>
-                  </a:schemeClr>
-                </a:solidFill>
-              </a:rPr>
-              <a:t> Looks</a:t>
-            </a:r>
-          </a:p>
-          <a:p>
-            <a:pPr marL="0" indent="0">
-              <a:buNone/>
-            </a:pPr>
-            <a:r>
-              <a:rPr lang="de-CH" dirty="0">
-                <a:solidFill>
-                  <a:schemeClr val="accent1">
-                    <a:lumMod val="75000"/>
-                  </a:schemeClr>
-                </a:solidFill>
-              </a:rPr>
-              <a:t>Look 1:</a:t>
-            </a:r>
-            <a:r>
-              <a:rPr lang="de-CH" dirty="0"/>
-              <a:t> Radiobuttons</a:t>
-            </a:r>
-          </a:p>
-          <a:p>
-            <a:pPr marL="0" indent="0">
-              <a:buNone/>
-            </a:pPr>
-            <a:r>
-              <a:rPr lang="de-CH" sz="2000" dirty="0"/>
-              <a:t>	Add </a:t>
-            </a:r>
-            <a:r>
-              <a:rPr lang="de-CH" sz="2000" dirty="0" err="1"/>
-              <a:t>dependencies</a:t>
-            </a:r>
-            <a:r>
-              <a:rPr lang="de-CH" sz="2000" dirty="0"/>
-              <a:t> (</a:t>
-            </a:r>
-            <a:r>
-              <a:rPr lang="de-CH" sz="2000" dirty="0" err="1"/>
-              <a:t>to</a:t>
-            </a:r>
-            <a:r>
-              <a:rPr lang="de-CH" sz="2000" dirty="0"/>
-              <a:t> </a:t>
-            </a:r>
-            <a:r>
-              <a:rPr lang="de-CH" sz="2000" dirty="0" err="1"/>
-              <a:t>the</a:t>
-            </a:r>
-            <a:r>
-              <a:rPr lang="de-CH" sz="2000" dirty="0"/>
-              <a:t> pom.xml)</a:t>
-            </a:r>
-          </a:p>
-          <a:p>
-            <a:pPr marL="0" indent="0">
-              <a:buNone/>
-            </a:pPr>
-            <a:r>
-              <a:rPr lang="de-CH" sz="2000" dirty="0"/>
-              <a:t>	Add </a:t>
-            </a:r>
-            <a:r>
-              <a:rPr lang="de-CH" sz="2000" dirty="0" err="1"/>
-              <a:t>radiobuttons</a:t>
-            </a:r>
-            <a:r>
-              <a:rPr lang="de-CH" sz="2000" dirty="0"/>
-              <a:t> (</a:t>
-            </a:r>
-            <a:r>
-              <a:rPr lang="de-CH" sz="2000" dirty="0" err="1"/>
-              <a:t>to</a:t>
-            </a:r>
-            <a:r>
-              <a:rPr lang="de-CH" sz="2000" dirty="0"/>
-              <a:t> </a:t>
-            </a:r>
-            <a:r>
-              <a:rPr lang="de-CH" sz="2000" dirty="0" err="1"/>
-              <a:t>the</a:t>
-            </a:r>
-            <a:r>
-              <a:rPr lang="de-CH" sz="2000" dirty="0"/>
-              <a:t> </a:t>
-            </a:r>
-            <a:r>
-              <a:rPr lang="de-CH" sz="2000" dirty="0" err="1"/>
-              <a:t>mainpage.xhtml</a:t>
-            </a:r>
-            <a:r>
-              <a:rPr lang="de-CH" sz="2000" dirty="0"/>
-              <a:t>)</a:t>
-            </a:r>
-          </a:p>
-          <a:p>
-            <a:pPr marL="0" indent="0">
-              <a:buNone/>
-            </a:pPr>
-            <a:endParaRPr lang="de-CH" dirty="0"/>
-          </a:p>
-          <a:p>
-            <a:pPr marL="0" indent="0">
-              <a:buNone/>
-            </a:pPr>
-            <a:r>
-              <a:rPr lang="de-CH" dirty="0">
-                <a:solidFill>
-                  <a:schemeClr val="accent1">
-                    <a:lumMod val="75000"/>
-                  </a:schemeClr>
-                </a:solidFill>
-              </a:rPr>
-              <a:t>Look 2:</a:t>
-            </a:r>
-            <a:r>
-              <a:rPr lang="de-CH" dirty="0"/>
-              <a:t> New Logo</a:t>
-            </a:r>
-          </a:p>
-          <a:p>
-            <a:pPr marL="0" indent="0">
-              <a:buNone/>
-            </a:pPr>
-            <a:r>
-              <a:rPr lang="de-CH" dirty="0"/>
-              <a:t>	</a:t>
-            </a:r>
-            <a:r>
-              <a:rPr lang="de-CH" sz="2000" dirty="0" err="1"/>
-              <a:t>Replace</a:t>
-            </a:r>
-            <a:r>
-              <a:rPr lang="de-CH" sz="2000" dirty="0"/>
-              <a:t> </a:t>
-            </a:r>
-            <a:r>
-              <a:rPr lang="de-CH" sz="2000" dirty="0" err="1"/>
-              <a:t>picture</a:t>
-            </a:r>
-            <a:r>
-              <a:rPr lang="de-CH" sz="2000" dirty="0"/>
-              <a:t> (in </a:t>
-            </a:r>
-            <a:r>
-              <a:rPr lang="de-CH" sz="2000" dirty="0" err="1"/>
-              <a:t>the</a:t>
-            </a:r>
-            <a:r>
-              <a:rPr lang="de-CH" sz="2000" dirty="0"/>
-              <a:t> </a:t>
-            </a:r>
-            <a:r>
-              <a:rPr lang="de-CH" sz="2000" dirty="0" err="1"/>
-              <a:t>mainpage.xhtml</a:t>
-            </a:r>
-            <a:r>
-              <a:rPr lang="de-CH" sz="2000" dirty="0"/>
-              <a:t>)</a:t>
-            </a:r>
-          </a:p>
-          <a:p>
-            <a:pPr marL="0" indent="0">
-              <a:buNone/>
-            </a:pPr>
-            <a:endParaRPr lang="de-CH" dirty="0"/>
-          </a:p>
-        </p:txBody>
-      </p:sp>
-      <p:sp>
-        <p:nvSpPr>
-          <p:cNvPr id="10" name="Foliennummernplatzhalter 2">
-            <a:extLst>
-              <a:ext uri="{FF2B5EF4-FFF2-40B4-BE49-F238E27FC236}">
-                <a16:creationId xmlns:a16="http://schemas.microsoft.com/office/drawing/2014/main" id="{4F39BEF3-8542-419E-96CC-88EB2C556B24}"/>
-              </a:ext>
-            </a:extLst>
-          </p:cNvPr>
-          <p:cNvSpPr>
-            <a:spLocks noGrp="1"/>
-          </p:cNvSpPr>
-          <p:nvPr>
-            <p:ph type="sldNum" sz="quarter" idx="12"/>
-          </p:nvPr>
-        </p:nvSpPr>
-        <p:spPr/>
-        <p:txBody>
-          <a:bodyPr/>
-          <a:lstStyle/>
-          <a:p>
-            <a:pPr marL="0" lvl="0" indent="0" algn="r" rtl="0">
-              <a:spcBef>
-                <a:spcPts val="0"/>
-              </a:spcBef>
-              <a:spcAft>
-                <a:spcPts val="0"/>
-              </a:spcAft>
-              <a:buNone/>
-            </a:pPr>
-            <a:fld id="{00000000-1234-1234-1234-123412341234}" type="slidenum">
-              <a:rPr lang="de-CH" smtClean="0"/>
-              <a:t>6</a:t>
+              <a:t>7</a:t>
             </a:fld>
             <a:endParaRPr lang="de-CH" dirty="0"/>
           </a:p>
@@ -10011,6 +12060,301 @@
           </a:prstGeom>
         </p:spPr>
       </p:pic>
+      <p:sp>
+        <p:nvSpPr>
+          <p:cNvPr id="16" name="Google Shape;97;p2">
+            <a:extLst>
+              <a:ext uri="{FF2B5EF4-FFF2-40B4-BE49-F238E27FC236}">
+                <a16:creationId xmlns:a16="http://schemas.microsoft.com/office/drawing/2014/main" id="{1279F353-91C8-4A5D-BED3-145C295A3DF8}"/>
+              </a:ext>
+            </a:extLst>
+          </p:cNvPr>
+          <p:cNvSpPr txBox="1">
+            <a:spLocks/>
+          </p:cNvSpPr>
+          <p:nvPr/>
+        </p:nvSpPr>
+        <p:spPr>
+          <a:xfrm>
+            <a:off x="530608" y="566393"/>
+            <a:ext cx="9242042" cy="623416"/>
+          </a:xfrm>
+          <a:prstGeom prst="rect">
+            <a:avLst/>
+          </a:prstGeom>
+          <a:noFill/>
+          <a:ln>
+            <a:noFill/>
+          </a:ln>
+        </p:spPr>
+        <p:txBody>
+          <a:bodyPr spcFirstLastPara="1" wrap="square" lIns="91425" tIns="45700" rIns="91425" bIns="45700" anchor="ctr" anchorCtr="0">
+            <a:noAutofit/>
+          </a:bodyPr>
+          <a:lstStyle>
+            <a:defPPr marR="0" lvl="0" algn="l" rtl="0">
+              <a:lnSpc>
+                <a:spcPct val="100000"/>
+              </a:lnSpc>
+              <a:spcBef>
+                <a:spcPts val="0"/>
+              </a:spcBef>
+              <a:spcAft>
+                <a:spcPts val="0"/>
+              </a:spcAft>
+            </a:defPPr>
+            <a:lvl1pPr marR="0" lvl="0" algn="l" rtl="0">
+              <a:lnSpc>
+                <a:spcPct val="90000"/>
+              </a:lnSpc>
+              <a:spcBef>
+                <a:spcPts val="0"/>
+              </a:spcBef>
+              <a:spcAft>
+                <a:spcPts val="0"/>
+              </a:spcAft>
+              <a:buClr>
+                <a:schemeClr val="dk1"/>
+              </a:buClr>
+              <a:buSzPts val="1800"/>
+              <a:buFont typeface="Calibri"/>
+              <a:buNone/>
+              <a:defRPr sz="4400" b="0" i="0" u="none" strike="noStrike" cap="none">
+                <a:solidFill>
+                  <a:schemeClr val="dk1"/>
+                </a:solidFill>
+                <a:latin typeface="Calibri"/>
+                <a:ea typeface="Calibri"/>
+                <a:cs typeface="Calibri"/>
+                <a:sym typeface="Calibri"/>
+              </a:defRPr>
+            </a:lvl1pPr>
+            <a:lvl2pPr marR="0" lvl="1" algn="l" rtl="0">
+              <a:lnSpc>
+                <a:spcPct val="100000"/>
+              </a:lnSpc>
+              <a:spcBef>
+                <a:spcPts val="0"/>
+              </a:spcBef>
+              <a:spcAft>
+                <a:spcPts val="0"/>
+              </a:spcAft>
+              <a:buClr>
+                <a:srgbClr val="000000"/>
+              </a:buClr>
+              <a:buSzPts val="1400"/>
+              <a:buFont typeface="Arial"/>
+              <a:buNone/>
+              <a:defRPr sz="1800" b="0" i="0" u="none" strike="noStrike" cap="none">
+                <a:solidFill>
+                  <a:srgbClr val="000000"/>
+                </a:solidFill>
+                <a:latin typeface="Arial"/>
+                <a:ea typeface="Arial"/>
+                <a:cs typeface="Arial"/>
+                <a:sym typeface="Arial"/>
+              </a:defRPr>
+            </a:lvl2pPr>
+            <a:lvl3pPr marR="0" lvl="2" algn="l" rtl="0">
+              <a:lnSpc>
+                <a:spcPct val="100000"/>
+              </a:lnSpc>
+              <a:spcBef>
+                <a:spcPts val="0"/>
+              </a:spcBef>
+              <a:spcAft>
+                <a:spcPts val="0"/>
+              </a:spcAft>
+              <a:buClr>
+                <a:srgbClr val="000000"/>
+              </a:buClr>
+              <a:buSzPts val="1400"/>
+              <a:buFont typeface="Arial"/>
+              <a:buNone/>
+              <a:defRPr sz="1800" b="0" i="0" u="none" strike="noStrike" cap="none">
+                <a:solidFill>
+                  <a:srgbClr val="000000"/>
+                </a:solidFill>
+                <a:latin typeface="Arial"/>
+                <a:ea typeface="Arial"/>
+                <a:cs typeface="Arial"/>
+                <a:sym typeface="Arial"/>
+              </a:defRPr>
+            </a:lvl3pPr>
+            <a:lvl4pPr marR="0" lvl="3" algn="l" rtl="0">
+              <a:lnSpc>
+                <a:spcPct val="100000"/>
+              </a:lnSpc>
+              <a:spcBef>
+                <a:spcPts val="0"/>
+              </a:spcBef>
+              <a:spcAft>
+                <a:spcPts val="0"/>
+              </a:spcAft>
+              <a:buClr>
+                <a:srgbClr val="000000"/>
+              </a:buClr>
+              <a:buSzPts val="1400"/>
+              <a:buFont typeface="Arial"/>
+              <a:buNone/>
+              <a:defRPr sz="1800" b="0" i="0" u="none" strike="noStrike" cap="none">
+                <a:solidFill>
+                  <a:srgbClr val="000000"/>
+                </a:solidFill>
+                <a:latin typeface="Arial"/>
+                <a:ea typeface="Arial"/>
+                <a:cs typeface="Arial"/>
+                <a:sym typeface="Arial"/>
+              </a:defRPr>
+            </a:lvl4pPr>
+            <a:lvl5pPr marR="0" lvl="4" algn="l" rtl="0">
+              <a:lnSpc>
+                <a:spcPct val="100000"/>
+              </a:lnSpc>
+              <a:spcBef>
+                <a:spcPts val="0"/>
+              </a:spcBef>
+              <a:spcAft>
+                <a:spcPts val="0"/>
+              </a:spcAft>
+              <a:buClr>
+                <a:srgbClr val="000000"/>
+              </a:buClr>
+              <a:buSzPts val="1400"/>
+              <a:buFont typeface="Arial"/>
+              <a:buNone/>
+              <a:defRPr sz="1800" b="0" i="0" u="none" strike="noStrike" cap="none">
+                <a:solidFill>
+                  <a:srgbClr val="000000"/>
+                </a:solidFill>
+                <a:latin typeface="Arial"/>
+                <a:ea typeface="Arial"/>
+                <a:cs typeface="Arial"/>
+                <a:sym typeface="Arial"/>
+              </a:defRPr>
+            </a:lvl5pPr>
+            <a:lvl6pPr marR="0" lvl="5" algn="l" rtl="0">
+              <a:lnSpc>
+                <a:spcPct val="100000"/>
+              </a:lnSpc>
+              <a:spcBef>
+                <a:spcPts val="0"/>
+              </a:spcBef>
+              <a:spcAft>
+                <a:spcPts val="0"/>
+              </a:spcAft>
+              <a:buClr>
+                <a:srgbClr val="000000"/>
+              </a:buClr>
+              <a:buSzPts val="1400"/>
+              <a:buFont typeface="Arial"/>
+              <a:buNone/>
+              <a:defRPr sz="1800" b="0" i="0" u="none" strike="noStrike" cap="none">
+                <a:solidFill>
+                  <a:srgbClr val="000000"/>
+                </a:solidFill>
+                <a:latin typeface="Arial"/>
+                <a:ea typeface="Arial"/>
+                <a:cs typeface="Arial"/>
+                <a:sym typeface="Arial"/>
+              </a:defRPr>
+            </a:lvl6pPr>
+            <a:lvl7pPr marR="0" lvl="6" algn="l" rtl="0">
+              <a:lnSpc>
+                <a:spcPct val="100000"/>
+              </a:lnSpc>
+              <a:spcBef>
+                <a:spcPts val="0"/>
+              </a:spcBef>
+              <a:spcAft>
+                <a:spcPts val="0"/>
+              </a:spcAft>
+              <a:buClr>
+                <a:srgbClr val="000000"/>
+              </a:buClr>
+              <a:buSzPts val="1400"/>
+              <a:buFont typeface="Arial"/>
+              <a:buNone/>
+              <a:defRPr sz="1800" b="0" i="0" u="none" strike="noStrike" cap="none">
+                <a:solidFill>
+                  <a:srgbClr val="000000"/>
+                </a:solidFill>
+                <a:latin typeface="Arial"/>
+                <a:ea typeface="Arial"/>
+                <a:cs typeface="Arial"/>
+                <a:sym typeface="Arial"/>
+              </a:defRPr>
+            </a:lvl7pPr>
+            <a:lvl8pPr marR="0" lvl="7" algn="l" rtl="0">
+              <a:lnSpc>
+                <a:spcPct val="100000"/>
+              </a:lnSpc>
+              <a:spcBef>
+                <a:spcPts val="0"/>
+              </a:spcBef>
+              <a:spcAft>
+                <a:spcPts val="0"/>
+              </a:spcAft>
+              <a:buClr>
+                <a:srgbClr val="000000"/>
+              </a:buClr>
+              <a:buSzPts val="1400"/>
+              <a:buFont typeface="Arial"/>
+              <a:buNone/>
+              <a:defRPr sz="1800" b="0" i="0" u="none" strike="noStrike" cap="none">
+                <a:solidFill>
+                  <a:srgbClr val="000000"/>
+                </a:solidFill>
+                <a:latin typeface="Arial"/>
+                <a:ea typeface="Arial"/>
+                <a:cs typeface="Arial"/>
+                <a:sym typeface="Arial"/>
+              </a:defRPr>
+            </a:lvl8pPr>
+            <a:lvl9pPr marR="0" lvl="8" algn="l" rtl="0">
+              <a:lnSpc>
+                <a:spcPct val="100000"/>
+              </a:lnSpc>
+              <a:spcBef>
+                <a:spcPts val="0"/>
+              </a:spcBef>
+              <a:spcAft>
+                <a:spcPts val="0"/>
+              </a:spcAft>
+              <a:buClr>
+                <a:srgbClr val="000000"/>
+              </a:buClr>
+              <a:buSzPts val="1400"/>
+              <a:buFont typeface="Arial"/>
+              <a:buNone/>
+              <a:defRPr sz="1800" b="0" i="0" u="none" strike="noStrike" cap="none">
+                <a:solidFill>
+                  <a:srgbClr val="000000"/>
+                </a:solidFill>
+                <a:latin typeface="Arial"/>
+                <a:ea typeface="Arial"/>
+                <a:cs typeface="Arial"/>
+                <a:sym typeface="Arial"/>
+              </a:defRPr>
+            </a:lvl9pPr>
+          </a:lstStyle>
+          <a:p>
+            <a:pPr>
+              <a:buSzPts val="4400"/>
+            </a:pPr>
+            <a:r>
+              <a:rPr lang="en-US" sz="3200" dirty="0">
+                <a:solidFill>
+                  <a:schemeClr val="accent5">
+                    <a:lumMod val="75000"/>
+                  </a:schemeClr>
+                </a:solidFill>
+              </a:rPr>
+              <a:t>Changes III</a:t>
+            </a:r>
+          </a:p>
+        </p:txBody>
+      </p:sp>
     </p:spTree>
     <p:extLst>
       <p:ext uri="{BB962C8B-B14F-4D97-AF65-F5344CB8AC3E}">
@@ -10024,7 +12368,7 @@
 </p:sld>
 </file>
 
-<file path=ppt/slides/slide7.xml><?xml version="1.0" encoding="utf-8"?>
+<file path=ppt/slides/slide8.xml><?xml version="1.0" encoding="utf-8"?>
 <p:sld xmlns:a="http://schemas.openxmlformats.org/drawingml/2006/main" xmlns:r="http://schemas.openxmlformats.org/officeDocument/2006/relationships" xmlns:p="http://schemas.openxmlformats.org/presentationml/2006/main">
   <p:cSld>
     <p:spTree>
@@ -10331,8 +12675,25 @@
                   </a:schemeClr>
                 </a:solidFill>
               </a:rPr>
-              <a:t>Into Practice</a:t>
-            </a:r>
+              <a:t>Into </a:t>
+            </a:r>
+            <a:r>
+              <a:rPr lang="en-US" sz="3200" dirty="0">
+                <a:solidFill>
+                  <a:schemeClr val="accent5">
+                    <a:lumMod val="75000"/>
+                  </a:schemeClr>
+                </a:solidFill>
+              </a:rPr>
+              <a:t>Practice &amp; Outlook</a:t>
+            </a:r>
+            <a:endParaRPr lang="en-US" sz="3600" dirty="0">
+              <a:solidFill>
+                <a:schemeClr val="accent5">
+                  <a:lumMod val="75000"/>
+                </a:schemeClr>
+              </a:solidFill>
+            </a:endParaRPr>
           </a:p>
         </p:txBody>
       </p:sp>
@@ -10460,7 +12821,7 @@
             </a:pPr>
             <a:fld id="{00000000-1234-1234-1234-123412341234}" type="slidenum">
               <a:rPr lang="de-CH" smtClean="0"/>
-              <a:t>7</a:t>
+              <a:t>8</a:t>
             </a:fld>
             <a:endParaRPr lang="de-CH" dirty="0"/>
           </a:p>
@@ -10749,7 +13110,7 @@
 </p:sld>
 </file>
 
-<file path=ppt/slides/slide8.xml><?xml version="1.0" encoding="utf-8"?>
+<file path=ppt/slides/slide9.xml><?xml version="1.0" encoding="utf-8"?>
 <p:sld xmlns:a="http://schemas.openxmlformats.org/drawingml/2006/main" xmlns:r="http://schemas.openxmlformats.org/officeDocument/2006/relationships" xmlns:p="http://schemas.openxmlformats.org/presentationml/2006/main">
   <p:cSld>
     <p:spTree>
@@ -11049,7 +13410,7 @@
               <a:buSzPts val="4400"/>
             </a:pPr>
             <a:r>
-              <a:rPr lang="en-US" sz="3600" dirty="0">
+              <a:rPr lang="en-US" sz="3200" dirty="0">
                 <a:solidFill>
                   <a:schemeClr val="accent5">
                     <a:lumMod val="75000"/>
@@ -11058,6 +13419,13 @@
               </a:rPr>
               <a:t>Conclusions</a:t>
             </a:r>
+            <a:endParaRPr lang="en-US" sz="3600" dirty="0">
+              <a:solidFill>
+                <a:schemeClr val="accent5">
+                  <a:lumMod val="75000"/>
+                </a:schemeClr>
+              </a:solidFill>
+            </a:endParaRPr>
           </a:p>
         </p:txBody>
       </p:sp>
@@ -11212,7 +13580,7 @@
             </a:r>
             <a:r>
               <a:rPr lang="de-CH" dirty="0"/>
-              <a:t> </a:t>
+              <a:t>. </a:t>
             </a:r>
           </a:p>
           <a:p>
@@ -11324,7 +13692,7 @@
             </a:r>
             <a:r>
               <a:rPr lang="de-CH" dirty="0"/>
-              <a:t> 	Google </a:t>
+              <a:t> 	Google. </a:t>
             </a:r>
           </a:p>
           <a:p>
@@ -11661,7 +14029,7 @@
             </a:r>
             <a:r>
               <a:rPr lang="de-CH" dirty="0"/>
-              <a:t> </a:t>
+              <a:t>. </a:t>
             </a:r>
           </a:p>
           <a:p>
@@ -11740,7 +14108,7 @@
             </a:pPr>
             <a:fld id="{00000000-1234-1234-1234-123412341234}" type="slidenum">
               <a:rPr lang="de-CH" smtClean="0"/>
-              <a:t>8</a:t>
+              <a:t>9</a:t>
             </a:fld>
             <a:endParaRPr lang="de-CH" dirty="0"/>
           </a:p>
@@ -11750,610 +14118,6 @@
     <p:extLst>
       <p:ext uri="{BB962C8B-B14F-4D97-AF65-F5344CB8AC3E}">
         <p14:creationId xmlns:p14="http://schemas.microsoft.com/office/powerpoint/2010/main" val="578108960"/>
-      </p:ext>
-    </p:extLst>
-  </p:cSld>
-  <p:clrMapOvr>
-    <a:masterClrMapping/>
-  </p:clrMapOvr>
-</p:sld>
-</file>
-
-<file path=ppt/slides/slide9.xml><?xml version="1.0" encoding="utf-8"?>
-<p:sld xmlns:a="http://schemas.openxmlformats.org/drawingml/2006/main" xmlns:r="http://schemas.openxmlformats.org/officeDocument/2006/relationships" xmlns:p="http://schemas.openxmlformats.org/presentationml/2006/main">
-  <p:cSld>
-    <p:spTree>
-      <p:nvGrpSpPr>
-        <p:cNvPr id="1" name="Shape 129"/>
-        <p:cNvGrpSpPr/>
-        <p:nvPr/>
-      </p:nvGrpSpPr>
-      <p:grpSpPr>
-        <a:xfrm>
-          <a:off x="0" y="0"/>
-          <a:ext cx="0" cy="0"/>
-          <a:chOff x="0" y="0"/>
-          <a:chExt cx="0" cy="0"/>
-        </a:xfrm>
-      </p:grpSpPr>
-      <p:sp>
-        <p:nvSpPr>
-          <p:cNvPr id="11" name="Google Shape;97;p2">
-            <a:extLst>
-              <a:ext uri="{FF2B5EF4-FFF2-40B4-BE49-F238E27FC236}">
-                <a16:creationId xmlns:a16="http://schemas.microsoft.com/office/drawing/2014/main" id="{BCB4E700-1B26-4262-B55A-D9A0CAE26063}"/>
-              </a:ext>
-            </a:extLst>
-          </p:cNvPr>
-          <p:cNvSpPr txBox="1">
-            <a:spLocks/>
-          </p:cNvSpPr>
-          <p:nvPr/>
-        </p:nvSpPr>
-        <p:spPr>
-          <a:xfrm>
-            <a:off x="530610" y="566393"/>
-            <a:ext cx="4362222" cy="623416"/>
-          </a:xfrm>
-          <a:prstGeom prst="rect">
-            <a:avLst/>
-          </a:prstGeom>
-          <a:noFill/>
-          <a:ln>
-            <a:noFill/>
-          </a:ln>
-        </p:spPr>
-        <p:txBody>
-          <a:bodyPr spcFirstLastPara="1" wrap="square" lIns="91425" tIns="45700" rIns="91425" bIns="45700" anchor="ctr" anchorCtr="0">
-            <a:noAutofit/>
-          </a:bodyPr>
-          <a:lstStyle>
-            <a:defPPr marR="0" lvl="0" algn="l" rtl="0">
-              <a:lnSpc>
-                <a:spcPct val="100000"/>
-              </a:lnSpc>
-              <a:spcBef>
-                <a:spcPts val="0"/>
-              </a:spcBef>
-              <a:spcAft>
-                <a:spcPts val="0"/>
-              </a:spcAft>
-            </a:defPPr>
-            <a:lvl1pPr marR="0" lvl="0" algn="l" rtl="0">
-              <a:lnSpc>
-                <a:spcPct val="90000"/>
-              </a:lnSpc>
-              <a:spcBef>
-                <a:spcPts val="0"/>
-              </a:spcBef>
-              <a:spcAft>
-                <a:spcPts val="0"/>
-              </a:spcAft>
-              <a:buClr>
-                <a:schemeClr val="dk1"/>
-              </a:buClr>
-              <a:buSzPts val="1800"/>
-              <a:buFont typeface="Calibri"/>
-              <a:buNone/>
-              <a:defRPr sz="4400" b="0" i="0" u="none" strike="noStrike" cap="none">
-                <a:solidFill>
-                  <a:schemeClr val="dk1"/>
-                </a:solidFill>
-                <a:latin typeface="Calibri"/>
-                <a:ea typeface="Calibri"/>
-                <a:cs typeface="Calibri"/>
-                <a:sym typeface="Calibri"/>
-              </a:defRPr>
-            </a:lvl1pPr>
-            <a:lvl2pPr marR="0" lvl="1" algn="l" rtl="0">
-              <a:lnSpc>
-                <a:spcPct val="100000"/>
-              </a:lnSpc>
-              <a:spcBef>
-                <a:spcPts val="0"/>
-              </a:spcBef>
-              <a:spcAft>
-                <a:spcPts val="0"/>
-              </a:spcAft>
-              <a:buClr>
-                <a:srgbClr val="000000"/>
-              </a:buClr>
-              <a:buSzPts val="1400"/>
-              <a:buFont typeface="Arial"/>
-              <a:buNone/>
-              <a:defRPr sz="1800" b="0" i="0" u="none" strike="noStrike" cap="none">
-                <a:solidFill>
-                  <a:srgbClr val="000000"/>
-                </a:solidFill>
-                <a:latin typeface="Arial"/>
-                <a:ea typeface="Arial"/>
-                <a:cs typeface="Arial"/>
-                <a:sym typeface="Arial"/>
-              </a:defRPr>
-            </a:lvl2pPr>
-            <a:lvl3pPr marR="0" lvl="2" algn="l" rtl="0">
-              <a:lnSpc>
-                <a:spcPct val="100000"/>
-              </a:lnSpc>
-              <a:spcBef>
-                <a:spcPts val="0"/>
-              </a:spcBef>
-              <a:spcAft>
-                <a:spcPts val="0"/>
-              </a:spcAft>
-              <a:buClr>
-                <a:srgbClr val="000000"/>
-              </a:buClr>
-              <a:buSzPts val="1400"/>
-              <a:buFont typeface="Arial"/>
-              <a:buNone/>
-              <a:defRPr sz="1800" b="0" i="0" u="none" strike="noStrike" cap="none">
-                <a:solidFill>
-                  <a:srgbClr val="000000"/>
-                </a:solidFill>
-                <a:latin typeface="Arial"/>
-                <a:ea typeface="Arial"/>
-                <a:cs typeface="Arial"/>
-                <a:sym typeface="Arial"/>
-              </a:defRPr>
-            </a:lvl3pPr>
-            <a:lvl4pPr marR="0" lvl="3" algn="l" rtl="0">
-              <a:lnSpc>
-                <a:spcPct val="100000"/>
-              </a:lnSpc>
-              <a:spcBef>
-                <a:spcPts val="0"/>
-              </a:spcBef>
-              <a:spcAft>
-                <a:spcPts val="0"/>
-              </a:spcAft>
-              <a:buClr>
-                <a:srgbClr val="000000"/>
-              </a:buClr>
-              <a:buSzPts val="1400"/>
-              <a:buFont typeface="Arial"/>
-              <a:buNone/>
-              <a:defRPr sz="1800" b="0" i="0" u="none" strike="noStrike" cap="none">
-                <a:solidFill>
-                  <a:srgbClr val="000000"/>
-                </a:solidFill>
-                <a:latin typeface="Arial"/>
-                <a:ea typeface="Arial"/>
-                <a:cs typeface="Arial"/>
-                <a:sym typeface="Arial"/>
-              </a:defRPr>
-            </a:lvl4pPr>
-            <a:lvl5pPr marR="0" lvl="4" algn="l" rtl="0">
-              <a:lnSpc>
-                <a:spcPct val="100000"/>
-              </a:lnSpc>
-              <a:spcBef>
-                <a:spcPts val="0"/>
-              </a:spcBef>
-              <a:spcAft>
-                <a:spcPts val="0"/>
-              </a:spcAft>
-              <a:buClr>
-                <a:srgbClr val="000000"/>
-              </a:buClr>
-              <a:buSzPts val="1400"/>
-              <a:buFont typeface="Arial"/>
-              <a:buNone/>
-              <a:defRPr sz="1800" b="0" i="0" u="none" strike="noStrike" cap="none">
-                <a:solidFill>
-                  <a:srgbClr val="000000"/>
-                </a:solidFill>
-                <a:latin typeface="Arial"/>
-                <a:ea typeface="Arial"/>
-                <a:cs typeface="Arial"/>
-                <a:sym typeface="Arial"/>
-              </a:defRPr>
-            </a:lvl5pPr>
-            <a:lvl6pPr marR="0" lvl="5" algn="l" rtl="0">
-              <a:lnSpc>
-                <a:spcPct val="100000"/>
-              </a:lnSpc>
-              <a:spcBef>
-                <a:spcPts val="0"/>
-              </a:spcBef>
-              <a:spcAft>
-                <a:spcPts val="0"/>
-              </a:spcAft>
-              <a:buClr>
-                <a:srgbClr val="000000"/>
-              </a:buClr>
-              <a:buSzPts val="1400"/>
-              <a:buFont typeface="Arial"/>
-              <a:buNone/>
-              <a:defRPr sz="1800" b="0" i="0" u="none" strike="noStrike" cap="none">
-                <a:solidFill>
-                  <a:srgbClr val="000000"/>
-                </a:solidFill>
-                <a:latin typeface="Arial"/>
-                <a:ea typeface="Arial"/>
-                <a:cs typeface="Arial"/>
-                <a:sym typeface="Arial"/>
-              </a:defRPr>
-            </a:lvl6pPr>
-            <a:lvl7pPr marR="0" lvl="6" algn="l" rtl="0">
-              <a:lnSpc>
-                <a:spcPct val="100000"/>
-              </a:lnSpc>
-              <a:spcBef>
-                <a:spcPts val="0"/>
-              </a:spcBef>
-              <a:spcAft>
-                <a:spcPts val="0"/>
-              </a:spcAft>
-              <a:buClr>
-                <a:srgbClr val="000000"/>
-              </a:buClr>
-              <a:buSzPts val="1400"/>
-              <a:buFont typeface="Arial"/>
-              <a:buNone/>
-              <a:defRPr sz="1800" b="0" i="0" u="none" strike="noStrike" cap="none">
-                <a:solidFill>
-                  <a:srgbClr val="000000"/>
-                </a:solidFill>
-                <a:latin typeface="Arial"/>
-                <a:ea typeface="Arial"/>
-                <a:cs typeface="Arial"/>
-                <a:sym typeface="Arial"/>
-              </a:defRPr>
-            </a:lvl7pPr>
-            <a:lvl8pPr marR="0" lvl="7" algn="l" rtl="0">
-              <a:lnSpc>
-                <a:spcPct val="100000"/>
-              </a:lnSpc>
-              <a:spcBef>
-                <a:spcPts val="0"/>
-              </a:spcBef>
-              <a:spcAft>
-                <a:spcPts val="0"/>
-              </a:spcAft>
-              <a:buClr>
-                <a:srgbClr val="000000"/>
-              </a:buClr>
-              <a:buSzPts val="1400"/>
-              <a:buFont typeface="Arial"/>
-              <a:buNone/>
-              <a:defRPr sz="1800" b="0" i="0" u="none" strike="noStrike" cap="none">
-                <a:solidFill>
-                  <a:srgbClr val="000000"/>
-                </a:solidFill>
-                <a:latin typeface="Arial"/>
-                <a:ea typeface="Arial"/>
-                <a:cs typeface="Arial"/>
-                <a:sym typeface="Arial"/>
-              </a:defRPr>
-            </a:lvl8pPr>
-            <a:lvl9pPr marR="0" lvl="8" algn="l" rtl="0">
-              <a:lnSpc>
-                <a:spcPct val="100000"/>
-              </a:lnSpc>
-              <a:spcBef>
-                <a:spcPts val="0"/>
-              </a:spcBef>
-              <a:spcAft>
-                <a:spcPts val="0"/>
-              </a:spcAft>
-              <a:buClr>
-                <a:srgbClr val="000000"/>
-              </a:buClr>
-              <a:buSzPts val="1400"/>
-              <a:buFont typeface="Arial"/>
-              <a:buNone/>
-              <a:defRPr sz="1800" b="0" i="0" u="none" strike="noStrike" cap="none">
-                <a:solidFill>
-                  <a:srgbClr val="000000"/>
-                </a:solidFill>
-                <a:latin typeface="Arial"/>
-                <a:ea typeface="Arial"/>
-                <a:cs typeface="Arial"/>
-                <a:sym typeface="Arial"/>
-              </a:defRPr>
-            </a:lvl9pPr>
-          </a:lstStyle>
-          <a:p>
-            <a:pPr>
-              <a:buSzPts val="4400"/>
-            </a:pPr>
-            <a:r>
-              <a:rPr lang="en-US" sz="3600" dirty="0">
-                <a:solidFill>
-                  <a:schemeClr val="accent5">
-                    <a:lumMod val="75000"/>
-                  </a:schemeClr>
-                </a:solidFill>
-              </a:rPr>
-              <a:t>Questions</a:t>
-            </a:r>
-          </a:p>
-        </p:txBody>
-      </p:sp>
-      <p:grpSp>
-        <p:nvGrpSpPr>
-          <p:cNvPr id="12" name="Google Shape;123;p2">
-            <a:extLst>
-              <a:ext uri="{FF2B5EF4-FFF2-40B4-BE49-F238E27FC236}">
-                <a16:creationId xmlns:a16="http://schemas.microsoft.com/office/drawing/2014/main" id="{DDF4A718-7BE2-4E5F-8EFD-D13B4ACDB111}"/>
-              </a:ext>
-            </a:extLst>
-          </p:cNvPr>
-          <p:cNvGrpSpPr/>
-          <p:nvPr/>
-        </p:nvGrpSpPr>
-        <p:grpSpPr>
-          <a:xfrm>
-            <a:off x="7143978" y="566392"/>
-            <a:ext cx="4362222" cy="623417"/>
-            <a:chOff x="6991578" y="254815"/>
-            <a:chExt cx="4742993" cy="782594"/>
-          </a:xfrm>
-        </p:grpSpPr>
-        <p:pic>
-          <p:nvPicPr>
-            <p:cNvPr id="13" name="Google Shape;124;p2">
-              <a:extLst>
-                <a:ext uri="{FF2B5EF4-FFF2-40B4-BE49-F238E27FC236}">
-                  <a16:creationId xmlns:a16="http://schemas.microsoft.com/office/drawing/2014/main" id="{D03080CB-B30B-433A-9670-2C526FAD2C57}"/>
-                </a:ext>
-              </a:extLst>
-            </p:cNvPr>
-            <p:cNvPicPr preferRelativeResize="0"/>
-            <p:nvPr/>
-          </p:nvPicPr>
-          <p:blipFill rotWithShape="1">
-            <a:blip r:embed="rId3">
-              <a:alphaModFix/>
-            </a:blip>
-            <a:srcRect/>
-            <a:stretch/>
-          </p:blipFill>
-          <p:spPr>
-            <a:xfrm>
-              <a:off x="6991578" y="254815"/>
-              <a:ext cx="4742993" cy="782594"/>
-            </a:xfrm>
-            <a:prstGeom prst="rect">
-              <a:avLst/>
-            </a:prstGeom>
-            <a:noFill/>
-            <a:ln>
-              <a:noFill/>
-            </a:ln>
-          </p:spPr>
-        </p:pic>
-        <p:pic>
-          <p:nvPicPr>
-            <p:cNvPr id="14" name="Google Shape;125;p2">
-              <a:extLst>
-                <a:ext uri="{FF2B5EF4-FFF2-40B4-BE49-F238E27FC236}">
-                  <a16:creationId xmlns:a16="http://schemas.microsoft.com/office/drawing/2014/main" id="{2B1563B0-E458-429F-899F-66E6D7E75E7A}"/>
-                </a:ext>
-              </a:extLst>
-            </p:cNvPr>
-            <p:cNvPicPr preferRelativeResize="0"/>
-            <p:nvPr/>
-          </p:nvPicPr>
-          <p:blipFill rotWithShape="1">
-            <a:blip r:embed="rId4">
-              <a:alphaModFix/>
-            </a:blip>
-            <a:srcRect/>
-            <a:stretch/>
-          </p:blipFill>
-          <p:spPr>
-            <a:xfrm>
-              <a:off x="7209016" y="365125"/>
-              <a:ext cx="868183" cy="515484"/>
-            </a:xfrm>
-            <a:prstGeom prst="rect">
-              <a:avLst/>
-            </a:prstGeom>
-            <a:noFill/>
-            <a:ln>
-              <a:noFill/>
-            </a:ln>
-          </p:spPr>
-        </p:pic>
-      </p:grpSp>
-      <p:sp>
-        <p:nvSpPr>
-          <p:cNvPr id="10" name="Foliennummernplatzhalter 2">
-            <a:extLst>
-              <a:ext uri="{FF2B5EF4-FFF2-40B4-BE49-F238E27FC236}">
-                <a16:creationId xmlns:a16="http://schemas.microsoft.com/office/drawing/2014/main" id="{4F39BEF3-8542-419E-96CC-88EB2C556B24}"/>
-              </a:ext>
-            </a:extLst>
-          </p:cNvPr>
-          <p:cNvSpPr>
-            <a:spLocks noGrp="1"/>
-          </p:cNvSpPr>
-          <p:nvPr>
-            <p:ph type="sldNum" sz="quarter" idx="12"/>
-          </p:nvPr>
-        </p:nvSpPr>
-        <p:spPr>
-          <a:xfrm>
-            <a:off x="8610600" y="6356350"/>
-            <a:ext cx="2743200" cy="365125"/>
-          </a:xfrm>
-        </p:spPr>
-        <p:txBody>
-          <a:bodyPr/>
-          <a:lstStyle/>
-          <a:p>
-            <a:pPr marL="0" lvl="0" indent="0" algn="r" rtl="0">
-              <a:spcBef>
-                <a:spcPts val="0"/>
-              </a:spcBef>
-              <a:spcAft>
-                <a:spcPts val="0"/>
-              </a:spcAft>
-              <a:buNone/>
-            </a:pPr>
-            <a:fld id="{00000000-1234-1234-1234-123412341234}" type="slidenum">
-              <a:rPr lang="de-CH" smtClean="0"/>
-              <a:t>9</a:t>
-            </a:fld>
-            <a:endParaRPr lang="de-CH" dirty="0"/>
-          </a:p>
-        </p:txBody>
-      </p:sp>
-      <p:pic>
-        <p:nvPicPr>
-          <p:cNvPr id="5" name="Grafik 4">
-            <a:extLst>
-              <a:ext uri="{FF2B5EF4-FFF2-40B4-BE49-F238E27FC236}">
-                <a16:creationId xmlns:a16="http://schemas.microsoft.com/office/drawing/2014/main" id="{E987CE47-042B-4F36-844B-A60657703BB3}"/>
-              </a:ext>
-            </a:extLst>
-          </p:cNvPr>
-          <p:cNvPicPr>
-            <a:picLocks noChangeAspect="1"/>
-          </p:cNvPicPr>
-          <p:nvPr/>
-        </p:nvPicPr>
-        <p:blipFill>
-          <a:blip r:embed="rId5"/>
-          <a:stretch>
-            <a:fillRect/>
-          </a:stretch>
-        </p:blipFill>
-        <p:spPr>
-          <a:xfrm>
-            <a:off x="4892832" y="2266950"/>
-            <a:ext cx="1838484" cy="2981325"/>
-          </a:xfrm>
-          <a:prstGeom prst="rect">
-            <a:avLst/>
-          </a:prstGeom>
-        </p:spPr>
-      </p:pic>
-      <p:sp>
-        <p:nvSpPr>
-          <p:cNvPr id="15" name="TextBox 5">
-            <a:extLst>
-              <a:ext uri="{FF2B5EF4-FFF2-40B4-BE49-F238E27FC236}">
-                <a16:creationId xmlns:a16="http://schemas.microsoft.com/office/drawing/2014/main" id="{DA491E99-C488-4BE2-8A25-C435E39FBADB}"/>
-              </a:ext>
-            </a:extLst>
-          </p:cNvPr>
-          <p:cNvSpPr txBox="1"/>
-          <p:nvPr/>
-        </p:nvSpPr>
-        <p:spPr>
-          <a:xfrm>
-            <a:off x="839919" y="6214024"/>
-            <a:ext cx="10523619" cy="253916"/>
-          </a:xfrm>
-          <a:prstGeom prst="rect">
-            <a:avLst/>
-          </a:prstGeom>
-          <a:noFill/>
-        </p:spPr>
-        <p:txBody>
-          <a:bodyPr rot="0" spcFirstLastPara="0" vertOverflow="overflow" horzOverflow="overflow" vert="horz" wrap="square" lIns="91440" tIns="45720" rIns="91440" bIns="45720" numCol="1" spcCol="0" rtlCol="0" fromWordArt="0" anchor="t" anchorCtr="0" forceAA="0" compatLnSpc="1">
-            <a:prstTxWarp prst="textNoShape">
-              <a:avLst/>
-            </a:prstTxWarp>
-            <a:spAutoFit/>
-          </a:bodyPr>
-          <a:lstStyle/>
-          <a:p>
-            <a:r>
-              <a:rPr lang="en-US" sz="1050" dirty="0">
-                <a:latin typeface="Calibri (body)"/>
-                <a:cs typeface="Arial" panose="020B0604020202020204" pitchFamily="34" charset="0"/>
-              </a:rPr>
-              <a:t>Pinterest (2021).</a:t>
-            </a:r>
-            <a:r>
-              <a:rPr lang="de-CH" sz="1050" b="1" dirty="0">
-                <a:effectLst/>
-              </a:rPr>
-              <a:t> </a:t>
-            </a:r>
-            <a:r>
-              <a:rPr lang="de-CH" sz="1050" dirty="0" err="1">
-                <a:latin typeface="Calibri (body)"/>
-                <a:cs typeface="Arial" panose="020B0604020202020204" pitchFamily="34" charset="0"/>
-              </a:rPr>
-              <a:t>Forensic</a:t>
-            </a:r>
-            <a:r>
-              <a:rPr lang="de-CH" sz="1050" dirty="0">
-                <a:latin typeface="Calibri (body)"/>
-                <a:cs typeface="Arial" panose="020B0604020202020204" pitchFamily="34" charset="0"/>
-              </a:rPr>
-              <a:t> DNA Training</a:t>
-            </a:r>
-            <a:r>
-              <a:rPr lang="en-US" sz="1050" dirty="0">
-                <a:latin typeface="Calibri (body)"/>
-                <a:cs typeface="Arial" panose="020B0604020202020204" pitchFamily="34" charset="0"/>
-              </a:rPr>
-              <a:t>. Retrieved from </a:t>
-            </a:r>
-            <a:r>
-              <a:rPr lang="en-US" sz="1050" dirty="0">
-                <a:latin typeface="Calibri (body)"/>
-                <a:cs typeface="Arial" panose="020B0604020202020204" pitchFamily="34" charset="0"/>
-                <a:hlinkClick r:id="rId6"/>
-              </a:rPr>
-              <a:t>link</a:t>
-            </a:r>
-            <a:r>
-              <a:rPr lang="en-US" sz="1050" dirty="0">
-                <a:latin typeface="Calibri (body)"/>
-                <a:cs typeface="Arial" panose="020B0604020202020204" pitchFamily="34" charset="0"/>
-              </a:rPr>
-              <a:t>.</a:t>
-            </a:r>
-          </a:p>
-        </p:txBody>
-      </p:sp>
-      <p:cxnSp>
-        <p:nvCxnSpPr>
-          <p:cNvPr id="16" name="Straight Arrow Connector 6">
-            <a:extLst>
-              <a:ext uri="{FF2B5EF4-FFF2-40B4-BE49-F238E27FC236}">
-                <a16:creationId xmlns:a16="http://schemas.microsoft.com/office/drawing/2014/main" id="{F9F7BFF5-28CD-4EB5-88B3-9BCF5AA96F43}"/>
-              </a:ext>
-            </a:extLst>
-          </p:cNvPr>
-          <p:cNvCxnSpPr/>
-          <p:nvPr/>
-        </p:nvCxnSpPr>
-        <p:spPr>
-          <a:xfrm>
-            <a:off x="837268" y="6162674"/>
-            <a:ext cx="10272675" cy="5728"/>
-          </a:xfrm>
-          <a:prstGeom prst="straightConnector1">
-            <a:avLst/>
-          </a:prstGeom>
-        </p:spPr>
-        <p:style>
-          <a:lnRef idx="1">
-            <a:schemeClr val="accent1"/>
-          </a:lnRef>
-          <a:fillRef idx="0">
-            <a:schemeClr val="accent1"/>
-          </a:fillRef>
-          <a:effectRef idx="0">
-            <a:schemeClr val="accent1"/>
-          </a:effectRef>
-          <a:fontRef idx="minor">
-            <a:schemeClr val="tx1"/>
-          </a:fontRef>
-        </p:style>
-      </p:cxnSp>
-    </p:spTree>
-    <p:extLst>
-      <p:ext uri="{BB962C8B-B14F-4D97-AF65-F5344CB8AC3E}">
-        <p14:creationId xmlns:p14="http://schemas.microsoft.com/office/powerpoint/2010/main" val="3706327324"/>
       </p:ext>
     </p:extLst>
   </p:cSld>

--- a/GeneService_Presentation.pptx
+++ b/GeneService_Presentation.pptx
@@ -15,7 +15,7 @@
     <p:sldId id="286" r:id="rId6"/>
     <p:sldId id="288" r:id="rId7"/>
     <p:sldId id="284" r:id="rId8"/>
-    <p:sldId id="281" r:id="rId9"/>
+    <p:sldId id="289" r:id="rId9"/>
     <p:sldId id="285" r:id="rId10"/>
     <p:sldId id="282" r:id="rId11"/>
     <p:sldId id="287" r:id="rId12"/>
@@ -133,7 +133,7 @@
       </p15:sldGuideLst>
     </p:ext>
     <p:ext uri="http://customooxmlschemas.google.com/">
-      <go:slidesCustomData xmlns="" xmlns:mc="http://schemas.openxmlformats.org/markup-compatibility/2006" xmlns:mv="urn:schemas-microsoft-com:mac:vml" xmlns:c="http://schemas.openxmlformats.org/drawingml/2006/chart" xmlns:dgm="http://schemas.openxmlformats.org/drawingml/2006/diagram" xmlns:o="urn:schemas-microsoft-com:office:office" xmlns:v="urn:schemas-microsoft-com:vml" xmlns:pvml="urn:schemas-microsoft-com:office:powerpoint" xmlns:com="http://schemas.openxmlformats.org/drawingml/2006/compatibility" xmlns:p14="http://schemas.microsoft.com/office/powerpoint/2010/main" xmlns:p15="http://schemas.microsoft.com/office/powerpoint/2012/main" xmlns:ahyp="http://schemas.microsoft.com/office/drawing/2018/hyperlinkcolor" xmlns:go="http://customooxmlschemas.google.com/" r:id="rId20" roundtripDataSignature="AMtx7mjcsYy4a8G+GLvjjjReem2EGNQxxQ=="/>
+      <go:slidesCustomData xmlns:go="http://customooxmlschemas.google.com/" xmlns:ahyp="http://schemas.microsoft.com/office/drawing/2018/hyperlinkcolor" xmlns:p15="http://schemas.microsoft.com/office/powerpoint/2012/main" xmlns:p14="http://schemas.microsoft.com/office/powerpoint/2010/main" xmlns:com="http://schemas.openxmlformats.org/drawingml/2006/compatibility" xmlns:pvml="urn:schemas-microsoft-com:office:powerpoint" xmlns:v="urn:schemas-microsoft-com:vml" xmlns:o="urn:schemas-microsoft-com:office:office" xmlns:dgm="http://schemas.openxmlformats.org/drawingml/2006/diagram" xmlns:c="http://schemas.openxmlformats.org/drawingml/2006/chart" xmlns:mv="urn:schemas-microsoft-com:mac:vml" xmlns:mc="http://schemas.openxmlformats.org/markup-compatibility/2006" xmlns="" r:id="rId20" roundtripDataSignature="AMtx7mjcsYy4a8G+GLvjjjReem2EGNQxxQ=="/>
     </p:ext>
   </p:extLst>
 </p:presentation>
@@ -8145,26 +8145,16 @@
                 <a:buSzPts val="2300"/>
               </a:pPr>
               <a:r>
-                <a:rPr lang="de-CH" sz="2300" dirty="0" err="1">
+                <a:rPr lang="de-CH" sz="2300" b="0" i="0" u="none" strike="noStrike" cap="none" dirty="0">
                   <a:solidFill>
                     <a:schemeClr val="dk1"/>
                   </a:solidFill>
+                  <a:latin typeface="Calibri"/>
                   <a:ea typeface="Calibri"/>
                   <a:cs typeface="Calibri"/>
                   <a:sym typeface="Calibri"/>
                 </a:rPr>
-                <a:t>Into</a:t>
-              </a:r>
-              <a:r>
-                <a:rPr lang="de-CH" sz="2300" dirty="0">
-                  <a:solidFill>
-                    <a:schemeClr val="dk1"/>
-                  </a:solidFill>
-                  <a:ea typeface="Calibri"/>
-                  <a:cs typeface="Calibri"/>
-                  <a:sym typeface="Calibri"/>
-                </a:rPr>
-                <a:t> Practice</a:t>
+                <a:t>Outlook</a:t>
               </a:r>
               <a:endParaRPr sz="2300" b="0" i="0" u="none" strike="noStrike" cap="none" dirty="0">
                 <a:solidFill>
@@ -12668,24 +12658,14 @@
               <a:buSzPts val="4400"/>
             </a:pPr>
             <a:r>
-              <a:rPr lang="en-US" sz="3600" dirty="0">
+              <a:rPr lang="en-US" sz="3200" dirty="0">
                 <a:solidFill>
                   <a:schemeClr val="accent5">
                     <a:lumMod val="75000"/>
                   </a:schemeClr>
                 </a:solidFill>
               </a:rPr>
-              <a:t>Into </a:t>
-            </a:r>
-            <a:r>
-              <a:rPr lang="en-US" sz="3200" dirty="0">
-                <a:solidFill>
-                  <a:schemeClr val="accent5">
-                    <a:lumMod val="75000"/>
-                  </a:schemeClr>
-                </a:solidFill>
-              </a:rPr>
-              <a:t>Practice &amp; Outlook</a:t>
+              <a:t>Outlook</a:t>
             </a:r>
             <a:endParaRPr lang="en-US" sz="3600" dirty="0">
               <a:solidFill>
@@ -12827,175 +12807,6 @@
           </a:p>
         </p:txBody>
       </p:sp>
-      <p:pic>
-        <p:nvPicPr>
-          <p:cNvPr id="7" name="Grafik 6">
-            <a:extLst>
-              <a:ext uri="{FF2B5EF4-FFF2-40B4-BE49-F238E27FC236}">
-                <a16:creationId xmlns:a16="http://schemas.microsoft.com/office/drawing/2014/main" id="{F1B9FBDB-E70B-4B65-B4DA-DA4D43067D6F}"/>
-              </a:ext>
-            </a:extLst>
-          </p:cNvPr>
-          <p:cNvPicPr/>
-          <p:nvPr/>
-        </p:nvPicPr>
-        <p:blipFill>
-          <a:blip r:embed="rId5"/>
-          <a:stretch>
-            <a:fillRect/>
-          </a:stretch>
-        </p:blipFill>
-        <p:spPr>
-          <a:xfrm>
-            <a:off x="595056" y="1558896"/>
-            <a:ext cx="4233330" cy="2378298"/>
-          </a:xfrm>
-          <a:prstGeom prst="rect">
-            <a:avLst/>
-          </a:prstGeom>
-        </p:spPr>
-      </p:pic>
-      <p:pic>
-        <p:nvPicPr>
-          <p:cNvPr id="3" name="Grafik 2">
-            <a:extLst>
-              <a:ext uri="{FF2B5EF4-FFF2-40B4-BE49-F238E27FC236}">
-                <a16:creationId xmlns:a16="http://schemas.microsoft.com/office/drawing/2014/main" id="{072863E8-3405-4F7F-82A3-D0D73BF9604F}"/>
-              </a:ext>
-            </a:extLst>
-          </p:cNvPr>
-          <p:cNvPicPr>
-            <a:picLocks noChangeAspect="1"/>
-          </p:cNvPicPr>
-          <p:nvPr/>
-        </p:nvPicPr>
-        <p:blipFill>
-          <a:blip r:embed="rId6"/>
-          <a:stretch>
-            <a:fillRect/>
-          </a:stretch>
-        </p:blipFill>
-        <p:spPr>
-          <a:xfrm>
-            <a:off x="5323727" y="1676375"/>
-            <a:ext cx="4838949" cy="952549"/>
-          </a:xfrm>
-          <a:prstGeom prst="rect">
-            <a:avLst/>
-          </a:prstGeom>
-        </p:spPr>
-      </p:pic>
-      <p:sp>
-        <p:nvSpPr>
-          <p:cNvPr id="15" name="TextBox 5">
-            <a:extLst>
-              <a:ext uri="{FF2B5EF4-FFF2-40B4-BE49-F238E27FC236}">
-                <a16:creationId xmlns:a16="http://schemas.microsoft.com/office/drawing/2014/main" id="{3AD75E44-2EFF-4E4B-920B-CA487EA361AA}"/>
-              </a:ext>
-            </a:extLst>
-          </p:cNvPr>
-          <p:cNvSpPr txBox="1"/>
-          <p:nvPr/>
-        </p:nvSpPr>
-        <p:spPr>
-          <a:xfrm>
-            <a:off x="839919" y="6214024"/>
-            <a:ext cx="10523619" cy="415498"/>
-          </a:xfrm>
-          <a:prstGeom prst="rect">
-            <a:avLst/>
-          </a:prstGeom>
-          <a:noFill/>
-        </p:spPr>
-        <p:txBody>
-          <a:bodyPr rot="0" spcFirstLastPara="0" vertOverflow="overflow" horzOverflow="overflow" vert="horz" wrap="square" lIns="91440" tIns="45720" rIns="91440" bIns="45720" numCol="1" spcCol="0" rtlCol="0" fromWordArt="0" anchor="t" anchorCtr="0" forceAA="0" compatLnSpc="1">
-            <a:prstTxWarp prst="textNoShape">
-              <a:avLst/>
-            </a:prstTxWarp>
-            <a:spAutoFit/>
-          </a:bodyPr>
-          <a:lstStyle/>
-          <a:p>
-            <a:r>
-              <a:rPr lang="en-US" sz="1050" dirty="0">
-                <a:latin typeface="Calibri (body)"/>
-                <a:cs typeface="Arial" panose="020B0604020202020204" pitchFamily="34" charset="0"/>
-              </a:rPr>
-              <a:t>NCBI (2021).</a:t>
-            </a:r>
-            <a:r>
-              <a:rPr lang="de-CH" sz="1050" b="1" dirty="0">
-                <a:effectLst/>
-              </a:rPr>
-              <a:t> </a:t>
-            </a:r>
-            <a:r>
-              <a:rPr lang="de-CH" sz="1050" dirty="0">
-                <a:latin typeface="Calibri (body)"/>
-                <a:cs typeface="Arial" panose="020B0604020202020204" pitchFamily="34" charset="0"/>
-              </a:rPr>
-              <a:t>ERBB2</a:t>
-            </a:r>
-            <a:r>
-              <a:rPr lang="en-US" sz="1050" dirty="0">
-                <a:latin typeface="Calibri (body)"/>
-                <a:cs typeface="Arial" panose="020B0604020202020204" pitchFamily="34" charset="0"/>
-              </a:rPr>
-              <a:t>. Retrieved from </a:t>
-            </a:r>
-            <a:r>
-              <a:rPr lang="en-US" sz="1050" dirty="0">
-                <a:latin typeface="Calibri (body)"/>
-                <a:cs typeface="Arial" panose="020B0604020202020204" pitchFamily="34" charset="0"/>
-                <a:hlinkClick r:id="rId7"/>
-              </a:rPr>
-              <a:t>link</a:t>
-            </a:r>
-            <a:r>
-              <a:rPr lang="en-US" sz="1050" dirty="0">
-                <a:latin typeface="Calibri (body)"/>
-                <a:cs typeface="Arial" panose="020B0604020202020204" pitchFamily="34" charset="0"/>
-              </a:rPr>
-              <a:t>.</a:t>
-            </a:r>
-          </a:p>
-          <a:p>
-            <a:r>
-              <a:rPr lang="en-US" sz="1050" dirty="0" err="1">
-                <a:latin typeface="Calibri (body)"/>
-                <a:cs typeface="Arial" panose="020B0604020202020204" pitchFamily="34" charset="0"/>
-              </a:rPr>
-              <a:t>ThermoFisher</a:t>
-            </a:r>
-            <a:r>
-              <a:rPr lang="en-US" sz="1050" dirty="0">
-                <a:latin typeface="Calibri (body)"/>
-                <a:cs typeface="Arial" panose="020B0604020202020204" pitchFamily="34" charset="0"/>
-              </a:rPr>
-              <a:t> (2121). ErbB2 (HER-2) Monoclonal Antibody (N24). Retrieved from </a:t>
-            </a:r>
-            <a:r>
-              <a:rPr lang="en-US" sz="1050" dirty="0">
-                <a:latin typeface="Calibri (body)"/>
-                <a:cs typeface="Arial" panose="020B0604020202020204" pitchFamily="34" charset="0"/>
-                <a:hlinkClick r:id="rId8"/>
-              </a:rPr>
-              <a:t>link</a:t>
-            </a:r>
-            <a:r>
-              <a:rPr lang="en-US" sz="1050" dirty="0">
-                <a:latin typeface="Calibri (body)"/>
-                <a:cs typeface="Arial" panose="020B0604020202020204" pitchFamily="34" charset="0"/>
-              </a:rPr>
-              <a:t>.</a:t>
-            </a:r>
-            <a:endParaRPr lang="en-US" dirty="0">
-              <a:latin typeface="Calibri (body)"/>
-              <a:cs typeface="Arial" panose="020B0604020202020204" pitchFamily="34" charset="0"/>
-            </a:endParaRPr>
-          </a:p>
-        </p:txBody>
-      </p:sp>
       <p:cxnSp>
         <p:nvCxnSpPr>
           <p:cNvPr id="16" name="Straight Arrow Connector 6">
@@ -13032,12 +12843,278 @@
           </a:fontRef>
         </p:style>
       </p:cxnSp>
+      <p:sp>
+        <p:nvSpPr>
+          <p:cNvPr id="18" name="Inhaltsplatzhalter 3">
+            <a:extLst>
+              <a:ext uri="{FF2B5EF4-FFF2-40B4-BE49-F238E27FC236}">
+                <a16:creationId xmlns:a16="http://schemas.microsoft.com/office/drawing/2014/main" id="{C9A2DF3F-00A3-0F43-8DAE-429C0AD90AE3}"/>
+              </a:ext>
+            </a:extLst>
+          </p:cNvPr>
+          <p:cNvSpPr>
+            <a:spLocks noGrp="1"/>
+          </p:cNvSpPr>
+          <p:nvPr>
+            <p:ph idx="1"/>
+          </p:nvPr>
+        </p:nvSpPr>
+        <p:spPr>
+          <a:xfrm>
+            <a:off x="838200" y="1825625"/>
+            <a:ext cx="10515600" cy="4351338"/>
+          </a:xfrm>
+        </p:spPr>
+        <p:txBody>
+          <a:bodyPr/>
+          <a:lstStyle/>
+          <a:p>
+            <a:pPr marL="0" indent="0">
+              <a:buNone/>
+            </a:pPr>
+            <a:r>
+              <a:rPr lang="de-CH" dirty="0">
+                <a:solidFill>
+                  <a:schemeClr val="accent1">
+                    <a:lumMod val="75000"/>
+                  </a:schemeClr>
+                </a:solidFill>
+              </a:rPr>
+              <a:t>Additional </a:t>
+            </a:r>
+            <a:r>
+              <a:rPr lang="de-CH" dirty="0" err="1">
+                <a:solidFill>
+                  <a:schemeClr val="accent1">
+                    <a:lumMod val="75000"/>
+                  </a:schemeClr>
+                </a:solidFill>
+              </a:rPr>
+              <a:t>features</a:t>
+            </a:r>
+            <a:r>
+              <a:rPr lang="de-CH" dirty="0">
+                <a:solidFill>
+                  <a:schemeClr val="accent1">
+                    <a:lumMod val="75000"/>
+                  </a:schemeClr>
+                </a:solidFill>
+              </a:rPr>
+              <a:t> </a:t>
+            </a:r>
+            <a:r>
+              <a:rPr lang="de-CH" dirty="0" err="1">
+                <a:solidFill>
+                  <a:schemeClr val="accent1">
+                    <a:lumMod val="75000"/>
+                  </a:schemeClr>
+                </a:solidFill>
+              </a:rPr>
+              <a:t>for</a:t>
+            </a:r>
+            <a:r>
+              <a:rPr lang="de-CH" dirty="0">
+                <a:solidFill>
+                  <a:schemeClr val="accent1">
+                    <a:lumMod val="75000"/>
+                  </a:schemeClr>
+                </a:solidFill>
+              </a:rPr>
+              <a:t> </a:t>
+            </a:r>
+            <a:r>
+              <a:rPr lang="de-CH" dirty="0" err="1">
+                <a:solidFill>
+                  <a:schemeClr val="accent1">
+                    <a:lumMod val="75000"/>
+                  </a:schemeClr>
+                </a:solidFill>
+              </a:rPr>
+              <a:t>bioinformatics</a:t>
+            </a:r>
+            <a:r>
+              <a:rPr lang="de-CH" dirty="0">
+                <a:solidFill>
+                  <a:schemeClr val="accent1">
+                    <a:lumMod val="75000"/>
+                  </a:schemeClr>
+                </a:solidFill>
+              </a:rPr>
+              <a:t>:</a:t>
+            </a:r>
+          </a:p>
+          <a:p>
+            <a:r>
+              <a:rPr lang="de-CH" dirty="0" err="1"/>
+              <a:t>Enable</a:t>
+            </a:r>
+            <a:r>
+              <a:rPr lang="de-CH" dirty="0"/>
+              <a:t> Position </a:t>
+            </a:r>
+            <a:r>
+              <a:rPr lang="de-CH" dirty="0" err="1"/>
+              <a:t>weight</a:t>
+            </a:r>
+            <a:r>
+              <a:rPr lang="de-CH" dirty="0"/>
+              <a:t> </a:t>
+            </a:r>
+            <a:r>
+              <a:rPr lang="de-CH" dirty="0" err="1"/>
+              <a:t>matrix</a:t>
+            </a:r>
+            <a:endParaRPr lang="de-CH" dirty="0"/>
+          </a:p>
+          <a:p>
+            <a:endParaRPr lang="de-CH" dirty="0"/>
+          </a:p>
+          <a:p>
+            <a:endParaRPr lang="de-CH" dirty="0"/>
+          </a:p>
+          <a:p>
+            <a:r>
+              <a:rPr lang="de-CH" dirty="0" err="1"/>
+              <a:t>Enable</a:t>
+            </a:r>
+            <a:r>
+              <a:rPr lang="de-CH" dirty="0"/>
+              <a:t> </a:t>
+            </a:r>
+            <a:r>
+              <a:rPr lang="de-CH" dirty="0" err="1"/>
+              <a:t>sequence</a:t>
+            </a:r>
+            <a:r>
+              <a:rPr lang="de-CH" dirty="0"/>
+              <a:t> </a:t>
+            </a:r>
+            <a:r>
+              <a:rPr lang="de-CH" dirty="0" err="1"/>
+              <a:t>alignment</a:t>
+            </a:r>
+            <a:r>
+              <a:rPr lang="de-CH" dirty="0"/>
+              <a:t> </a:t>
+            </a:r>
+            <a:r>
+              <a:rPr lang="de-CH" dirty="0" err="1"/>
+              <a:t>checks</a:t>
+            </a:r>
+            <a:endParaRPr lang="de-CH" dirty="0"/>
+          </a:p>
+          <a:p>
+            <a:endParaRPr lang="de-CH" dirty="0"/>
+          </a:p>
+          <a:p>
+            <a:r>
+              <a:rPr lang="de-CH" dirty="0"/>
+              <a:t>Combine DNA </a:t>
+            </a:r>
+            <a:r>
+              <a:rPr lang="de-CH" dirty="0" err="1"/>
+              <a:t>analysis</a:t>
+            </a:r>
+            <a:r>
+              <a:rPr lang="de-CH" dirty="0"/>
+              <a:t> </a:t>
+            </a:r>
+            <a:r>
+              <a:rPr lang="de-CH" dirty="0" err="1"/>
+              <a:t>with</a:t>
+            </a:r>
+            <a:r>
+              <a:rPr lang="de-CH" dirty="0"/>
+              <a:t> </a:t>
+            </a:r>
+            <a:r>
+              <a:rPr lang="de-CH" dirty="0" err="1"/>
+              <a:t>other</a:t>
+            </a:r>
+            <a:r>
+              <a:rPr lang="de-CH" dirty="0"/>
+              <a:t> </a:t>
+            </a:r>
+            <a:r>
+              <a:rPr lang="de-CH" dirty="0" err="1"/>
+              <a:t>omics</a:t>
+            </a:r>
+            <a:r>
+              <a:rPr lang="de-CH" dirty="0"/>
+              <a:t> </a:t>
+            </a:r>
+            <a:r>
+              <a:rPr lang="de-CH" dirty="0" err="1"/>
+              <a:t>data</a:t>
+            </a:r>
+            <a:endParaRPr lang="de-CH" dirty="0"/>
+          </a:p>
+          <a:p>
+            <a:pPr lvl="1"/>
+            <a:r>
+              <a:rPr lang="de-CH" dirty="0" err="1"/>
+              <a:t>Going</a:t>
+            </a:r>
+            <a:r>
+              <a:rPr lang="de-CH" dirty="0"/>
+              <a:t> </a:t>
+            </a:r>
+            <a:r>
+              <a:rPr lang="de-CH" dirty="0" err="1"/>
+              <a:t>towards</a:t>
+            </a:r>
+            <a:r>
+              <a:rPr lang="de-CH" dirty="0"/>
+              <a:t> </a:t>
+            </a:r>
+            <a:r>
+              <a:rPr lang="de-CH" dirty="0" err="1"/>
+              <a:t>integromics</a:t>
+            </a:r>
+            <a:r>
+              <a:rPr lang="de-CH" dirty="0"/>
+              <a:t> (</a:t>
+            </a:r>
+            <a:r>
+              <a:rPr lang="de-CH" dirty="0" err="1"/>
+              <a:t>genomics</a:t>
+            </a:r>
+            <a:r>
+              <a:rPr lang="de-CH" dirty="0"/>
+              <a:t>, </a:t>
+            </a:r>
+            <a:r>
+              <a:rPr lang="de-CH" dirty="0" err="1"/>
+              <a:t>transcriptomics</a:t>
+            </a:r>
+            <a:r>
+              <a:rPr lang="de-CH" dirty="0"/>
+              <a:t>, </a:t>
+            </a:r>
+            <a:r>
+              <a:rPr lang="de-CH" dirty="0" err="1"/>
+              <a:t>proteomics</a:t>
+            </a:r>
+            <a:r>
+              <a:rPr lang="de-CH" dirty="0"/>
+              <a:t> etc.)</a:t>
+            </a:r>
+          </a:p>
+          <a:p>
+            <a:pPr lvl="1"/>
+            <a:endParaRPr lang="de-CH" dirty="0"/>
+          </a:p>
+          <a:p>
+            <a:endParaRPr lang="de-CH" dirty="0"/>
+          </a:p>
+        </p:txBody>
+      </p:sp>
       <p:pic>
         <p:nvPicPr>
-          <p:cNvPr id="5" name="Grafik 4">
+          <p:cNvPr id="4" name="Grafik 3">
             <a:extLst>
               <a:ext uri="{FF2B5EF4-FFF2-40B4-BE49-F238E27FC236}">
-                <a16:creationId xmlns:a16="http://schemas.microsoft.com/office/drawing/2014/main" id="{15FDD304-ABC9-4114-BAA5-855401999782}"/>
+                <a16:creationId xmlns:a16="http://schemas.microsoft.com/office/drawing/2014/main" id="{39826E72-EBDA-5540-A111-E28D84F2A8C9}"/>
               </a:ext>
             </a:extLst>
           </p:cNvPr>
@@ -13047,60 +13124,85 @@
           <p:nvPr/>
         </p:nvPicPr>
         <p:blipFill>
-          <a:blip r:embed="rId9"/>
+          <a:blip r:embed="rId5"/>
           <a:stretch>
             <a:fillRect/>
           </a:stretch>
         </p:blipFill>
         <p:spPr>
           <a:xfrm>
-            <a:off x="6528775" y="2674546"/>
-            <a:ext cx="4585436" cy="3139260"/>
+            <a:off x="1338145" y="2739485"/>
+            <a:ext cx="4223371" cy="1190190"/>
           </a:xfrm>
           <a:prstGeom prst="rect">
             <a:avLst/>
           </a:prstGeom>
         </p:spPr>
       </p:pic>
-      <p:sp>
-        <p:nvSpPr>
-          <p:cNvPr id="17" name="Textfeld 16">
+      <p:pic>
+        <p:nvPicPr>
+          <p:cNvPr id="6" name="Grafik 5">
             <a:extLst>
               <a:ext uri="{FF2B5EF4-FFF2-40B4-BE49-F238E27FC236}">
-                <a16:creationId xmlns:a16="http://schemas.microsoft.com/office/drawing/2014/main" id="{50C5D03C-9D24-4F53-901B-CC804D6E20EF}"/>
+                <a16:creationId xmlns:a16="http://schemas.microsoft.com/office/drawing/2014/main" id="{2636B664-A11C-144E-8837-43BFFCBA01CB}"/>
               </a:ext>
             </a:extLst>
           </p:cNvPr>
-          <p:cNvSpPr txBox="1"/>
+          <p:cNvPicPr>
+            <a:picLocks noChangeAspect="1"/>
+          </p:cNvPicPr>
           <p:nvPr/>
-        </p:nvSpPr>
+        </p:nvPicPr>
+        <p:blipFill>
+          <a:blip r:embed="rId6"/>
+          <a:stretch>
+            <a:fillRect/>
+          </a:stretch>
+        </p:blipFill>
         <p:spPr>
           <a:xfrm>
-            <a:off x="2310933" y="4462356"/>
-            <a:ext cx="2581899" cy="1107996"/>
+            <a:off x="5759940" y="2758829"/>
+            <a:ext cx="950330" cy="1100848"/>
           </a:xfrm>
           <a:prstGeom prst="rect">
             <a:avLst/>
           </a:prstGeom>
-          <a:noFill/>
         </p:spPr>
-        <p:txBody>
-          <a:bodyPr wrap="square">
-            <a:spAutoFit/>
-          </a:bodyPr>
-          <a:lstStyle/>
-          <a:p>
-            <a:r>
-              <a:rPr lang="de-CH" sz="6600" dirty="0"/>
-              <a:t>ERBB2</a:t>
-            </a:r>
-          </a:p>
-        </p:txBody>
-      </p:sp>
+      </p:pic>
+      <p:pic>
+        <p:nvPicPr>
+          <p:cNvPr id="8" name="Grafik 7">
+            <a:extLst>
+              <a:ext uri="{FF2B5EF4-FFF2-40B4-BE49-F238E27FC236}">
+                <a16:creationId xmlns:a16="http://schemas.microsoft.com/office/drawing/2014/main" id="{BC50388B-5E50-DF4F-8786-FB54947C23CA}"/>
+              </a:ext>
+            </a:extLst>
+          </p:cNvPr>
+          <p:cNvPicPr>
+            <a:picLocks noChangeAspect="1"/>
+          </p:cNvPicPr>
+          <p:nvPr/>
+        </p:nvPicPr>
+        <p:blipFill>
+          <a:blip r:embed="rId7"/>
+          <a:stretch>
+            <a:fillRect/>
+          </a:stretch>
+        </p:blipFill>
+        <p:spPr>
+          <a:xfrm>
+            <a:off x="7025269" y="3737013"/>
+            <a:ext cx="2581174" cy="1017533"/>
+          </a:xfrm>
+          <a:prstGeom prst="rect">
+            <a:avLst/>
+          </a:prstGeom>
+        </p:spPr>
+      </p:pic>
     </p:spTree>
     <p:extLst>
       <p:ext uri="{BB962C8B-B14F-4D97-AF65-F5344CB8AC3E}">
-        <p14:creationId xmlns:p14="http://schemas.microsoft.com/office/powerpoint/2010/main" val="4186038032"/>
+        <p14:creationId xmlns:p14="http://schemas.microsoft.com/office/powerpoint/2010/main" val="2619301864"/>
       </p:ext>
     </p:extLst>
   </p:cSld>
@@ -13721,7 +13823,7 @@
             </a:r>
             <a:r>
               <a:rPr lang="de-CH" sz="2000" dirty="0" err="1"/>
-              <a:t>certain</a:t>
+              <a:t>certainly</a:t>
             </a:r>
             <a:r>
               <a:rPr lang="de-CH" sz="2000" dirty="0"/>
@@ -13931,8 +14033,12 @@
               <a:t>sit</a:t>
             </a:r>
             <a:r>
+              <a:rPr lang="de-CH" sz="2000"/>
+              <a:t> in </a:t>
+            </a:r>
+            <a:r>
               <a:rPr lang="de-CH" sz="2000" dirty="0"/>
-              <a:t> in Eastern Europe... </a:t>
+              <a:t>Eastern Europe... </a:t>
             </a:r>
             <a:r>
               <a:rPr lang="de-CH" sz="2000" dirty="0" err="1"/>
